--- a/랩미팅/201908/190805 (Jong).pptx
+++ b/랩미팅/201908/190805 (Jong).pptx
@@ -5,15 +5,16 @@
     <p:sldMasterId id="2147483660" r:id="rId1"/>
   </p:sldMasterIdLst>
   <p:notesMasterIdLst>
-    <p:notesMasterId r:id="rId8"/>
+    <p:notesMasterId r:id="rId9"/>
   </p:notesMasterIdLst>
   <p:sldIdLst>
     <p:sldId id="322" r:id="rId2"/>
     <p:sldId id="339" r:id="rId3"/>
     <p:sldId id="341" r:id="rId4"/>
     <p:sldId id="340" r:id="rId5"/>
-    <p:sldId id="338" r:id="rId6"/>
-    <p:sldId id="337" r:id="rId7"/>
+    <p:sldId id="342" r:id="rId6"/>
+    <p:sldId id="343" r:id="rId7"/>
+    <p:sldId id="344" r:id="rId8"/>
   </p:sldIdLst>
   <p:sldSz cx="9144000" cy="6858000" type="screen4x3"/>
   <p:notesSz cx="6735763" cy="9866313"/>
@@ -202,7 +203,7 @@
           <a:p>
             <a:fld id="{A9D6DECA-6E4E-4D09-9277-E151A2E3F74C}" type="datetimeFigureOut">
               <a:rPr lang="ko-KR" altLang="en-US" smtClean="0"/>
-              <a:t>2019-08-01</a:t>
+              <a:t>2019-08-05</a:t>
             </a:fld>
             <a:endParaRPr lang="ko-KR" altLang="en-US"/>
           </a:p>
@@ -554,90 +555,6 @@
 </p:notes>
 </file>
 
-<file path=ppt/notesSlides/notesSlide2.xml><?xml version="1.0" encoding="utf-8"?>
-<p:notes xmlns:a="http://schemas.openxmlformats.org/drawingml/2006/main" xmlns:r="http://schemas.openxmlformats.org/officeDocument/2006/relationships" xmlns:p="http://schemas.openxmlformats.org/presentationml/2006/main">
-  <p:cSld>
-    <p:spTree>
-      <p:nvGrpSpPr>
-        <p:cNvPr id="1" name=""/>
-        <p:cNvGrpSpPr/>
-        <p:nvPr/>
-      </p:nvGrpSpPr>
-      <p:grpSpPr>
-        <a:xfrm>
-          <a:off x="0" y="0"/>
-          <a:ext cx="0" cy="0"/>
-          <a:chOff x="0" y="0"/>
-          <a:chExt cx="0" cy="0"/>
-        </a:xfrm>
-      </p:grpSpPr>
-      <p:sp>
-        <p:nvSpPr>
-          <p:cNvPr id="2" name="슬라이드 이미지 개체 틀 1"/>
-          <p:cNvSpPr>
-            <a:spLocks noGrp="1" noRot="1" noChangeAspect="1"/>
-          </p:cNvSpPr>
-          <p:nvPr>
-            <p:ph type="sldImg"/>
-          </p:nvPr>
-        </p:nvSpPr>
-        <p:spPr/>
-      </p:sp>
-      <p:sp>
-        <p:nvSpPr>
-          <p:cNvPr id="3" name="슬라이드 노트 개체 틀 2"/>
-          <p:cNvSpPr>
-            <a:spLocks noGrp="1"/>
-          </p:cNvSpPr>
-          <p:nvPr>
-            <p:ph type="body" idx="1"/>
-          </p:nvPr>
-        </p:nvSpPr>
-        <p:spPr/>
-        <p:txBody>
-          <a:bodyPr/>
-          <a:lstStyle/>
-          <a:p>
-            <a:endParaRPr lang="ko-KR" altLang="en-US"/>
-          </a:p>
-        </p:txBody>
-      </p:sp>
-      <p:sp>
-        <p:nvSpPr>
-          <p:cNvPr id="4" name="슬라이드 번호 개체 틀 3"/>
-          <p:cNvSpPr>
-            <a:spLocks noGrp="1"/>
-          </p:cNvSpPr>
-          <p:nvPr>
-            <p:ph type="sldNum" sz="quarter" idx="10"/>
-          </p:nvPr>
-        </p:nvSpPr>
-        <p:spPr/>
-        <p:txBody>
-          <a:bodyPr/>
-          <a:lstStyle/>
-          <a:p>
-            <a:fld id="{6D0ABE42-EEBB-47F0-BC6E-2BB25FA03CFE}" type="slidenum">
-              <a:rPr lang="ko-KR" altLang="en-US" smtClean="0"/>
-              <a:t>5</a:t>
-            </a:fld>
-            <a:endParaRPr lang="ko-KR" altLang="en-US"/>
-          </a:p>
-        </p:txBody>
-      </p:sp>
-    </p:spTree>
-    <p:extLst>
-      <p:ext uri="{BB962C8B-B14F-4D97-AF65-F5344CB8AC3E}">
-        <p14:creationId xmlns:p14="http://schemas.microsoft.com/office/powerpoint/2010/main" val="3488233263"/>
-      </p:ext>
-    </p:extLst>
-  </p:cSld>
-  <p:clrMapOvr>
-    <a:masterClrMapping/>
-  </p:clrMapOvr>
-</p:notes>
-</file>
-
 <file path=ppt/slideLayouts/slideLayout1.xml><?xml version="1.0" encoding="utf-8"?>
 <p:sldLayout xmlns:a="http://schemas.openxmlformats.org/drawingml/2006/main" xmlns:r="http://schemas.openxmlformats.org/officeDocument/2006/relationships" xmlns:p="http://schemas.openxmlformats.org/presentationml/2006/main" type="title" preserve="1">
   <p:cSld name="제목 슬라이드">
@@ -769,7 +686,7 @@
           <a:p>
             <a:fld id="{78E89258-A40F-4400-BA1A-638141289729}" type="datetime1">
               <a:rPr lang="ko-KR" altLang="en-US" smtClean="0"/>
-              <a:t>2019-08-01</a:t>
+              <a:t>2019-08-05</a:t>
             </a:fld>
             <a:endParaRPr lang="ko-KR" altLang="en-US"/>
           </a:p>
@@ -946,7 +863,7 @@
           <a:p>
             <a:fld id="{CD116CEF-802E-43F7-8932-78519DF2A264}" type="datetime1">
               <a:rPr lang="ko-KR" altLang="en-US" smtClean="0"/>
-              <a:t>2019-08-01</a:t>
+              <a:t>2019-08-05</a:t>
             </a:fld>
             <a:endParaRPr lang="ko-KR" altLang="en-US"/>
           </a:p>
@@ -1126,7 +1043,7 @@
           <a:p>
             <a:fld id="{EFD9D7C3-1982-427D-BFA7-1AF9687AAB0F}" type="datetime1">
               <a:rPr lang="ko-KR" altLang="en-US" smtClean="0"/>
-              <a:t>2019-08-01</a:t>
+              <a:t>2019-08-05</a:t>
             </a:fld>
             <a:endParaRPr lang="ko-KR" altLang="en-US"/>
           </a:p>
@@ -1296,7 +1213,7 @@
           <a:p>
             <a:fld id="{EDD93E7F-B437-40E5-8ACB-B79696783EFA}" type="datetime1">
               <a:rPr lang="ko-KR" altLang="en-US" smtClean="0"/>
-              <a:t>2019-08-01</a:t>
+              <a:t>2019-08-05</a:t>
             </a:fld>
             <a:endParaRPr lang="ko-KR" altLang="en-US"/>
           </a:p>
@@ -1540,7 +1457,7 @@
           <a:p>
             <a:fld id="{DB249950-0BD4-4F6E-BE3F-CB53B7E2FD06}" type="datetime1">
               <a:rPr lang="ko-KR" altLang="en-US" smtClean="0"/>
-              <a:t>2019-08-01</a:t>
+              <a:t>2019-08-05</a:t>
             </a:fld>
             <a:endParaRPr lang="ko-KR" altLang="en-US"/>
           </a:p>
@@ -1772,7 +1689,7 @@
           <a:p>
             <a:fld id="{7B016D7E-32C0-4DB3-B6B3-0506A62840FB}" type="datetime1">
               <a:rPr lang="ko-KR" altLang="en-US" smtClean="0"/>
-              <a:t>2019-08-01</a:t>
+              <a:t>2019-08-05</a:t>
             </a:fld>
             <a:endParaRPr lang="ko-KR" altLang="en-US"/>
           </a:p>
@@ -2139,7 +2056,7 @@
           <a:p>
             <a:fld id="{B246672D-B3FD-4B2E-92C0-4A80DA670927}" type="datetime1">
               <a:rPr lang="ko-KR" altLang="en-US" smtClean="0"/>
-              <a:t>2019-08-01</a:t>
+              <a:t>2019-08-05</a:t>
             </a:fld>
             <a:endParaRPr lang="ko-KR" altLang="en-US"/>
           </a:p>
@@ -2257,7 +2174,7 @@
           <a:p>
             <a:fld id="{9B9B7D2E-B202-4D7A-9519-0C490A04EB9C}" type="datetime1">
               <a:rPr lang="ko-KR" altLang="en-US" smtClean="0"/>
-              <a:t>2019-08-01</a:t>
+              <a:t>2019-08-05</a:t>
             </a:fld>
             <a:endParaRPr lang="ko-KR" altLang="en-US"/>
           </a:p>
@@ -2352,7 +2269,7 @@
           <a:p>
             <a:fld id="{12FB9327-987E-47D6-AE2D-63CED8A79494}" type="datetime1">
               <a:rPr lang="ko-KR" altLang="en-US" smtClean="0"/>
-              <a:t>2019-08-01</a:t>
+              <a:t>2019-08-05</a:t>
             </a:fld>
             <a:endParaRPr lang="ko-KR" altLang="en-US"/>
           </a:p>
@@ -2629,7 +2546,7 @@
           <a:p>
             <a:fld id="{D8D87011-7294-4632-A156-4F695AB9E41C}" type="datetime1">
               <a:rPr lang="ko-KR" altLang="en-US" smtClean="0"/>
-              <a:t>2019-08-01</a:t>
+              <a:t>2019-08-05</a:t>
             </a:fld>
             <a:endParaRPr lang="ko-KR" altLang="en-US"/>
           </a:p>
@@ -2886,7 +2803,7 @@
           <a:p>
             <a:fld id="{1BDC7FDB-72DE-4D65-AF4F-510496DAF70F}" type="datetime1">
               <a:rPr lang="ko-KR" altLang="en-US" smtClean="0"/>
-              <a:t>2019-08-01</a:t>
+              <a:t>2019-08-05</a:t>
             </a:fld>
             <a:endParaRPr lang="ko-KR" altLang="en-US"/>
           </a:p>
@@ -3099,7 +3016,7 @@
           <a:p>
             <a:fld id="{9A286DBF-DB43-470A-A903-26374CB6EF47}" type="datetime1">
               <a:rPr lang="ko-KR" altLang="en-US" smtClean="0"/>
-              <a:t>2019-08-01</a:t>
+              <a:t>2019-08-05</a:t>
             </a:fld>
             <a:endParaRPr lang="ko-KR" altLang="en-US"/>
           </a:p>
@@ -3522,7 +3439,7 @@
           <a:p>
             <a:fld id="{32C03489-23FC-4021-B9AB-958EFB3C0FE7}" type="datetime1">
               <a:rPr lang="ko-KR" altLang="en-US" smtClean="0"/>
-              <a:t>2019-08-01</a:t>
+              <a:t>2019-08-05</a:t>
             </a:fld>
             <a:endParaRPr lang="ko-KR" altLang="en-US"/>
           </a:p>
@@ -3598,7 +3515,7 @@
         <p:spPr>
           <a:xfrm>
             <a:off x="4937761" y="935183"/>
-            <a:ext cx="3577590" cy="1338828"/>
+            <a:ext cx="3577590" cy="923330"/>
           </a:xfrm>
           <a:prstGeom prst="rect">
             <a:avLst/>
@@ -3620,15 +3537,7 @@
             </a:pPr>
             <a:r>
               <a:rPr lang="en-US" altLang="ko-KR" dirty="0" smtClean="0"/>
-              <a:t>MSTA 2019 </a:t>
-            </a:r>
-            <a:r>
-              <a:rPr lang="ko-KR" altLang="en-US" dirty="0" smtClean="0"/>
-              <a:t>포스터 </a:t>
-            </a:r>
-            <a:r>
-              <a:rPr lang="en-US" altLang="ko-KR" dirty="0" smtClean="0"/>
-              <a:t>(7/31)</a:t>
+              <a:t>Neural Network Model Training</a:t>
             </a:r>
           </a:p>
           <a:p>
@@ -3640,18 +3549,72 @@
               <a:buChar char="-"/>
             </a:pPr>
             <a:r>
-              <a:rPr lang="ko-KR" altLang="en-US" dirty="0"/>
-              <a:t>삼성산학과제 </a:t>
-            </a:r>
-            <a:r>
-              <a:rPr lang="ko-KR" altLang="en-US" dirty="0" smtClean="0"/>
-              <a:t>보고서</a:t>
-            </a:r>
-            <a:r>
               <a:rPr lang="en-US" altLang="ko-KR" dirty="0" smtClean="0"/>
-              <a:t> (8/1)</a:t>
-            </a:r>
-          </a:p>
+              <a:t>Inverse Design</a:t>
+            </a:r>
+            <a:endParaRPr lang="en-US" altLang="ko-KR" dirty="0" smtClean="0"/>
+          </a:p>
+        </p:txBody>
+      </p:sp>
+      <p:sp>
+        <p:nvSpPr>
+          <p:cNvPr id="6" name="TextBox 5"/>
+          <p:cNvSpPr txBox="1"/>
+          <p:nvPr/>
+        </p:nvSpPr>
+        <p:spPr>
+          <a:xfrm>
+            <a:off x="4937760" y="508008"/>
+            <a:ext cx="1278363" cy="400110"/>
+          </a:xfrm>
+          <a:prstGeom prst="rect">
+            <a:avLst/>
+          </a:prstGeom>
+          <a:noFill/>
+        </p:spPr>
+        <p:txBody>
+          <a:bodyPr wrap="square" rtlCol="0">
+            <a:spAutoFit/>
+          </a:bodyPr>
+          <a:lstStyle/>
+          <a:p>
+            <a:r>
+              <a:rPr lang="en-US" altLang="ko-KR" sz="2000" b="1" dirty="0" smtClean="0">
+                <a:solidFill>
+                  <a:srgbClr val="3333FF"/>
+                </a:solidFill>
+              </a:rPr>
+              <a:t>This Week</a:t>
+            </a:r>
+            <a:endParaRPr lang="ko-KR" altLang="en-US" sz="2000" b="1" dirty="0">
+              <a:solidFill>
+                <a:srgbClr val="3333FF"/>
+              </a:solidFill>
+            </a:endParaRPr>
+          </a:p>
+        </p:txBody>
+      </p:sp>
+      <p:sp>
+        <p:nvSpPr>
+          <p:cNvPr id="23" name="TextBox 22"/>
+          <p:cNvSpPr txBox="1"/>
+          <p:nvPr/>
+        </p:nvSpPr>
+        <p:spPr>
+          <a:xfrm>
+            <a:off x="432704" y="935183"/>
+            <a:ext cx="3826972" cy="1754326"/>
+          </a:xfrm>
+          <a:prstGeom prst="rect">
+            <a:avLst/>
+          </a:prstGeom>
+          <a:noFill/>
+        </p:spPr>
+        <p:txBody>
+          <a:bodyPr wrap="square" rtlCol="0">
+            <a:spAutoFit/>
+          </a:bodyPr>
+          <a:lstStyle/>
           <a:p>
             <a:pPr marL="285750" indent="-285750">
               <a:lnSpc>
@@ -3662,70 +3625,14 @@
             </a:pPr>
             <a:r>
               <a:rPr lang="en-US" altLang="ko-KR" dirty="0" smtClean="0"/>
-              <a:t>Neural Network Model Training</a:t>
-            </a:r>
-          </a:p>
-        </p:txBody>
-      </p:sp>
-      <p:sp>
-        <p:nvSpPr>
-          <p:cNvPr id="6" name="TextBox 5"/>
-          <p:cNvSpPr txBox="1"/>
-          <p:nvPr/>
-        </p:nvSpPr>
-        <p:spPr>
-          <a:xfrm>
-            <a:off x="4937760" y="508008"/>
-            <a:ext cx="1278363" cy="400110"/>
-          </a:xfrm>
-          <a:prstGeom prst="rect">
-            <a:avLst/>
-          </a:prstGeom>
-          <a:noFill/>
-        </p:spPr>
-        <p:txBody>
-          <a:bodyPr wrap="square" rtlCol="0">
-            <a:spAutoFit/>
-          </a:bodyPr>
-          <a:lstStyle/>
-          <a:p>
-            <a:r>
-              <a:rPr lang="en-US" altLang="ko-KR" sz="2000" b="1" dirty="0" smtClean="0">
-                <a:solidFill>
-                  <a:srgbClr val="3333FF"/>
-                </a:solidFill>
-              </a:rPr>
-              <a:t>This Week</a:t>
-            </a:r>
-            <a:endParaRPr lang="ko-KR" altLang="en-US" sz="2000" b="1" dirty="0">
-              <a:solidFill>
-                <a:srgbClr val="3333FF"/>
-              </a:solidFill>
-            </a:endParaRPr>
-          </a:p>
-        </p:txBody>
-      </p:sp>
-      <p:sp>
-        <p:nvSpPr>
-          <p:cNvPr id="23" name="TextBox 22"/>
-          <p:cNvSpPr txBox="1"/>
-          <p:nvPr/>
-        </p:nvSpPr>
-        <p:spPr>
-          <a:xfrm>
-            <a:off x="432704" y="935183"/>
-            <a:ext cx="3826972" cy="1295868"/>
-          </a:xfrm>
-          <a:prstGeom prst="rect">
-            <a:avLst/>
-          </a:prstGeom>
-          <a:noFill/>
-        </p:spPr>
-        <p:txBody>
-          <a:bodyPr wrap="square" rtlCol="0">
-            <a:spAutoFit/>
-          </a:bodyPr>
-          <a:lstStyle/>
+              <a:t>Lumerical FDTD </a:t>
+            </a:r>
+            <a:r>
+              <a:rPr lang="ko-KR" altLang="en-US" dirty="0" smtClean="0"/>
+              <a:t>추가 구매 견적</a:t>
+            </a:r>
+            <a:endParaRPr lang="en-US" altLang="ko-KR" dirty="0" smtClean="0"/>
+          </a:p>
           <a:p>
             <a:pPr marL="285750" indent="-285750">
               <a:lnSpc>
@@ -3736,11 +3643,15 @@
             </a:pPr>
             <a:r>
               <a:rPr lang="en-US" altLang="ko-KR" dirty="0" smtClean="0"/>
-              <a:t>Lumerical FDTD </a:t>
+              <a:t>CPU Workstation </a:t>
             </a:r>
             <a:r>
               <a:rPr lang="ko-KR" altLang="en-US" dirty="0" smtClean="0"/>
-              <a:t>추가 구매 견적</a:t>
+              <a:t>구매 </a:t>
+            </a:r>
+            <a:r>
+              <a:rPr lang="ko-KR" altLang="en-US" dirty="0" smtClean="0"/>
+              <a:t>사양</a:t>
             </a:r>
             <a:endParaRPr lang="en-US" altLang="ko-KR" dirty="0" smtClean="0"/>
           </a:p>
@@ -3754,11 +3665,7 @@
             </a:pPr>
             <a:r>
               <a:rPr lang="en-US" altLang="ko-KR" dirty="0" smtClean="0"/>
-              <a:t>CPU Workstation </a:t>
-            </a:r>
-            <a:r>
-              <a:rPr lang="ko-KR" altLang="en-US" dirty="0" smtClean="0"/>
-              <a:t>구매 사양</a:t>
+              <a:t>Neural Network Model Training</a:t>
             </a:r>
             <a:endParaRPr lang="en-US" altLang="ko-KR" dirty="0" smtClean="0"/>
           </a:p>
@@ -3855,6 +3762,76 @@
           <a:p>
             <a:pPr algn="ctr"/>
             <a:endParaRPr lang="ko-KR" altLang="en-US"/>
+          </a:p>
+        </p:txBody>
+      </p:sp>
+      <p:sp>
+        <p:nvSpPr>
+          <p:cNvPr id="12" name="TextBox 11"/>
+          <p:cNvSpPr txBox="1"/>
+          <p:nvPr/>
+        </p:nvSpPr>
+        <p:spPr>
+          <a:xfrm>
+            <a:off x="4937760" y="4315237"/>
+            <a:ext cx="3142211" cy="400110"/>
+          </a:xfrm>
+          <a:prstGeom prst="rect">
+            <a:avLst/>
+          </a:prstGeom>
+          <a:noFill/>
+        </p:spPr>
+        <p:txBody>
+          <a:bodyPr wrap="square" rtlCol="0">
+            <a:spAutoFit/>
+          </a:bodyPr>
+          <a:lstStyle/>
+          <a:p>
+            <a:r>
+              <a:rPr lang="en-US" altLang="ko-KR" sz="2000" b="1" dirty="0" smtClean="0">
+                <a:solidFill>
+                  <a:srgbClr val="3333FF"/>
+                </a:solidFill>
+              </a:rPr>
+              <a:t>Next Week (8/12 ~ 8/16)</a:t>
+            </a:r>
+          </a:p>
+        </p:txBody>
+      </p:sp>
+      <p:sp>
+        <p:nvSpPr>
+          <p:cNvPr id="13" name="TextBox 12"/>
+          <p:cNvSpPr txBox="1"/>
+          <p:nvPr/>
+        </p:nvSpPr>
+        <p:spPr>
+          <a:xfrm>
+            <a:off x="4937761" y="4770279"/>
+            <a:ext cx="3577590" cy="464871"/>
+          </a:xfrm>
+          <a:prstGeom prst="rect">
+            <a:avLst/>
+          </a:prstGeom>
+          <a:noFill/>
+        </p:spPr>
+        <p:txBody>
+          <a:bodyPr wrap="square" rtlCol="0">
+            <a:spAutoFit/>
+          </a:bodyPr>
+          <a:lstStyle/>
+          <a:p>
+            <a:pPr marL="285750" indent="-285750">
+              <a:lnSpc>
+                <a:spcPct val="150000"/>
+              </a:lnSpc>
+              <a:buFontTx/>
+              <a:buChar char="-"/>
+            </a:pPr>
+            <a:r>
+              <a:rPr lang="ko-KR" altLang="en-US" dirty="0" smtClean="0"/>
+              <a:t>가족 여행</a:t>
+            </a:r>
+            <a:endParaRPr lang="en-US" altLang="ko-KR" dirty="0" smtClean="0"/>
           </a:p>
         </p:txBody>
       </p:sp>
@@ -3912,7 +3889,7 @@
           <a:p>
             <a:fld id="{9B9B7D2E-B202-4D7A-9519-0C490A04EB9C}" type="datetime1">
               <a:rPr lang="ko-KR" altLang="en-US" smtClean="0"/>
-              <a:t>2019-08-01</a:t>
+              <a:t>2019-08-05</a:t>
             </a:fld>
             <a:endParaRPr lang="ko-KR" altLang="en-US"/>
           </a:p>
@@ -4074,11 +4051,7 @@
             </a:r>
             <a:r>
               <a:rPr lang="en-US" altLang="ko-KR" sz="1600" dirty="0" smtClean="0"/>
-              <a:t>, </a:t>
-            </a:r>
-            <a:r>
-              <a:rPr lang="en-US" altLang="ko-KR" sz="1600" dirty="0" smtClean="0"/>
-              <a:t>2</a:t>
+              <a:t>, 2</a:t>
             </a:r>
             <a:r>
               <a:rPr lang="ko-KR" altLang="en-US" sz="1600" dirty="0" smtClean="0"/>
@@ -4126,11 +4099,7 @@
             </a:r>
             <a:r>
               <a:rPr lang="en-US" altLang="ko-KR" sz="1600" dirty="0" smtClean="0"/>
-              <a:t>: 3,520,000 </a:t>
-            </a:r>
-            <a:r>
-              <a:rPr lang="en-US" altLang="ko-KR" sz="1600" dirty="0" smtClean="0"/>
-              <a:t>* 2* 0.9(10% </a:t>
+              <a:t>: 3,520,000 * 2* 0.9(10% </a:t>
             </a:r>
             <a:r>
               <a:rPr lang="ko-KR" altLang="en-US" sz="1600" dirty="0" smtClean="0"/>
@@ -4196,11 +4165,7 @@
             </a:pPr>
             <a:r>
               <a:rPr lang="ko-KR" altLang="en-US" sz="1600" dirty="0" smtClean="0"/>
-              <a:t>신규 </a:t>
-            </a:r>
-            <a:r>
-              <a:rPr lang="ko-KR" altLang="en-US" sz="1600" dirty="0" smtClean="0"/>
-              <a:t>구매 비용</a:t>
+              <a:t>신규 구매 비용</a:t>
             </a:r>
             <a:r>
               <a:rPr lang="en-US" altLang="ko-KR" sz="1600" dirty="0" smtClean="0"/>
@@ -4296,7 +4261,7 @@
           <a:p>
             <a:fld id="{9B9B7D2E-B202-4D7A-9519-0C490A04EB9C}" type="datetime1">
               <a:rPr lang="ko-KR" altLang="en-US" smtClean="0"/>
-              <a:t>2019-08-01</a:t>
+              <a:t>2019-08-05</a:t>
             </a:fld>
             <a:endParaRPr lang="ko-KR" altLang="en-US"/>
           </a:p>
@@ -4396,7 +4361,7 @@
         <p:spPr>
           <a:xfrm>
             <a:off x="343884" y="814119"/>
-            <a:ext cx="8276414" cy="1615827"/>
+            <a:ext cx="8276414" cy="1985159"/>
           </a:xfrm>
           <a:prstGeom prst="rect">
             <a:avLst/>
@@ -4478,6 +4443,26 @@
             <a:r>
               <a:rPr lang="ko-KR" altLang="en-US" sz="1600" dirty="0" smtClean="0"/>
               <a:t>원</a:t>
+            </a:r>
+            <a:endParaRPr lang="en-US" altLang="ko-KR" sz="1600" dirty="0" smtClean="0"/>
+          </a:p>
+          <a:p>
+            <a:pPr>
+              <a:lnSpc>
+                <a:spcPct val="150000"/>
+              </a:lnSpc>
+            </a:pPr>
+            <a:r>
+              <a:rPr lang="ko-KR" altLang="en-US" sz="1600" dirty="0" smtClean="0"/>
+              <a:t>기존 라이선스 취소 후 </a:t>
+            </a:r>
+            <a:r>
+              <a:rPr lang="ko-KR" altLang="en-US" sz="1600" dirty="0" err="1" smtClean="0"/>
+              <a:t>잔여기간은</a:t>
+            </a:r>
+            <a:r>
+              <a:rPr lang="ko-KR" altLang="en-US" sz="1600" dirty="0" smtClean="0"/>
+              <a:t> 업그레이드 비용에서 공제</a:t>
             </a:r>
             <a:endParaRPr lang="en-US" altLang="ko-KR" sz="1600" dirty="0" smtClean="0"/>
           </a:p>
@@ -4491,7 +4476,7 @@
         </p:nvGrpSpPr>
         <p:grpSpPr>
           <a:xfrm>
-            <a:off x="4738254" y="2503045"/>
+            <a:off x="4738254" y="2943619"/>
             <a:ext cx="3960000" cy="2803899"/>
             <a:chOff x="3074098" y="3750313"/>
             <a:chExt cx="3960000" cy="2803899"/>
@@ -4565,7 +4550,7 @@
         </p:nvSpPr>
         <p:spPr>
           <a:xfrm>
-            <a:off x="343884" y="2933713"/>
+            <a:off x="343884" y="3374287"/>
             <a:ext cx="4148051" cy="2308324"/>
           </a:xfrm>
           <a:prstGeom prst="rect">
@@ -4796,7 +4781,7 @@
           <a:p>
             <a:fld id="{9B9B7D2E-B202-4D7A-9519-0C490A04EB9C}" type="datetime1">
               <a:rPr lang="ko-KR" altLang="en-US" smtClean="0"/>
-              <a:t>2019-08-01</a:t>
+              <a:t>2019-08-05</a:t>
             </a:fld>
             <a:endParaRPr lang="ko-KR" altLang="en-US"/>
           </a:p>
@@ -4880,7 +4865,7 @@
         <p:spPr>
           <a:xfrm>
             <a:off x="343884" y="402622"/>
-            <a:ext cx="8276414" cy="878126"/>
+            <a:ext cx="8276414" cy="923330"/>
           </a:xfrm>
           <a:prstGeom prst="rect">
             <a:avLst/>
@@ -4961,6 +4946,36 @@
                 <a:latin typeface="+mn-ea"/>
               </a:rPr>
               <a:t>활용에 집중 </a:t>
+            </a:r>
+            <a:r>
+              <a:rPr lang="en-US" altLang="ko-KR" dirty="0" smtClean="0">
+                <a:latin typeface="+mn-ea"/>
+              </a:rPr>
+              <a:t>(Lumerical FDTD</a:t>
+            </a:r>
+            <a:r>
+              <a:rPr lang="ko-KR" altLang="en-US" dirty="0" smtClean="0">
+                <a:latin typeface="+mn-ea"/>
+              </a:rPr>
+              <a:t>는 </a:t>
+            </a:r>
+            <a:r>
+              <a:rPr lang="en-US" altLang="ko-KR" dirty="0" smtClean="0">
+                <a:latin typeface="+mn-ea"/>
+              </a:rPr>
+              <a:t>GPU </a:t>
+            </a:r>
+            <a:r>
+              <a:rPr lang="ko-KR" altLang="en-US" dirty="0" smtClean="0">
+                <a:latin typeface="+mn-ea"/>
+              </a:rPr>
+              <a:t>지원 </a:t>
+            </a:r>
+            <a:r>
+              <a:rPr lang="en-US" altLang="ko-KR" dirty="0" smtClean="0">
+                <a:latin typeface="+mn-ea"/>
+              </a:rPr>
+              <a:t>X)</a:t>
             </a:r>
             <a:endParaRPr lang="en-US" altLang="ko-KR" dirty="0" smtClean="0">
               <a:latin typeface="+mn-ea"/>
@@ -4977,7 +4992,7 @@
           <p:nvPr>
             <p:extLst>
               <p:ext uri="{D42A27DB-BD31-4B8C-83A1-F6EECF244321}">
-                <p14:modId xmlns:p14="http://schemas.microsoft.com/office/powerpoint/2010/main" val="2128754810"/>
+                <p14:modId xmlns:p14="http://schemas.microsoft.com/office/powerpoint/2010/main" val="1669556358"/>
               </p:ext>
             </p:extLst>
           </p:nvPr>
@@ -6125,6 +6140,14 @@
                     <a:lstStyle/>
                     <a:p>
                       <a:pPr algn="ctr" fontAlgn="ctr"/>
+                      <a:r>
+                        <a:rPr lang="en-US" altLang="ko-KR" sz="1200" b="0" i="0" u="none" strike="noStrike" dirty="0" smtClean="0">
+                          <a:effectLst/>
+                          <a:latin typeface="+mn-ea"/>
+                          <a:ea typeface="+mn-ea"/>
+                        </a:rPr>
+                        <a:t>Advantages</a:t>
+                      </a:r>
                       <a:endParaRPr lang="en-US" altLang="ko-KR" sz="1200" b="0" i="0" u="none" strike="noStrike" dirty="0">
                         <a:effectLst/>
                         <a:latin typeface="+mn-ea"/>
@@ -6273,82 +6296,704 @@
           <a:chExt cx="0" cy="0"/>
         </a:xfrm>
       </p:grpSpPr>
-      <p:pic>
-        <p:nvPicPr>
-          <p:cNvPr id="8" name="그림 7"/>
-          <p:cNvPicPr>
-            <a:picLocks noChangeAspect="1"/>
-          </p:cNvPicPr>
+      <p:sp>
+        <p:nvSpPr>
+          <p:cNvPr id="3" name="날짜 개체 틀 2"/>
+          <p:cNvSpPr>
+            <a:spLocks noGrp="1"/>
+          </p:cNvSpPr>
+          <p:nvPr>
+            <p:ph type="dt" sz="half" idx="10"/>
+          </p:nvPr>
+        </p:nvSpPr>
+        <p:spPr/>
+        <p:txBody>
+          <a:bodyPr/>
+          <a:lstStyle/>
+          <a:p>
+            <a:fld id="{9B9B7D2E-B202-4D7A-9519-0C490A04EB9C}" type="datetime1">
+              <a:rPr lang="ko-KR" altLang="en-US" smtClean="0"/>
+              <a:t>2019-08-05</a:t>
+            </a:fld>
+            <a:endParaRPr lang="ko-KR" altLang="en-US"/>
+          </a:p>
+        </p:txBody>
+      </p:sp>
+      <p:sp>
+        <p:nvSpPr>
+          <p:cNvPr id="4" name="슬라이드 번호 개체 틀 3"/>
+          <p:cNvSpPr>
+            <a:spLocks noGrp="1"/>
+          </p:cNvSpPr>
+          <p:nvPr>
+            <p:ph type="sldNum" sz="quarter" idx="12"/>
+          </p:nvPr>
+        </p:nvSpPr>
+        <p:spPr/>
+        <p:txBody>
+          <a:bodyPr/>
+          <a:lstStyle/>
+          <a:p>
+            <a:fld id="{8765F8EB-1186-4395-8E70-F957669279DD}" type="slidenum">
+              <a:rPr lang="ko-KR" altLang="en-US" smtClean="0"/>
+              <a:t>5</a:t>
+            </a:fld>
+            <a:endParaRPr lang="ko-KR" altLang="en-US"/>
+          </a:p>
+        </p:txBody>
+      </p:sp>
+      <p:sp>
+        <p:nvSpPr>
+          <p:cNvPr id="5" name="TextBox 4"/>
+          <p:cNvSpPr txBox="1"/>
           <p:nvPr/>
-        </p:nvPicPr>
-        <p:blipFill>
-          <a:blip r:embed="rId3">
-            <a:extLst>
-              <a:ext uri="{28A0092B-C50C-407E-A947-70E740481C1C}">
-                <a14:useLocalDpi xmlns:a14="http://schemas.microsoft.com/office/drawing/2010/main" val="0"/>
-              </a:ext>
-            </a:extLst>
-          </a:blip>
-          <a:stretch>
-            <a:fillRect/>
-          </a:stretch>
-        </p:blipFill>
+        </p:nvSpPr>
         <p:spPr>
           <a:xfrm>
-            <a:off x="906190" y="4086890"/>
-            <a:ext cx="2880000" cy="2160000"/>
+            <a:off x="0" y="2512"/>
+            <a:ext cx="3537379" cy="400110"/>
           </a:xfrm>
           <a:prstGeom prst="rect">
             <a:avLst/>
           </a:prstGeom>
-        </p:spPr>
-      </p:pic>
-      <p:pic>
-        <p:nvPicPr>
-          <p:cNvPr id="12" name="그림 11"/>
-          <p:cNvPicPr>
-            <a:picLocks noChangeAspect="1"/>
-          </p:cNvPicPr>
+          <a:noFill/>
+        </p:spPr>
+        <p:txBody>
+          <a:bodyPr wrap="none" rtlCol="0">
+            <a:spAutoFit/>
+          </a:bodyPr>
+          <a:lstStyle/>
+          <a:p>
+            <a:r>
+              <a:rPr lang="en-US" altLang="ko-KR" sz="2000" b="1" dirty="0" smtClean="0">
+                <a:solidFill>
+                  <a:srgbClr val="3333FF"/>
+                </a:solidFill>
+              </a:rPr>
+              <a:t>Algorithm with Neural Network</a:t>
+            </a:r>
+            <a:endParaRPr lang="ko-KR" altLang="en-US" sz="2000" b="1" dirty="0">
+              <a:solidFill>
+                <a:srgbClr val="3333FF"/>
+              </a:solidFill>
+            </a:endParaRPr>
+          </a:p>
+        </p:txBody>
+      </p:sp>
+      <p:sp>
+        <p:nvSpPr>
+          <p:cNvPr id="2" name="직사각형 1"/>
+          <p:cNvSpPr/>
           <p:nvPr/>
-        </p:nvPicPr>
-        <p:blipFill>
-          <a:blip r:embed="rId4">
-            <a:extLst>
-              <a:ext uri="{28A0092B-C50C-407E-A947-70E740481C1C}">
-                <a14:useLocalDpi xmlns:a14="http://schemas.microsoft.com/office/drawing/2010/main" val="0"/>
-              </a:ext>
-            </a:extLst>
-          </a:blip>
-          <a:stretch>
-            <a:fillRect/>
-          </a:stretch>
-        </p:blipFill>
+        </p:nvSpPr>
         <p:spPr>
           <a:xfrm>
-            <a:off x="906190" y="1690537"/>
-            <a:ext cx="2880000" cy="2160000"/>
+            <a:off x="537521" y="434611"/>
+            <a:ext cx="5835534" cy="1200329"/>
           </a:xfrm>
           <a:prstGeom prst="rect">
             <a:avLst/>
           </a:prstGeom>
         </p:spPr>
-      </p:pic>
-      <p:sp>
-        <p:nvSpPr>
-          <p:cNvPr id="13" name="아래쪽 화살표 12"/>
+        <p:txBody>
+          <a:bodyPr wrap="square">
+            <a:spAutoFit/>
+          </a:bodyPr>
+          <a:lstStyle/>
+          <a:p>
+            <a:r>
+              <a:rPr lang="en-US" altLang="ko-KR" b="1" dirty="0"/>
+              <a:t>With Neural Network</a:t>
+            </a:r>
+          </a:p>
+          <a:p>
+            <a:pPr marL="285750" indent="-285750">
+              <a:buFontTx/>
+              <a:buChar char="-"/>
+            </a:pPr>
+            <a:r>
+              <a:rPr lang="en-US" altLang="ko-KR" dirty="0" smtClean="0"/>
+              <a:t>FCNN </a:t>
+            </a:r>
+            <a:r>
+              <a:rPr lang="en-US" altLang="ko-KR" dirty="0"/>
+              <a:t>(Fully </a:t>
+            </a:r>
+            <a:r>
+              <a:rPr lang="en-US" altLang="ko-KR" dirty="0" smtClean="0"/>
+              <a:t>Connected Neural </a:t>
+            </a:r>
+            <a:r>
+              <a:rPr lang="en-US" altLang="ko-KR" dirty="0"/>
+              <a:t>Network)</a:t>
+            </a:r>
+          </a:p>
+          <a:p>
+            <a:pPr marL="285750" indent="-285750">
+              <a:buFontTx/>
+              <a:buChar char="-"/>
+            </a:pPr>
+            <a:r>
+              <a:rPr lang="en-US" altLang="ko-KR" dirty="0" err="1"/>
+              <a:t>ResNet</a:t>
+            </a:r>
+            <a:r>
+              <a:rPr lang="en-US" altLang="ko-KR" dirty="0"/>
+              <a:t> (Residual Network)</a:t>
+            </a:r>
+          </a:p>
+          <a:p>
+            <a:pPr marL="285750" indent="-285750">
+              <a:buFontTx/>
+              <a:buChar char="-"/>
+            </a:pPr>
+            <a:r>
+              <a:rPr lang="en-US" altLang="ko-KR" dirty="0" err="1"/>
+              <a:t>DenseNet</a:t>
+            </a:r>
+            <a:r>
+              <a:rPr lang="en-US" altLang="ko-KR" dirty="0"/>
+              <a:t> (Dense Network)</a:t>
+            </a:r>
+            <a:endParaRPr lang="ko-KR" altLang="en-US" dirty="0"/>
+          </a:p>
+        </p:txBody>
+      </p:sp>
+      <p:sp>
+        <p:nvSpPr>
+          <p:cNvPr id="22" name="TextBox 21"/>
+          <p:cNvSpPr txBox="1"/>
+          <p:nvPr/>
+        </p:nvSpPr>
+        <p:spPr>
+          <a:xfrm>
+            <a:off x="2498190" y="2540151"/>
+            <a:ext cx="700567" cy="369332"/>
+          </a:xfrm>
+          <a:prstGeom prst="rect">
+            <a:avLst/>
+          </a:prstGeom>
+          <a:noFill/>
+        </p:spPr>
+        <p:txBody>
+          <a:bodyPr wrap="square" rtlCol="0">
+            <a:spAutoFit/>
+          </a:bodyPr>
+          <a:lstStyle/>
+          <a:p>
+            <a:pPr algn="ctr"/>
+            <a:r>
+              <a:rPr lang="en-US" altLang="ko-KR" dirty="0" smtClean="0"/>
+              <a:t>FDTD</a:t>
+            </a:r>
+            <a:endParaRPr lang="en-US" altLang="ko-KR" dirty="0" smtClean="0"/>
+          </a:p>
+        </p:txBody>
+      </p:sp>
+      <p:sp>
+        <p:nvSpPr>
+          <p:cNvPr id="23" name="TextBox 22"/>
+          <p:cNvSpPr txBox="1"/>
+          <p:nvPr/>
+        </p:nvSpPr>
+        <p:spPr>
+          <a:xfrm>
+            <a:off x="3238563" y="2540151"/>
+            <a:ext cx="1372639" cy="646331"/>
+          </a:xfrm>
+          <a:prstGeom prst="rect">
+            <a:avLst/>
+          </a:prstGeom>
+          <a:noFill/>
+        </p:spPr>
+        <p:txBody>
+          <a:bodyPr wrap="square" rtlCol="0">
+            <a:spAutoFit/>
+          </a:bodyPr>
+          <a:lstStyle/>
+          <a:p>
+            <a:pPr algn="ctr"/>
+            <a:r>
+              <a:rPr lang="en-US" altLang="ko-KR" dirty="0" smtClean="0"/>
+              <a:t>Neural</a:t>
+            </a:r>
+          </a:p>
+          <a:p>
+            <a:pPr algn="ctr"/>
+            <a:r>
+              <a:rPr lang="en-US" altLang="ko-KR" dirty="0" smtClean="0"/>
+              <a:t>Network</a:t>
+            </a:r>
+            <a:endParaRPr lang="ko-KR" altLang="en-US" dirty="0"/>
+          </a:p>
+        </p:txBody>
+      </p:sp>
+      <p:sp>
+        <p:nvSpPr>
+          <p:cNvPr id="24" name="TextBox 23"/>
+          <p:cNvSpPr txBox="1"/>
+          <p:nvPr/>
+        </p:nvSpPr>
+        <p:spPr>
+          <a:xfrm>
+            <a:off x="4559970" y="2547479"/>
+            <a:ext cx="678900" cy="369332"/>
+          </a:xfrm>
+          <a:prstGeom prst="rect">
+            <a:avLst/>
+          </a:prstGeom>
+          <a:noFill/>
+        </p:spPr>
+        <p:txBody>
+          <a:bodyPr wrap="square" rtlCol="0">
+            <a:spAutoFit/>
+          </a:bodyPr>
+          <a:lstStyle/>
+          <a:p>
+            <a:pPr algn="ctr"/>
+            <a:r>
+              <a:rPr lang="en-US" altLang="ko-KR" dirty="0" smtClean="0"/>
+              <a:t>loss</a:t>
+            </a:r>
+            <a:endParaRPr lang="ko-KR" altLang="en-US" dirty="0"/>
+          </a:p>
+        </p:txBody>
+      </p:sp>
+      <mc:AlternateContent xmlns:mc="http://schemas.openxmlformats.org/markup-compatibility/2006">
+        <mc:Choice xmlns:a14="http://schemas.microsoft.com/office/drawing/2010/main" Requires="a14">
+          <p:sp>
+            <p:nvSpPr>
+              <p:cNvPr id="25" name="TextBox 24"/>
+              <p:cNvSpPr txBox="1"/>
+              <p:nvPr/>
+            </p:nvSpPr>
+            <p:spPr>
+              <a:xfrm>
+                <a:off x="2844926" y="2231862"/>
+                <a:ext cx="1954638" cy="276999"/>
+              </a:xfrm>
+              <a:prstGeom prst="rect">
+                <a:avLst/>
+              </a:prstGeom>
+              <a:noFill/>
+            </p:spPr>
+            <p:txBody>
+              <a:bodyPr wrap="none" lIns="0" tIns="0" rIns="0" bIns="0" rtlCol="0">
+                <a:spAutoFit/>
+              </a:bodyPr>
+              <a:lstStyle/>
+              <a:p>
+                <a:pPr/>
+                <a14:m>
+                  <m:oMathPara xmlns:m="http://schemas.openxmlformats.org/officeDocument/2006/math">
+                    <m:oMathParaPr>
+                      <m:jc m:val="centerGroup"/>
+                    </m:oMathParaPr>
+                    <m:oMath xmlns:m="http://schemas.openxmlformats.org/officeDocument/2006/math">
+                      <m:r>
+                        <a:rPr lang="en-US" altLang="ko-KR" b="0" i="1" smtClean="0">
+                          <a:latin typeface="Cambria Math" panose="02040503050406030204" pitchFamily="18" charset="0"/>
+                        </a:rPr>
+                        <m:t>𝑓</m:t>
+                      </m:r>
+                      <m:d>
+                        <m:dPr>
+                          <m:ctrlPr>
+                            <a:rPr lang="en-US" altLang="ko-KR" b="0" i="1" smtClean="0">
+                              <a:latin typeface="Cambria Math" panose="02040503050406030204" pitchFamily="18" charset="0"/>
+                            </a:rPr>
+                          </m:ctrlPr>
+                        </m:dPr>
+                        <m:e>
+                          <m:r>
+                            <a:rPr lang="en-US" altLang="ko-KR" b="0" i="1" smtClean="0">
+                              <a:latin typeface="Cambria Math" panose="02040503050406030204" pitchFamily="18" charset="0"/>
+                            </a:rPr>
+                            <m:t>𝑥</m:t>
+                          </m:r>
+                        </m:e>
+                      </m:d>
+                      <m:r>
+                        <a:rPr lang="en-US" altLang="ko-KR" b="0" i="1" smtClean="0">
+                          <a:latin typeface="Cambria Math" panose="02040503050406030204" pitchFamily="18" charset="0"/>
+                        </a:rPr>
+                        <m:t>=</m:t>
+                      </m:r>
+                      <m:r>
+                        <a:rPr lang="en-US" altLang="ko-KR" b="0" i="1" smtClean="0">
+                          <a:latin typeface="Cambria Math" panose="02040503050406030204" pitchFamily="18" charset="0"/>
+                        </a:rPr>
+                        <m:t>𝑔</m:t>
+                      </m:r>
+                      <m:d>
+                        <m:dPr>
+                          <m:ctrlPr>
+                            <a:rPr lang="en-US" altLang="ko-KR" b="0" i="1" smtClean="0">
+                              <a:latin typeface="Cambria Math" panose="02040503050406030204" pitchFamily="18" charset="0"/>
+                            </a:rPr>
+                          </m:ctrlPr>
+                        </m:dPr>
+                        <m:e>
+                          <m:r>
+                            <a:rPr lang="en-US" altLang="ko-KR" b="0" i="1" smtClean="0">
+                              <a:latin typeface="Cambria Math" panose="02040503050406030204" pitchFamily="18" charset="0"/>
+                            </a:rPr>
+                            <m:t>𝑥</m:t>
+                          </m:r>
+                        </m:e>
+                      </m:d>
+                      <m:r>
+                        <a:rPr lang="en-US" altLang="ko-KR" b="0" i="1" smtClean="0">
+                          <a:latin typeface="Cambria Math" panose="02040503050406030204" pitchFamily="18" charset="0"/>
+                        </a:rPr>
+                        <m:t>+</m:t>
+                      </m:r>
+                      <m:r>
+                        <a:rPr lang="en-US" altLang="ko-KR" b="0" i="1" smtClean="0">
+                          <a:latin typeface="Cambria Math" panose="02040503050406030204" pitchFamily="18" charset="0"/>
+                        </a:rPr>
+                        <m:t>𝑙</m:t>
+                      </m:r>
+                      <m:r>
+                        <a:rPr lang="en-US" altLang="ko-KR" b="0" i="1" smtClean="0">
+                          <a:latin typeface="Cambria Math" panose="02040503050406030204" pitchFamily="18" charset="0"/>
+                        </a:rPr>
+                        <m:t>(</m:t>
+                      </m:r>
+                      <m:r>
+                        <a:rPr lang="en-US" altLang="ko-KR" b="0" i="1" smtClean="0">
+                          <a:latin typeface="Cambria Math" panose="02040503050406030204" pitchFamily="18" charset="0"/>
+                        </a:rPr>
+                        <m:t>𝑥</m:t>
+                      </m:r>
+                      <m:r>
+                        <a:rPr lang="en-US" altLang="ko-KR" b="0" i="1" smtClean="0">
+                          <a:latin typeface="Cambria Math" panose="02040503050406030204" pitchFamily="18" charset="0"/>
+                        </a:rPr>
+                        <m:t>)</m:t>
+                      </m:r>
+                    </m:oMath>
+                  </m:oMathPara>
+                </a14:m>
+                <a:endParaRPr lang="ko-KR" altLang="en-US" dirty="0"/>
+              </a:p>
+            </p:txBody>
+          </p:sp>
+        </mc:Choice>
+        <mc:Fallback>
+          <p:sp>
+            <p:nvSpPr>
+              <p:cNvPr id="25" name="TextBox 24"/>
+              <p:cNvSpPr txBox="1">
+                <a:spLocks noRot="1" noChangeAspect="1" noMove="1" noResize="1" noEditPoints="1" noAdjustHandles="1" noChangeArrowheads="1" noChangeShapeType="1" noTextEdit="1"/>
+              </p:cNvSpPr>
+              <p:nvPr/>
+            </p:nvSpPr>
+            <p:spPr>
+              <a:xfrm>
+                <a:off x="2844926" y="2231862"/>
+                <a:ext cx="1954638" cy="276999"/>
+              </a:xfrm>
+              <a:prstGeom prst="rect">
+                <a:avLst/>
+              </a:prstGeom>
+              <a:blipFill>
+                <a:blip r:embed="rId2"/>
+                <a:stretch>
+                  <a:fillRect l="-3750" t="-2174" r="-4063" b="-32609"/>
+                </a:stretch>
+              </a:blipFill>
+            </p:spPr>
+            <p:txBody>
+              <a:bodyPr/>
+              <a:lstStyle/>
+              <a:p>
+                <a:r>
+                  <a:rPr lang="ko-KR" altLang="en-US">
+                    <a:noFill/>
+                  </a:rPr>
+                  <a:t> </a:t>
+                </a:r>
+              </a:p>
+            </p:txBody>
+          </p:sp>
+        </mc:Fallback>
+      </mc:AlternateContent>
+      <p:sp>
+        <p:nvSpPr>
+          <p:cNvPr id="26" name="TextBox 25"/>
+          <p:cNvSpPr txBox="1"/>
+          <p:nvPr/>
+        </p:nvSpPr>
+        <p:spPr>
+          <a:xfrm>
+            <a:off x="438642" y="4584231"/>
+            <a:ext cx="1095204" cy="646331"/>
+          </a:xfrm>
+          <a:prstGeom prst="rect">
+            <a:avLst/>
+          </a:prstGeom>
+          <a:noFill/>
+        </p:spPr>
+        <p:txBody>
+          <a:bodyPr wrap="square" rtlCol="0">
+            <a:spAutoFit/>
+          </a:bodyPr>
+          <a:lstStyle/>
+          <a:p>
+            <a:pPr algn="ctr"/>
+            <a:r>
+              <a:rPr lang="en-US" altLang="ko-KR" dirty="0" smtClean="0"/>
+              <a:t>Initial</a:t>
+            </a:r>
+          </a:p>
+          <a:p>
+            <a:pPr algn="ctr"/>
+            <a:r>
+              <a:rPr lang="en-US" altLang="ko-KR" dirty="0" smtClean="0"/>
+              <a:t>structure</a:t>
+            </a:r>
+            <a:endParaRPr lang="ko-KR" altLang="en-US" dirty="0"/>
+          </a:p>
+        </p:txBody>
+      </p:sp>
+      <p:sp>
+        <p:nvSpPr>
+          <p:cNvPr id="28" name="TextBox 27"/>
+          <p:cNvSpPr txBox="1"/>
+          <p:nvPr/>
+        </p:nvSpPr>
+        <p:spPr>
+          <a:xfrm>
+            <a:off x="7120503" y="4584231"/>
+            <a:ext cx="1155470" cy="646331"/>
+          </a:xfrm>
+          <a:prstGeom prst="rect">
+            <a:avLst/>
+          </a:prstGeom>
+          <a:noFill/>
+        </p:spPr>
+        <p:txBody>
+          <a:bodyPr wrap="square" rtlCol="0">
+            <a:spAutoFit/>
+          </a:bodyPr>
+          <a:lstStyle/>
+          <a:p>
+            <a:pPr algn="ctr"/>
+            <a:r>
+              <a:rPr lang="en-US" altLang="ko-KR" dirty="0" smtClean="0"/>
+              <a:t>Result</a:t>
+            </a:r>
+          </a:p>
+          <a:p>
+            <a:pPr algn="ctr"/>
+            <a:r>
+              <a:rPr lang="en-US" altLang="ko-KR" dirty="0" smtClean="0"/>
+              <a:t>Structure</a:t>
+            </a:r>
+            <a:endParaRPr lang="ko-KR" altLang="en-US" dirty="0"/>
+          </a:p>
+        </p:txBody>
+      </p:sp>
+      <p:grpSp>
+        <p:nvGrpSpPr>
+          <p:cNvPr id="36" name="그룹 35"/>
+          <p:cNvGrpSpPr/>
+          <p:nvPr/>
+        </p:nvGrpSpPr>
+        <p:grpSpPr>
+          <a:xfrm>
+            <a:off x="2402594" y="4444299"/>
+            <a:ext cx="1346662" cy="926195"/>
+            <a:chOff x="2948345" y="5224825"/>
+            <a:chExt cx="1346662" cy="926195"/>
+          </a:xfrm>
+        </p:grpSpPr>
+        <p:sp>
+          <p:nvSpPr>
+            <p:cNvPr id="27" name="직사각형 26"/>
+            <p:cNvSpPr/>
+            <p:nvPr/>
+          </p:nvSpPr>
+          <p:spPr>
+            <a:xfrm>
+              <a:off x="2948345" y="5224825"/>
+              <a:ext cx="1346662" cy="926195"/>
+            </a:xfrm>
+            <a:prstGeom prst="rect">
+              <a:avLst/>
+            </a:prstGeom>
+            <a:noFill/>
+            <a:ln w="57150"/>
+          </p:spPr>
+          <p:style>
+            <a:lnRef idx="2">
+              <a:schemeClr val="accent1">
+                <a:shade val="50000"/>
+              </a:schemeClr>
+            </a:lnRef>
+            <a:fillRef idx="1">
+              <a:schemeClr val="accent1"/>
+            </a:fillRef>
+            <a:effectRef idx="0">
+              <a:schemeClr val="accent1"/>
+            </a:effectRef>
+            <a:fontRef idx="minor">
+              <a:schemeClr val="lt1"/>
+            </a:fontRef>
+          </p:style>
+          <p:txBody>
+            <a:bodyPr rtlCol="0" anchor="ctr"/>
+            <a:lstStyle/>
+            <a:p>
+              <a:pPr algn="ctr"/>
+              <a:endParaRPr lang="ko-KR" altLang="en-US"/>
+            </a:p>
+          </p:txBody>
+        </p:sp>
+        <p:sp>
+          <p:nvSpPr>
+            <p:cNvPr id="34" name="TextBox 33"/>
+            <p:cNvSpPr txBox="1"/>
+            <p:nvPr/>
+          </p:nvSpPr>
+          <p:spPr>
+            <a:xfrm>
+              <a:off x="3043941" y="5364757"/>
+              <a:ext cx="1155470" cy="646331"/>
+            </a:xfrm>
+            <a:prstGeom prst="rect">
+              <a:avLst/>
+            </a:prstGeom>
+            <a:noFill/>
+          </p:spPr>
+          <p:txBody>
+            <a:bodyPr wrap="square" rtlCol="0">
+              <a:spAutoFit/>
+            </a:bodyPr>
+            <a:lstStyle/>
+            <a:p>
+              <a:pPr algn="ctr"/>
+              <a:r>
+                <a:rPr lang="en-US" altLang="ko-KR" dirty="0" smtClean="0"/>
+                <a:t>Neural</a:t>
+              </a:r>
+            </a:p>
+            <a:p>
+              <a:pPr algn="ctr"/>
+              <a:r>
+                <a:rPr lang="en-US" altLang="ko-KR" dirty="0" smtClean="0"/>
+                <a:t>Network</a:t>
+              </a:r>
+              <a:endParaRPr lang="ko-KR" altLang="en-US" dirty="0"/>
+            </a:p>
+          </p:txBody>
+        </p:sp>
+      </p:grpSp>
+      <p:grpSp>
+        <p:nvGrpSpPr>
+          <p:cNvPr id="37" name="그룹 36"/>
+          <p:cNvGrpSpPr/>
+          <p:nvPr/>
+        </p:nvGrpSpPr>
+        <p:grpSpPr>
+          <a:xfrm>
+            <a:off x="4761548" y="4444299"/>
+            <a:ext cx="1346662" cy="926195"/>
+            <a:chOff x="5034424" y="5193971"/>
+            <a:chExt cx="1346662" cy="926195"/>
+          </a:xfrm>
+        </p:grpSpPr>
+        <p:sp>
+          <p:nvSpPr>
+            <p:cNvPr id="31" name="직사각형 30"/>
+            <p:cNvSpPr/>
+            <p:nvPr/>
+          </p:nvSpPr>
+          <p:spPr>
+            <a:xfrm>
+              <a:off x="5034424" y="5193971"/>
+              <a:ext cx="1346662" cy="926195"/>
+            </a:xfrm>
+            <a:prstGeom prst="rect">
+              <a:avLst/>
+            </a:prstGeom>
+            <a:noFill/>
+            <a:ln w="57150"/>
+          </p:spPr>
+          <p:style>
+            <a:lnRef idx="2">
+              <a:schemeClr val="accent1">
+                <a:shade val="50000"/>
+              </a:schemeClr>
+            </a:lnRef>
+            <a:fillRef idx="1">
+              <a:schemeClr val="accent1"/>
+            </a:fillRef>
+            <a:effectRef idx="0">
+              <a:schemeClr val="accent1"/>
+            </a:effectRef>
+            <a:fontRef idx="minor">
+              <a:schemeClr val="lt1"/>
+            </a:fontRef>
+          </p:style>
+          <p:txBody>
+            <a:bodyPr rtlCol="0" anchor="ctr"/>
+            <a:lstStyle/>
+            <a:p>
+              <a:pPr algn="ctr"/>
+              <a:endParaRPr lang="ko-KR" altLang="en-US"/>
+            </a:p>
+          </p:txBody>
+        </p:sp>
+        <p:sp>
+          <p:nvSpPr>
+            <p:cNvPr id="35" name="TextBox 34"/>
+            <p:cNvSpPr txBox="1"/>
+            <p:nvPr/>
+          </p:nvSpPr>
+          <p:spPr>
+            <a:xfrm>
+              <a:off x="5130020" y="5472402"/>
+              <a:ext cx="1155470" cy="369332"/>
+            </a:xfrm>
+            <a:prstGeom prst="rect">
+              <a:avLst/>
+            </a:prstGeom>
+            <a:noFill/>
+          </p:spPr>
+          <p:txBody>
+            <a:bodyPr wrap="square" rtlCol="0">
+              <a:spAutoFit/>
+            </a:bodyPr>
+            <a:lstStyle/>
+            <a:p>
+              <a:pPr algn="ctr"/>
+              <a:r>
+                <a:rPr lang="en-US" altLang="ko-KR" dirty="0" smtClean="0"/>
+                <a:t>Optimizer</a:t>
+              </a:r>
+              <a:endParaRPr lang="ko-KR" altLang="en-US" dirty="0"/>
+            </a:p>
+          </p:txBody>
+        </p:sp>
+      </p:grpSp>
+      <p:sp>
+        <p:nvSpPr>
+          <p:cNvPr id="40" name="오른쪽 화살표 39"/>
           <p:cNvSpPr/>
           <p:nvPr/>
         </p:nvSpPr>
         <p:spPr>
           <a:xfrm>
-            <a:off x="2204873" y="3766537"/>
-            <a:ext cx="282633" cy="453390"/>
-          </a:xfrm>
-          <a:prstGeom prst="downArrow">
+            <a:off x="1629442" y="4708845"/>
+            <a:ext cx="532194" cy="369332"/>
+          </a:xfrm>
+          <a:prstGeom prst="rightArrow">
             <a:avLst/>
           </a:prstGeom>
           <a:solidFill>
-            <a:schemeClr val="tx1"/>
+            <a:srgbClr val="FF0000"/>
           </a:solidFill>
           <a:ln>
             <a:noFill/>
@@ -6381,256 +7026,24 @@
       </p:sp>
       <p:sp>
         <p:nvSpPr>
-          <p:cNvPr id="2" name="날짜 개체 틀 1"/>
-          <p:cNvSpPr>
-            <a:spLocks noGrp="1"/>
-          </p:cNvSpPr>
-          <p:nvPr>
-            <p:ph type="dt" sz="half" idx="10"/>
-          </p:nvPr>
-        </p:nvSpPr>
-        <p:spPr/>
-        <p:txBody>
-          <a:bodyPr/>
-          <a:lstStyle/>
-          <a:p>
-            <a:fld id="{32C03489-23FC-4021-B9AB-958EFB3C0FE7}" type="datetime1">
-              <a:rPr lang="ko-KR" altLang="en-US" smtClean="0"/>
-              <a:t>2019-08-01</a:t>
-            </a:fld>
-            <a:endParaRPr lang="ko-KR" altLang="en-US"/>
-          </a:p>
-        </p:txBody>
-      </p:sp>
-      <p:sp>
-        <p:nvSpPr>
-          <p:cNvPr id="3" name="슬라이드 번호 개체 틀 2"/>
-          <p:cNvSpPr>
-            <a:spLocks noGrp="1"/>
-          </p:cNvSpPr>
-          <p:nvPr>
-            <p:ph type="sldNum" sz="quarter" idx="12"/>
-          </p:nvPr>
-        </p:nvSpPr>
-        <p:spPr/>
-        <p:txBody>
-          <a:bodyPr/>
-          <a:lstStyle/>
-          <a:p>
-            <a:fld id="{8765F8EB-1186-4395-8E70-F957669279DD}" type="slidenum">
-              <a:rPr lang="ko-KR" altLang="en-US" smtClean="0"/>
-              <a:t>5</a:t>
-            </a:fld>
-            <a:endParaRPr lang="ko-KR" altLang="en-US"/>
-          </a:p>
-        </p:txBody>
-      </p:sp>
-      <p:sp>
-        <p:nvSpPr>
-          <p:cNvPr id="5" name="TextBox 4"/>
-          <p:cNvSpPr txBox="1"/>
+          <p:cNvPr id="41" name="오른쪽 화살표 40"/>
+          <p:cNvSpPr/>
           <p:nvPr/>
         </p:nvSpPr>
         <p:spPr>
           <a:xfrm>
-            <a:off x="385079" y="508008"/>
-            <a:ext cx="1272271" cy="400110"/>
-          </a:xfrm>
-          <a:prstGeom prst="rect">
+            <a:off x="3988396" y="4733870"/>
+            <a:ext cx="532194" cy="369332"/>
+          </a:xfrm>
+          <a:prstGeom prst="rightArrow">
             <a:avLst/>
           </a:prstGeom>
-          <a:noFill/>
-        </p:spPr>
-        <p:txBody>
-          <a:bodyPr wrap="none" rtlCol="0">
-            <a:spAutoFit/>
-          </a:bodyPr>
-          <a:lstStyle/>
-          <a:p>
-            <a:r>
-              <a:rPr lang="en-US" altLang="ko-KR" sz="2000" b="1" dirty="0" smtClean="0">
-                <a:solidFill>
-                  <a:srgbClr val="3333FF"/>
-                </a:solidFill>
-              </a:rPr>
-              <a:t>Last Week</a:t>
-            </a:r>
-            <a:endParaRPr lang="ko-KR" altLang="en-US" sz="2000" b="1" dirty="0">
-              <a:solidFill>
-                <a:srgbClr val="3333FF"/>
-              </a:solidFill>
-            </a:endParaRPr>
-          </a:p>
-        </p:txBody>
-      </p:sp>
-      <p:sp>
-        <p:nvSpPr>
-          <p:cNvPr id="9" name="TextBox 8"/>
-          <p:cNvSpPr txBox="1"/>
-          <p:nvPr/>
-        </p:nvSpPr>
-        <p:spPr>
-          <a:xfrm>
-            <a:off x="4937761" y="935183"/>
-            <a:ext cx="3577590" cy="1338828"/>
-          </a:xfrm>
-          <a:prstGeom prst="rect">
-            <a:avLst/>
-          </a:prstGeom>
-          <a:noFill/>
-        </p:spPr>
-        <p:txBody>
-          <a:bodyPr wrap="square" rtlCol="0">
-            <a:spAutoFit/>
-          </a:bodyPr>
-          <a:lstStyle/>
-          <a:p>
-            <a:pPr marL="285750" indent="-285750">
-              <a:lnSpc>
-                <a:spcPct val="150000"/>
-              </a:lnSpc>
-              <a:buFontTx/>
-              <a:buChar char="-"/>
-            </a:pPr>
-            <a:r>
-              <a:rPr lang="en-US" altLang="ko-KR" dirty="0" smtClean="0"/>
-              <a:t>MSTA 2019 </a:t>
-            </a:r>
-            <a:r>
-              <a:rPr lang="ko-KR" altLang="en-US" dirty="0" smtClean="0"/>
-              <a:t>포스터 </a:t>
-            </a:r>
-            <a:r>
-              <a:rPr lang="en-US" altLang="ko-KR" dirty="0" smtClean="0"/>
-              <a:t>(7/31)</a:t>
-            </a:r>
-          </a:p>
-          <a:p>
-            <a:pPr marL="285750" indent="-285750">
-              <a:lnSpc>
-                <a:spcPct val="150000"/>
-              </a:lnSpc>
-              <a:buFontTx/>
-              <a:buChar char="-"/>
-            </a:pPr>
-            <a:r>
-              <a:rPr lang="ko-KR" altLang="en-US" dirty="0"/>
-              <a:t>삼성산학과제 </a:t>
-            </a:r>
-            <a:r>
-              <a:rPr lang="ko-KR" altLang="en-US" dirty="0" smtClean="0"/>
-              <a:t>보고서</a:t>
-            </a:r>
-            <a:r>
-              <a:rPr lang="en-US" altLang="ko-KR" dirty="0" smtClean="0"/>
-              <a:t> (8/1)</a:t>
-            </a:r>
-          </a:p>
-          <a:p>
-            <a:pPr marL="285750" indent="-285750">
-              <a:lnSpc>
-                <a:spcPct val="150000"/>
-              </a:lnSpc>
-              <a:buFontTx/>
-              <a:buChar char="-"/>
-            </a:pPr>
-            <a:r>
-              <a:rPr lang="en-US" altLang="ko-KR" dirty="0" smtClean="0"/>
-              <a:t>Neural Network Model Training</a:t>
-            </a:r>
-          </a:p>
-        </p:txBody>
-      </p:sp>
-      <p:sp>
-        <p:nvSpPr>
-          <p:cNvPr id="6" name="TextBox 5"/>
-          <p:cNvSpPr txBox="1"/>
-          <p:nvPr/>
-        </p:nvSpPr>
-        <p:spPr>
-          <a:xfrm>
-            <a:off x="4937760" y="508008"/>
-            <a:ext cx="1278363" cy="400110"/>
-          </a:xfrm>
-          <a:prstGeom prst="rect">
-            <a:avLst/>
-          </a:prstGeom>
-          <a:noFill/>
-        </p:spPr>
-        <p:txBody>
-          <a:bodyPr wrap="square" rtlCol="0">
-            <a:spAutoFit/>
-          </a:bodyPr>
-          <a:lstStyle/>
-          <a:p>
-            <a:r>
-              <a:rPr lang="en-US" altLang="ko-KR" sz="2000" b="1" dirty="0" smtClean="0">
-                <a:solidFill>
-                  <a:srgbClr val="3333FF"/>
-                </a:solidFill>
-              </a:rPr>
-              <a:t>This Week</a:t>
-            </a:r>
-            <a:endParaRPr lang="ko-KR" altLang="en-US" sz="2000" b="1" dirty="0">
-              <a:solidFill>
-                <a:srgbClr val="3333FF"/>
-              </a:solidFill>
-            </a:endParaRPr>
-          </a:p>
-        </p:txBody>
-      </p:sp>
-      <p:sp>
-        <p:nvSpPr>
-          <p:cNvPr id="23" name="TextBox 22"/>
-          <p:cNvSpPr txBox="1"/>
-          <p:nvPr/>
-        </p:nvSpPr>
-        <p:spPr>
-          <a:xfrm>
-            <a:off x="432704" y="935183"/>
-            <a:ext cx="3826972" cy="923330"/>
-          </a:xfrm>
-          <a:prstGeom prst="rect">
-            <a:avLst/>
-          </a:prstGeom>
-          <a:noFill/>
-        </p:spPr>
-        <p:txBody>
-          <a:bodyPr wrap="square" rtlCol="0">
-            <a:spAutoFit/>
-          </a:bodyPr>
-          <a:lstStyle/>
-          <a:p>
-            <a:pPr marL="285750" indent="-285750">
-              <a:lnSpc>
-                <a:spcPct val="150000"/>
-              </a:lnSpc>
-              <a:buFontTx/>
-              <a:buChar char="-"/>
-            </a:pPr>
-            <a:r>
-              <a:rPr lang="en-US" altLang="ko-KR" dirty="0" smtClean="0"/>
-              <a:t>Deep Learning Neural Network Training Data Preparation</a:t>
-            </a:r>
-          </a:p>
-        </p:txBody>
-      </p:sp>
-      <p:sp>
-        <p:nvSpPr>
-          <p:cNvPr id="4" name="직사각형 3"/>
-          <p:cNvSpPr/>
-          <p:nvPr/>
-        </p:nvSpPr>
-        <p:spPr>
-          <a:xfrm>
-            <a:off x="314325" y="304800"/>
-            <a:ext cx="3945351" cy="5915025"/>
-          </a:xfrm>
-          <a:prstGeom prst="rect">
-            <a:avLst/>
-          </a:prstGeom>
-          <a:noFill/>
-          <a:ln w="38100"/>
+          <a:solidFill>
+            <a:srgbClr val="FF0000"/>
+          </a:solidFill>
+          <a:ln>
+            <a:noFill/>
+          </a:ln>
         </p:spPr>
         <p:style>
           <a:lnRef idx="2">
@@ -6659,20 +7072,24 @@
       </p:sp>
       <p:sp>
         <p:nvSpPr>
-          <p:cNvPr id="10" name="직사각형 9"/>
+          <p:cNvPr id="42" name="오른쪽 화살표 41"/>
           <p:cNvSpPr/>
           <p:nvPr/>
         </p:nvSpPr>
         <p:spPr>
           <a:xfrm>
-            <a:off x="4753880" y="304800"/>
-            <a:ext cx="3945351" cy="5915025"/>
-          </a:xfrm>
-          <a:prstGeom prst="rect">
+            <a:off x="6492713" y="4735431"/>
+            <a:ext cx="532194" cy="369332"/>
+          </a:xfrm>
+          <a:prstGeom prst="rightArrow">
             <a:avLst/>
           </a:prstGeom>
-          <a:noFill/>
-          <a:ln w="38100"/>
+          <a:solidFill>
+            <a:srgbClr val="FF0000"/>
+          </a:solidFill>
+          <a:ln>
+            <a:noFill/>
+          </a:ln>
         </p:spPr>
         <p:style>
           <a:lnRef idx="2">
@@ -6699,10 +7116,422 @@
           </a:p>
         </p:txBody>
       </p:sp>
+      <p:cxnSp>
+        <p:nvCxnSpPr>
+          <p:cNvPr id="44" name="꺾인 연결선 43"/>
+          <p:cNvCxnSpPr>
+            <a:stCxn id="31" idx="3"/>
+            <a:endCxn id="31" idx="1"/>
+          </p:cNvCxnSpPr>
+          <p:nvPr/>
+        </p:nvCxnSpPr>
+        <p:spPr>
+          <a:xfrm flipH="1">
+            <a:off x="4761548" y="4907397"/>
+            <a:ext cx="1346662" cy="12700"/>
+          </a:xfrm>
+          <a:prstGeom prst="bentConnector5">
+            <a:avLst>
+              <a:gd name="adj1" fmla="val -16975"/>
+              <a:gd name="adj2" fmla="val 5446441"/>
+              <a:gd name="adj3" fmla="val 116975"/>
+            </a:avLst>
+          </a:prstGeom>
+          <a:ln w="57150">
+            <a:solidFill>
+              <a:schemeClr val="tx1"/>
+            </a:solidFill>
+            <a:prstDash val="sysDot"/>
+            <a:tailEnd type="triangle"/>
+          </a:ln>
+        </p:spPr>
+        <p:style>
+          <a:lnRef idx="1">
+            <a:schemeClr val="accent1"/>
+          </a:lnRef>
+          <a:fillRef idx="0">
+            <a:schemeClr val="accent1"/>
+          </a:fillRef>
+          <a:effectRef idx="0">
+            <a:schemeClr val="accent1"/>
+          </a:effectRef>
+          <a:fontRef idx="minor">
+            <a:schemeClr val="tx1"/>
+          </a:fontRef>
+        </p:style>
+      </p:cxnSp>
+      <p:sp>
+        <p:nvSpPr>
+          <p:cNvPr id="45" name="TextBox 44"/>
+          <p:cNvSpPr txBox="1"/>
+          <p:nvPr/>
+        </p:nvSpPr>
+        <p:spPr>
+          <a:xfrm>
+            <a:off x="4816945" y="5648925"/>
+            <a:ext cx="1155470" cy="369332"/>
+          </a:xfrm>
+          <a:prstGeom prst="rect">
+            <a:avLst/>
+          </a:prstGeom>
+          <a:noFill/>
+        </p:spPr>
+        <p:txBody>
+          <a:bodyPr wrap="square" rtlCol="0">
+            <a:spAutoFit/>
+          </a:bodyPr>
+          <a:lstStyle/>
+          <a:p>
+            <a:pPr algn="ctr"/>
+            <a:r>
+              <a:rPr lang="en-US" altLang="ko-KR" dirty="0" smtClean="0"/>
+              <a:t>Iteration</a:t>
+            </a:r>
+            <a:endParaRPr lang="ko-KR" altLang="en-US" dirty="0"/>
+          </a:p>
+        </p:txBody>
+      </p:sp>
+      <p:pic>
+        <p:nvPicPr>
+          <p:cNvPr id="7" name="그림 6"/>
+          <p:cNvPicPr>
+            <a:picLocks noChangeAspect="1"/>
+          </p:cNvPicPr>
+          <p:nvPr/>
+        </p:nvPicPr>
+        <p:blipFill>
+          <a:blip r:embed="rId3"/>
+          <a:stretch>
+            <a:fillRect/>
+          </a:stretch>
+        </p:blipFill>
+        <p:spPr>
+          <a:xfrm>
+            <a:off x="5972415" y="130621"/>
+            <a:ext cx="2973181" cy="1822810"/>
+          </a:xfrm>
+          <a:prstGeom prst="rect">
+            <a:avLst/>
+          </a:prstGeom>
+        </p:spPr>
+      </p:pic>
+      <p:sp>
+        <p:nvSpPr>
+          <p:cNvPr id="38" name="오른쪽 화살표 37"/>
+          <p:cNvSpPr/>
+          <p:nvPr/>
+        </p:nvSpPr>
+        <p:spPr>
+          <a:xfrm>
+            <a:off x="1166649" y="4088599"/>
+            <a:ext cx="3189219" cy="239811"/>
+          </a:xfrm>
+          <a:prstGeom prst="rightArrow">
+            <a:avLst>
+              <a:gd name="adj1" fmla="val 50000"/>
+              <a:gd name="adj2" fmla="val 91596"/>
+            </a:avLst>
+          </a:prstGeom>
+          <a:solidFill>
+            <a:srgbClr val="5B9BD5"/>
+          </a:solidFill>
+          <a:ln>
+            <a:noFill/>
+          </a:ln>
+        </p:spPr>
+        <p:style>
+          <a:lnRef idx="2">
+            <a:schemeClr val="accent1">
+              <a:shade val="50000"/>
+            </a:schemeClr>
+          </a:lnRef>
+          <a:fillRef idx="1">
+            <a:schemeClr val="accent1"/>
+          </a:fillRef>
+          <a:effectRef idx="0">
+            <a:schemeClr val="accent1"/>
+          </a:effectRef>
+          <a:fontRef idx="minor">
+            <a:schemeClr val="lt1"/>
+          </a:fontRef>
+        </p:style>
+        <p:txBody>
+          <a:bodyPr rtlCol="0" anchor="ctr"/>
+          <a:lstStyle/>
+          <a:p>
+            <a:pPr algn="ctr"/>
+            <a:endParaRPr lang="ko-KR" altLang="en-US"/>
+          </a:p>
+        </p:txBody>
+      </p:sp>
+      <p:sp>
+        <p:nvSpPr>
+          <p:cNvPr id="39" name="TextBox 38"/>
+          <p:cNvSpPr txBox="1"/>
+          <p:nvPr/>
+        </p:nvSpPr>
+        <p:spPr>
+          <a:xfrm>
+            <a:off x="1708265" y="3761138"/>
+            <a:ext cx="1704491" cy="369332"/>
+          </a:xfrm>
+          <a:prstGeom prst="rect">
+            <a:avLst/>
+          </a:prstGeom>
+          <a:noFill/>
+        </p:spPr>
+        <p:txBody>
+          <a:bodyPr wrap="square" rtlCol="0">
+            <a:spAutoFit/>
+          </a:bodyPr>
+          <a:lstStyle/>
+          <a:p>
+            <a:pPr algn="ctr"/>
+            <a:r>
+              <a:rPr lang="en-US" altLang="ko-KR" dirty="0" smtClean="0"/>
+              <a:t>Forward design</a:t>
+            </a:r>
+            <a:endParaRPr lang="ko-KR" altLang="en-US" dirty="0"/>
+          </a:p>
+        </p:txBody>
+      </p:sp>
+      <p:sp>
+        <p:nvSpPr>
+          <p:cNvPr id="51" name="오른쪽 화살표 50"/>
+          <p:cNvSpPr/>
+          <p:nvPr/>
+        </p:nvSpPr>
+        <p:spPr>
+          <a:xfrm>
+            <a:off x="4455622" y="4088599"/>
+            <a:ext cx="3452825" cy="239811"/>
+          </a:xfrm>
+          <a:prstGeom prst="rightArrow">
+            <a:avLst>
+              <a:gd name="adj1" fmla="val 50000"/>
+              <a:gd name="adj2" fmla="val 91596"/>
+            </a:avLst>
+          </a:prstGeom>
+          <a:solidFill>
+            <a:srgbClr val="5B9BD5"/>
+          </a:solidFill>
+          <a:ln>
+            <a:noFill/>
+          </a:ln>
+        </p:spPr>
+        <p:style>
+          <a:lnRef idx="2">
+            <a:schemeClr val="accent1">
+              <a:shade val="50000"/>
+            </a:schemeClr>
+          </a:lnRef>
+          <a:fillRef idx="1">
+            <a:schemeClr val="accent1"/>
+          </a:fillRef>
+          <a:effectRef idx="0">
+            <a:schemeClr val="accent1"/>
+          </a:effectRef>
+          <a:fontRef idx="minor">
+            <a:schemeClr val="lt1"/>
+          </a:fontRef>
+        </p:style>
+        <p:txBody>
+          <a:bodyPr rtlCol="0" anchor="ctr"/>
+          <a:lstStyle/>
+          <a:p>
+            <a:pPr algn="ctr"/>
+            <a:endParaRPr lang="ko-KR" altLang="en-US"/>
+          </a:p>
+        </p:txBody>
+      </p:sp>
+      <p:sp>
+        <p:nvSpPr>
+          <p:cNvPr id="52" name="TextBox 51"/>
+          <p:cNvSpPr txBox="1"/>
+          <p:nvPr/>
+        </p:nvSpPr>
+        <p:spPr>
+          <a:xfrm>
+            <a:off x="5329908" y="3726832"/>
+            <a:ext cx="1556604" cy="369332"/>
+          </a:xfrm>
+          <a:prstGeom prst="rect">
+            <a:avLst/>
+          </a:prstGeom>
+          <a:noFill/>
+        </p:spPr>
+        <p:txBody>
+          <a:bodyPr wrap="square" rtlCol="0">
+            <a:spAutoFit/>
+          </a:bodyPr>
+          <a:lstStyle/>
+          <a:p>
+            <a:pPr algn="ctr"/>
+            <a:r>
+              <a:rPr lang="en-US" altLang="ko-KR" dirty="0" smtClean="0"/>
+              <a:t>Inverse design</a:t>
+            </a:r>
+            <a:endParaRPr lang="ko-KR" altLang="en-US" dirty="0"/>
+          </a:p>
+        </p:txBody>
+      </p:sp>
+      <mc:AlternateContent xmlns:mc="http://schemas.openxmlformats.org/markup-compatibility/2006">
+        <mc:Choice xmlns:a14="http://schemas.microsoft.com/office/drawing/2010/main" Requires="a14">
+          <p:sp>
+            <p:nvSpPr>
+              <p:cNvPr id="29" name="TextBox 28"/>
+              <p:cNvSpPr txBox="1"/>
+              <p:nvPr/>
+            </p:nvSpPr>
+            <p:spPr>
+              <a:xfrm>
+                <a:off x="5775764" y="2340096"/>
+                <a:ext cx="3169832" cy="523220"/>
+              </a:xfrm>
+              <a:prstGeom prst="rect">
+                <a:avLst/>
+              </a:prstGeom>
+              <a:noFill/>
+            </p:spPr>
+            <p:txBody>
+              <a:bodyPr wrap="square" rtlCol="0">
+                <a:spAutoFit/>
+              </a:bodyPr>
+              <a:lstStyle/>
+              <a:p>
+                <a14:m>
+                  <m:oMath xmlns:m="http://schemas.openxmlformats.org/officeDocument/2006/math">
+                    <m:r>
+                      <a:rPr lang="en-US" altLang="ko-KR" sz="1400" b="0" i="1" smtClean="0">
+                        <a:latin typeface="Cambria Math" panose="02040503050406030204" pitchFamily="18" charset="0"/>
+                      </a:rPr>
+                      <m:t>𝑥</m:t>
+                    </m:r>
+                  </m:oMath>
+                </a14:m>
+                <a:r>
+                  <a:rPr lang="en-US" altLang="ko-KR" sz="1400" dirty="0" smtClean="0"/>
+                  <a:t>: </a:t>
+                </a:r>
+                <a:r>
+                  <a:rPr lang="en-US" altLang="ko-KR" sz="1400" dirty="0" err="1" smtClean="0"/>
+                  <a:t>nanophotonic</a:t>
+                </a:r>
+                <a:r>
+                  <a:rPr lang="en-US" altLang="ko-KR" sz="1400" dirty="0" smtClean="0"/>
+                  <a:t> structure</a:t>
+                </a:r>
+              </a:p>
+              <a:p>
+                <a14:m>
+                  <m:oMath xmlns:m="http://schemas.openxmlformats.org/officeDocument/2006/math">
+                    <m:r>
+                      <a:rPr lang="en-US" altLang="ko-KR" sz="1400" b="0" i="1" smtClean="0">
+                        <a:latin typeface="Cambria Math" panose="02040503050406030204" pitchFamily="18" charset="0"/>
+                      </a:rPr>
+                      <m:t>𝑓</m:t>
+                    </m:r>
+                    <m:d>
+                      <m:dPr>
+                        <m:ctrlPr>
+                          <a:rPr lang="en-US" altLang="ko-KR" sz="1400" b="0" i="1" smtClean="0">
+                            <a:latin typeface="Cambria Math" panose="02040503050406030204" pitchFamily="18" charset="0"/>
+                          </a:rPr>
+                        </m:ctrlPr>
+                      </m:dPr>
+                      <m:e>
+                        <m:r>
+                          <a:rPr lang="en-US" altLang="ko-KR" sz="1400" b="0" i="1" smtClean="0">
+                            <a:latin typeface="Cambria Math" panose="02040503050406030204" pitchFamily="18" charset="0"/>
+                          </a:rPr>
+                          <m:t>𝑥</m:t>
+                        </m:r>
+                      </m:e>
+                    </m:d>
+                    <m:r>
+                      <a:rPr lang="en-US" altLang="ko-KR" sz="1400" b="0" i="1" smtClean="0">
+                        <a:latin typeface="Cambria Math" panose="02040503050406030204" pitchFamily="18" charset="0"/>
+                      </a:rPr>
+                      <m:t>, </m:t>
+                    </m:r>
+                    <m:r>
+                      <a:rPr lang="en-US" altLang="ko-KR" sz="1400" b="0" i="1" smtClean="0">
+                        <a:latin typeface="Cambria Math" panose="02040503050406030204" pitchFamily="18" charset="0"/>
+                      </a:rPr>
+                      <m:t>𝑔</m:t>
+                    </m:r>
+                    <m:r>
+                      <a:rPr lang="en-US" altLang="ko-KR" sz="1400" b="0" i="1" smtClean="0">
+                        <a:latin typeface="Cambria Math" panose="02040503050406030204" pitchFamily="18" charset="0"/>
+                      </a:rPr>
+                      <m:t>(</m:t>
+                    </m:r>
+                    <m:r>
+                      <a:rPr lang="en-US" altLang="ko-KR" sz="1400" b="0" i="1" smtClean="0">
+                        <a:latin typeface="Cambria Math" panose="02040503050406030204" pitchFamily="18" charset="0"/>
+                      </a:rPr>
+                      <m:t>𝑥</m:t>
+                    </m:r>
+                    <m:r>
+                      <a:rPr lang="en-US" altLang="ko-KR" sz="1400" b="0" i="1" smtClean="0">
+                        <a:latin typeface="Cambria Math" panose="02040503050406030204" pitchFamily="18" charset="0"/>
+                      </a:rPr>
+                      <m:t>)</m:t>
+                    </m:r>
+                  </m:oMath>
+                </a14:m>
+                <a:r>
+                  <a:rPr lang="en-US" altLang="ko-KR" sz="1400" dirty="0" smtClean="0"/>
+                  <a:t>: Optical response(spectrum)</a:t>
+                </a:r>
+                <a:endParaRPr lang="ko-KR" altLang="en-US" sz="1400" dirty="0"/>
+              </a:p>
+            </p:txBody>
+          </p:sp>
+        </mc:Choice>
+        <mc:Fallback>
+          <p:sp>
+            <p:nvSpPr>
+              <p:cNvPr id="29" name="TextBox 28"/>
+              <p:cNvSpPr txBox="1">
+                <a:spLocks noRot="1" noChangeAspect="1" noMove="1" noResize="1" noEditPoints="1" noAdjustHandles="1" noChangeArrowheads="1" noChangeShapeType="1" noTextEdit="1"/>
+              </p:cNvSpPr>
+              <p:nvPr/>
+            </p:nvSpPr>
+            <p:spPr>
+              <a:xfrm>
+                <a:off x="5775764" y="2340096"/>
+                <a:ext cx="3169832" cy="523220"/>
+              </a:xfrm>
+              <a:prstGeom prst="rect">
+                <a:avLst/>
+              </a:prstGeom>
+              <a:blipFill>
+                <a:blip r:embed="rId4"/>
+                <a:stretch>
+                  <a:fillRect t="-2326" b="-10465"/>
+                </a:stretch>
+              </a:blipFill>
+            </p:spPr>
+            <p:txBody>
+              <a:bodyPr/>
+              <a:lstStyle/>
+              <a:p>
+                <a:r>
+                  <a:rPr lang="ko-KR" altLang="en-US">
+                    <a:noFill/>
+                  </a:rPr>
+                  <a:t> </a:t>
+                </a:r>
+              </a:p>
+            </p:txBody>
+          </p:sp>
+        </mc:Fallback>
+      </mc:AlternateContent>
     </p:spTree>
     <p:extLst>
       <p:ext uri="{BB962C8B-B14F-4D97-AF65-F5344CB8AC3E}">
-        <p14:creationId xmlns:p14="http://schemas.microsoft.com/office/powerpoint/2010/main" val="2254010526"/>
+        <p14:creationId xmlns:p14="http://schemas.microsoft.com/office/powerpoint/2010/main" val="3589080090"/>
       </p:ext>
     </p:extLst>
   </p:cSld>
@@ -6736,135 +7565,30 @@
           <a:chExt cx="0" cy="0"/>
         </a:xfrm>
       </p:grpSpPr>
-      <p:sp>
-        <p:nvSpPr>
-          <p:cNvPr id="2" name="직사각형 1"/>
-          <p:cNvSpPr/>
+      <p:pic>
+        <p:nvPicPr>
+          <p:cNvPr id="15" name="그림 14"/>
+          <p:cNvPicPr>
+            <a:picLocks noChangeAspect="1"/>
+          </p:cNvPicPr>
           <p:nvPr/>
-        </p:nvSpPr>
+        </p:nvPicPr>
+        <p:blipFill>
+          <a:blip r:embed="rId2"/>
+          <a:stretch>
+            <a:fillRect/>
+          </a:stretch>
+        </p:blipFill>
         <p:spPr>
           <a:xfrm>
-            <a:off x="537521" y="2087811"/>
-            <a:ext cx="5835534" cy="2585323"/>
+            <a:off x="388026" y="3935231"/>
+            <a:ext cx="4537169" cy="2520000"/>
           </a:xfrm>
           <a:prstGeom prst="rect">
             <a:avLst/>
           </a:prstGeom>
         </p:spPr>
-        <p:txBody>
-          <a:bodyPr wrap="square">
-            <a:spAutoFit/>
-          </a:bodyPr>
-          <a:lstStyle/>
-          <a:p>
-            <a:pPr>
-              <a:lnSpc>
-                <a:spcPct val="150000"/>
-              </a:lnSpc>
-            </a:pPr>
-            <a:r>
-              <a:rPr lang="en-US" altLang="ko-KR" b="1" dirty="0"/>
-              <a:t>With Neural </a:t>
-            </a:r>
-            <a:r>
-              <a:rPr lang="en-US" altLang="ko-KR" b="1" dirty="0" smtClean="0"/>
-              <a:t>Network, Supervised Learning Regression</a:t>
-            </a:r>
-            <a:endParaRPr lang="en-US" altLang="ko-KR" b="1" dirty="0"/>
-          </a:p>
-          <a:p>
-            <a:pPr marL="285750" indent="-285750">
-              <a:lnSpc>
-                <a:spcPct val="150000"/>
-              </a:lnSpc>
-              <a:buFontTx/>
-              <a:buChar char="-"/>
-            </a:pPr>
-            <a:r>
-              <a:rPr lang="en-US" altLang="ko-KR" dirty="0"/>
-              <a:t>FCDNN (Fully Connected Deep Neural </a:t>
-            </a:r>
-            <a:r>
-              <a:rPr lang="en-US" altLang="ko-KR" dirty="0" smtClean="0"/>
-              <a:t>Network)</a:t>
-            </a:r>
-          </a:p>
-          <a:p>
-            <a:pPr marL="285750" indent="-285750">
-              <a:lnSpc>
-                <a:spcPct val="150000"/>
-              </a:lnSpc>
-              <a:buFontTx/>
-              <a:buChar char="-"/>
-            </a:pPr>
-            <a:r>
-              <a:rPr lang="en-US" altLang="ko-KR" dirty="0" err="1" smtClean="0"/>
-              <a:t>ResNet</a:t>
-            </a:r>
-            <a:r>
-              <a:rPr lang="en-US" altLang="ko-KR" dirty="0" smtClean="0"/>
-              <a:t> (Residual Network)</a:t>
-            </a:r>
-          </a:p>
-          <a:p>
-            <a:pPr marL="285750" indent="-285750">
-              <a:lnSpc>
-                <a:spcPct val="150000"/>
-              </a:lnSpc>
-              <a:buFontTx/>
-              <a:buChar char="-"/>
-            </a:pPr>
-            <a:r>
-              <a:rPr lang="en-US" altLang="ko-KR" dirty="0" err="1" smtClean="0"/>
-              <a:t>DenseNet</a:t>
-            </a:r>
-            <a:r>
-              <a:rPr lang="en-US" altLang="ko-KR" dirty="0" smtClean="0"/>
-              <a:t> </a:t>
-            </a:r>
-            <a:r>
-              <a:rPr lang="en-US" altLang="ko-KR" dirty="0"/>
-              <a:t>(Dense Network</a:t>
-            </a:r>
-            <a:r>
-              <a:rPr lang="en-US" altLang="ko-KR" dirty="0" smtClean="0"/>
-              <a:t>)</a:t>
-            </a:r>
-          </a:p>
-          <a:p>
-            <a:pPr marL="285750" indent="-285750">
-              <a:lnSpc>
-                <a:spcPct val="150000"/>
-              </a:lnSpc>
-              <a:buFont typeface="Symbol" panose="05050102010706020507" pitchFamily="18" charset="2"/>
-              <a:buChar char="Þ"/>
-            </a:pPr>
-            <a:r>
-              <a:rPr lang="ko-KR" altLang="en-US" dirty="0" smtClean="0"/>
-              <a:t>구현 중</a:t>
-            </a:r>
-            <a:endParaRPr lang="en-US" altLang="ko-KR" dirty="0" smtClean="0"/>
-          </a:p>
-          <a:p>
-            <a:pPr marL="285750" indent="-285750">
-              <a:lnSpc>
-                <a:spcPct val="150000"/>
-              </a:lnSpc>
-              <a:buFont typeface="Symbol" panose="05050102010706020507" pitchFamily="18" charset="2"/>
-              <a:buChar char="Þ"/>
-            </a:pPr>
-            <a:r>
-              <a:rPr lang="en-US" altLang="ko-KR" dirty="0" err="1" smtClean="0"/>
-              <a:t>DenseNet</a:t>
-            </a:r>
-            <a:r>
-              <a:rPr lang="ko-KR" altLang="en-US" dirty="0" smtClean="0"/>
-              <a:t>을 이용한 논문은 없음</a:t>
-            </a:r>
-            <a:endParaRPr lang="ko-KR" altLang="en-US" dirty="0"/>
-          </a:p>
-        </p:txBody>
-      </p:sp>
+      </p:pic>
       <p:sp>
         <p:nvSpPr>
           <p:cNvPr id="3" name="날짜 개체 틀 2"/>
@@ -6882,7 +7606,7 @@
           <a:p>
             <a:fld id="{9B9B7D2E-B202-4D7A-9519-0C490A04EB9C}" type="datetime1">
               <a:rPr lang="ko-KR" altLang="en-US" smtClean="0"/>
-              <a:t>2019-08-01</a:t>
+              <a:t>2019-08-05</a:t>
             </a:fld>
             <a:endParaRPr lang="ko-KR" altLang="en-US"/>
           </a:p>
@@ -6920,7 +7644,7 @@
         <p:spPr>
           <a:xfrm>
             <a:off x="0" y="2512"/>
-            <a:ext cx="801630" cy="400110"/>
+            <a:ext cx="1752275" cy="400110"/>
           </a:xfrm>
           <a:prstGeom prst="rect">
             <a:avLst/>
@@ -6939,7 +7663,7 @@
                   <a:srgbClr val="3333FF"/>
                 </a:solidFill>
               </a:rPr>
-              <a:t>Paper</a:t>
+              <a:t>Training Result</a:t>
             </a:r>
             <a:endParaRPr lang="ko-KR" altLang="en-US" sz="2000" b="1" dirty="0">
               <a:solidFill>
@@ -6949,16 +7673,315 @@
           </a:p>
         </p:txBody>
       </p:sp>
-      <p:sp>
-        <p:nvSpPr>
-          <p:cNvPr id="20" name="TextBox 19"/>
+      <p:pic>
+        <p:nvPicPr>
+          <p:cNvPr id="8" name="그림 7"/>
+          <p:cNvPicPr>
+            <a:picLocks noChangeAspect="1"/>
+          </p:cNvPicPr>
+          <p:nvPr/>
+        </p:nvPicPr>
+        <p:blipFill>
+          <a:blip r:embed="rId3"/>
+          <a:stretch>
+            <a:fillRect/>
+          </a:stretch>
+        </p:blipFill>
+        <p:spPr>
+          <a:xfrm>
+            <a:off x="388026" y="1316351"/>
+            <a:ext cx="4493707" cy="2520000"/>
+          </a:xfrm>
+          <a:prstGeom prst="rect">
+            <a:avLst/>
+          </a:prstGeom>
+        </p:spPr>
+      </p:pic>
+      <p:grpSp>
+        <p:nvGrpSpPr>
+          <p:cNvPr id="9" name="그룹 8"/>
+          <p:cNvGrpSpPr/>
+          <p:nvPr/>
+        </p:nvGrpSpPr>
+        <p:grpSpPr>
+          <a:xfrm>
+            <a:off x="2092451" y="433090"/>
+            <a:ext cx="2545254" cy="963364"/>
+            <a:chOff x="3679753" y="1036006"/>
+            <a:chExt cx="2545254" cy="963364"/>
+          </a:xfrm>
+        </p:grpSpPr>
+        <p:sp>
+          <p:nvSpPr>
+            <p:cNvPr id="33" name="TextBox 32"/>
+            <p:cNvSpPr txBox="1"/>
+            <p:nvPr/>
+          </p:nvSpPr>
+          <p:spPr>
+            <a:xfrm>
+              <a:off x="3679753" y="1339433"/>
+              <a:ext cx="694384" cy="369332"/>
+            </a:xfrm>
+            <a:prstGeom prst="rect">
+              <a:avLst/>
+            </a:prstGeom>
+            <a:noFill/>
+          </p:spPr>
+          <p:txBody>
+            <a:bodyPr wrap="square" rtlCol="0">
+              <a:spAutoFit/>
+            </a:bodyPr>
+            <a:lstStyle/>
+            <a:p>
+              <a:pPr algn="ctr"/>
+              <a:r>
+                <a:rPr lang="en-US" altLang="ko-KR" dirty="0" smtClean="0"/>
+                <a:t>FDTD</a:t>
+              </a:r>
+              <a:endParaRPr lang="en-US" altLang="ko-KR" dirty="0" smtClean="0"/>
+            </a:p>
+          </p:txBody>
+        </p:sp>
+        <p:sp>
+          <p:nvSpPr>
+            <p:cNvPr id="46" name="TextBox 45"/>
+            <p:cNvSpPr txBox="1"/>
+            <p:nvPr/>
+          </p:nvSpPr>
+          <p:spPr>
+            <a:xfrm>
+              <a:off x="4445454" y="1353039"/>
+              <a:ext cx="1100989" cy="646331"/>
+            </a:xfrm>
+            <a:prstGeom prst="rect">
+              <a:avLst/>
+            </a:prstGeom>
+            <a:noFill/>
+          </p:spPr>
+          <p:txBody>
+            <a:bodyPr wrap="square" rtlCol="0">
+              <a:spAutoFit/>
+            </a:bodyPr>
+            <a:lstStyle/>
+            <a:p>
+              <a:pPr algn="ctr"/>
+              <a:r>
+                <a:rPr lang="en-US" altLang="ko-KR" dirty="0" smtClean="0"/>
+                <a:t>Neural</a:t>
+              </a:r>
+            </a:p>
+            <a:p>
+              <a:pPr algn="ctr"/>
+              <a:r>
+                <a:rPr lang="en-US" altLang="ko-KR" dirty="0" smtClean="0"/>
+                <a:t>Network</a:t>
+              </a:r>
+              <a:endParaRPr lang="ko-KR" altLang="en-US" dirty="0"/>
+            </a:p>
+          </p:txBody>
+        </p:sp>
+        <p:sp>
+          <p:nvSpPr>
+            <p:cNvPr id="47" name="TextBox 46"/>
+            <p:cNvSpPr txBox="1"/>
+            <p:nvPr/>
+          </p:nvSpPr>
+          <p:spPr>
+            <a:xfrm>
+              <a:off x="5636754" y="1335885"/>
+              <a:ext cx="588253" cy="369332"/>
+            </a:xfrm>
+            <a:prstGeom prst="rect">
+              <a:avLst/>
+            </a:prstGeom>
+            <a:noFill/>
+          </p:spPr>
+          <p:txBody>
+            <a:bodyPr wrap="square" rtlCol="0">
+              <a:spAutoFit/>
+            </a:bodyPr>
+            <a:lstStyle/>
+            <a:p>
+              <a:pPr algn="ctr"/>
+              <a:r>
+                <a:rPr lang="en-US" altLang="ko-KR" dirty="0" smtClean="0"/>
+                <a:t>loss</a:t>
+              </a:r>
+              <a:endParaRPr lang="ko-KR" altLang="en-US" dirty="0"/>
+            </a:p>
+          </p:txBody>
+        </p:sp>
+        <mc:AlternateContent xmlns:mc="http://schemas.openxmlformats.org/markup-compatibility/2006">
+          <mc:Choice xmlns:a14="http://schemas.microsoft.com/office/drawing/2010/main" Requires="a14">
+            <p:sp>
+              <p:nvSpPr>
+                <p:cNvPr id="48" name="TextBox 47"/>
+                <p:cNvSpPr txBox="1"/>
+                <p:nvPr/>
+              </p:nvSpPr>
+              <p:spPr>
+                <a:xfrm>
+                  <a:off x="3989840" y="1036006"/>
+                  <a:ext cx="1954638" cy="276999"/>
+                </a:xfrm>
+                <a:prstGeom prst="rect">
+                  <a:avLst/>
+                </a:prstGeom>
+                <a:noFill/>
+              </p:spPr>
+              <p:txBody>
+                <a:bodyPr wrap="none" lIns="0" tIns="0" rIns="0" bIns="0" rtlCol="0">
+                  <a:spAutoFit/>
+                </a:bodyPr>
+                <a:lstStyle/>
+                <a:p>
+                  <a:pPr/>
+                  <a14:m>
+                    <m:oMathPara xmlns:m="http://schemas.openxmlformats.org/officeDocument/2006/math">
+                      <m:oMathParaPr>
+                        <m:jc m:val="centerGroup"/>
+                      </m:oMathParaPr>
+                      <m:oMath xmlns:m="http://schemas.openxmlformats.org/officeDocument/2006/math">
+                        <m:r>
+                          <a:rPr lang="en-US" altLang="ko-KR" b="0" i="1" smtClean="0">
+                            <a:latin typeface="Cambria Math" panose="02040503050406030204" pitchFamily="18" charset="0"/>
+                          </a:rPr>
+                          <m:t>𝑓</m:t>
+                        </m:r>
+                        <m:d>
+                          <m:dPr>
+                            <m:ctrlPr>
+                              <a:rPr lang="en-US" altLang="ko-KR" b="0" i="1" smtClean="0">
+                                <a:latin typeface="Cambria Math" panose="02040503050406030204" pitchFamily="18" charset="0"/>
+                              </a:rPr>
+                            </m:ctrlPr>
+                          </m:dPr>
+                          <m:e>
+                            <m:r>
+                              <a:rPr lang="en-US" altLang="ko-KR" b="0" i="1" smtClean="0">
+                                <a:latin typeface="Cambria Math" panose="02040503050406030204" pitchFamily="18" charset="0"/>
+                              </a:rPr>
+                              <m:t>𝑥</m:t>
+                            </m:r>
+                          </m:e>
+                        </m:d>
+                        <m:r>
+                          <a:rPr lang="en-US" altLang="ko-KR" b="0" i="1" smtClean="0">
+                            <a:latin typeface="Cambria Math" panose="02040503050406030204" pitchFamily="18" charset="0"/>
+                          </a:rPr>
+                          <m:t>=</m:t>
+                        </m:r>
+                        <m:r>
+                          <a:rPr lang="en-US" altLang="ko-KR" b="0" i="1" smtClean="0">
+                            <a:latin typeface="Cambria Math" panose="02040503050406030204" pitchFamily="18" charset="0"/>
+                          </a:rPr>
+                          <m:t>𝑔</m:t>
+                        </m:r>
+                        <m:d>
+                          <m:dPr>
+                            <m:ctrlPr>
+                              <a:rPr lang="en-US" altLang="ko-KR" b="0" i="1" smtClean="0">
+                                <a:latin typeface="Cambria Math" panose="02040503050406030204" pitchFamily="18" charset="0"/>
+                              </a:rPr>
+                            </m:ctrlPr>
+                          </m:dPr>
+                          <m:e>
+                            <m:r>
+                              <a:rPr lang="en-US" altLang="ko-KR" b="0" i="1" smtClean="0">
+                                <a:latin typeface="Cambria Math" panose="02040503050406030204" pitchFamily="18" charset="0"/>
+                              </a:rPr>
+                              <m:t>𝑥</m:t>
+                            </m:r>
+                          </m:e>
+                        </m:d>
+                        <m:r>
+                          <a:rPr lang="en-US" altLang="ko-KR" b="0" i="1" smtClean="0">
+                            <a:latin typeface="Cambria Math" panose="02040503050406030204" pitchFamily="18" charset="0"/>
+                          </a:rPr>
+                          <m:t>+</m:t>
+                        </m:r>
+                        <m:r>
+                          <a:rPr lang="en-US" altLang="ko-KR" b="0" i="1" smtClean="0">
+                            <a:latin typeface="Cambria Math" panose="02040503050406030204" pitchFamily="18" charset="0"/>
+                          </a:rPr>
+                          <m:t>𝑙</m:t>
+                        </m:r>
+                        <m:r>
+                          <a:rPr lang="en-US" altLang="ko-KR" b="0" i="1" smtClean="0">
+                            <a:latin typeface="Cambria Math" panose="02040503050406030204" pitchFamily="18" charset="0"/>
+                          </a:rPr>
+                          <m:t>(</m:t>
+                        </m:r>
+                        <m:r>
+                          <a:rPr lang="en-US" altLang="ko-KR" b="0" i="1" smtClean="0">
+                            <a:latin typeface="Cambria Math" panose="02040503050406030204" pitchFamily="18" charset="0"/>
+                          </a:rPr>
+                          <m:t>𝑥</m:t>
+                        </m:r>
+                        <m:r>
+                          <a:rPr lang="en-US" altLang="ko-KR" b="0" i="1" smtClean="0">
+                            <a:latin typeface="Cambria Math" panose="02040503050406030204" pitchFamily="18" charset="0"/>
+                          </a:rPr>
+                          <m:t>)</m:t>
+                        </m:r>
+                      </m:oMath>
+                    </m:oMathPara>
+                  </a14:m>
+                  <a:endParaRPr lang="ko-KR" altLang="en-US" dirty="0"/>
+                </a:p>
+              </p:txBody>
+            </p:sp>
+          </mc:Choice>
+          <mc:Fallback>
+            <p:sp>
+              <p:nvSpPr>
+                <p:cNvPr id="48" name="TextBox 47"/>
+                <p:cNvSpPr txBox="1">
+                  <a:spLocks noRot="1" noChangeAspect="1" noMove="1" noResize="1" noEditPoints="1" noAdjustHandles="1" noChangeArrowheads="1" noChangeShapeType="1" noTextEdit="1"/>
+                </p:cNvSpPr>
+                <p:nvPr/>
+              </p:nvSpPr>
+              <p:spPr>
+                <a:xfrm>
+                  <a:off x="3989840" y="1036006"/>
+                  <a:ext cx="1954638" cy="276999"/>
+                </a:xfrm>
+                <a:prstGeom prst="rect">
+                  <a:avLst/>
+                </a:prstGeom>
+                <a:blipFill>
+                  <a:blip r:embed="rId4"/>
+                  <a:stretch>
+                    <a:fillRect l="-3738" t="-2222" r="-3738" b="-35556"/>
+                  </a:stretch>
+                </a:blipFill>
+              </p:spPr>
+              <p:txBody>
+                <a:bodyPr/>
+                <a:lstStyle/>
+                <a:p>
+                  <a:r>
+                    <a:rPr lang="ko-KR" altLang="en-US">
+                      <a:noFill/>
+                    </a:rPr>
+                    <a:t> </a:t>
+                  </a:r>
+                </a:p>
+              </p:txBody>
+            </p:sp>
+          </mc:Fallback>
+        </mc:AlternateContent>
+      </p:grpSp>
+      <p:sp>
+        <p:nvSpPr>
+          <p:cNvPr id="53" name="TextBox 52"/>
           <p:cNvSpPr txBox="1"/>
           <p:nvPr/>
         </p:nvSpPr>
         <p:spPr>
           <a:xfrm>
-            <a:off x="537521" y="402622"/>
-            <a:ext cx="6367162" cy="1709122"/>
+            <a:off x="3939196" y="3449168"/>
+            <a:ext cx="1069726" cy="369332"/>
           </a:xfrm>
           <a:prstGeom prst="rect">
             <a:avLst/>
@@ -6971,88 +7994,212 @@
           </a:bodyPr>
           <a:lstStyle/>
           <a:p>
-            <a:pPr>
-              <a:lnSpc>
-                <a:spcPct val="150000"/>
-              </a:lnSpc>
-            </a:pPr>
-            <a:r>
-              <a:rPr lang="en-US" altLang="ko-KR" b="1" dirty="0" smtClean="0"/>
-              <a:t>Without </a:t>
-            </a:r>
-            <a:r>
-              <a:rPr lang="en-US" altLang="ko-KR" b="1" dirty="0" err="1" smtClean="0"/>
-              <a:t>Nerual</a:t>
-            </a:r>
-            <a:r>
-              <a:rPr lang="en-US" altLang="ko-KR" b="1" dirty="0" smtClean="0"/>
-              <a:t> Network, Reinforcement Learning</a:t>
-            </a:r>
-          </a:p>
-          <a:p>
-            <a:pPr marL="285750" indent="-285750">
-              <a:lnSpc>
-                <a:spcPct val="150000"/>
-              </a:lnSpc>
-              <a:buFontTx/>
-              <a:buChar char="-"/>
-            </a:pPr>
+            <a:pPr algn="ctr"/>
             <a:r>
               <a:rPr lang="en-US" altLang="ko-KR" dirty="0" smtClean="0"/>
-              <a:t>ARLA </a:t>
-            </a:r>
-            <a:r>
-              <a:rPr lang="en-US" altLang="ko-KR" dirty="0"/>
-              <a:t>(Additive Reinforcement Learning Algorithm</a:t>
-            </a:r>
-            <a:r>
-              <a:rPr lang="en-US" altLang="ko-KR" dirty="0" smtClean="0"/>
-              <a:t>)</a:t>
-            </a:r>
-          </a:p>
-          <a:p>
-            <a:pPr marL="285750" indent="-285750">
-              <a:lnSpc>
-                <a:spcPct val="150000"/>
-              </a:lnSpc>
-              <a:buFont typeface="Symbol" panose="05050102010706020507" pitchFamily="18" charset="2"/>
-              <a:buChar char="Þ"/>
-            </a:pPr>
-            <a:r>
-              <a:rPr lang="ko-KR" altLang="en-US" dirty="0" smtClean="0"/>
-              <a:t>현재 사용 중인 알고리즘</a:t>
-            </a:r>
-            <a:endParaRPr lang="en-US" altLang="ko-KR" dirty="0" smtClean="0"/>
-          </a:p>
-          <a:p>
-            <a:pPr marL="285750" indent="-285750">
-              <a:lnSpc>
-                <a:spcPct val="150000"/>
-              </a:lnSpc>
-              <a:buFont typeface="Symbol" panose="05050102010706020507" pitchFamily="18" charset="2"/>
-              <a:buChar char="Þ"/>
-            </a:pPr>
-            <a:r>
-              <a:rPr lang="ko-KR" altLang="en-US" dirty="0" smtClean="0"/>
-              <a:t>결과물</a:t>
-            </a:r>
-            <a:r>
-              <a:rPr lang="en-US" altLang="ko-KR" dirty="0" smtClean="0"/>
-              <a:t>: 1D DBR, 2D Splitter (symmetry)</a:t>
-            </a:r>
-          </a:p>
-        </p:txBody>
-      </p:sp>
-      <p:sp>
-        <p:nvSpPr>
-          <p:cNvPr id="24" name="TextBox 23"/>
+              <a:t>~ 0.015</a:t>
+            </a:r>
+            <a:endParaRPr lang="ko-KR" altLang="en-US" dirty="0"/>
+          </a:p>
+        </p:txBody>
+      </p:sp>
+      <mc:AlternateContent xmlns:mc="http://schemas.openxmlformats.org/markup-compatibility/2006">
+        <mc:Choice xmlns:a14="http://schemas.microsoft.com/office/drawing/2010/main" Requires="a14">
+          <p:sp>
+            <p:nvSpPr>
+              <p:cNvPr id="11" name="TextBox 10"/>
+              <p:cNvSpPr txBox="1"/>
+              <p:nvPr/>
+            </p:nvSpPr>
+            <p:spPr>
+              <a:xfrm>
+                <a:off x="5082526" y="738856"/>
+                <a:ext cx="2165657" cy="276999"/>
+              </a:xfrm>
+              <a:prstGeom prst="rect">
+                <a:avLst/>
+              </a:prstGeom>
+              <a:noFill/>
+            </p:spPr>
+            <p:txBody>
+              <a:bodyPr wrap="none" lIns="0" tIns="0" rIns="0" bIns="0" rtlCol="0">
+                <a:spAutoFit/>
+              </a:bodyPr>
+              <a:lstStyle/>
+              <a:p>
+                <a14:m>
+                  <m:oMathPara xmlns:m="http://schemas.openxmlformats.org/officeDocument/2006/math">
+                    <m:oMathParaPr>
+                      <m:jc m:val="centerGroup"/>
+                    </m:oMathParaPr>
+                    <m:oMath xmlns:m="http://schemas.openxmlformats.org/officeDocument/2006/math">
+                      <m:r>
+                        <m:rPr>
+                          <m:sty m:val="p"/>
+                        </m:rPr>
+                        <a:rPr lang="en-US" altLang="ko-KR" b="0" i="0" smtClean="0">
+                          <a:latin typeface="Cambria Math" panose="02040503050406030204" pitchFamily="18" charset="0"/>
+                        </a:rPr>
+                        <m:t>loss</m:t>
+                      </m:r>
+                      <m:r>
+                        <a:rPr lang="en-US" altLang="ko-KR" b="0" i="1" smtClean="0">
+                          <a:latin typeface="Cambria Math" panose="02040503050406030204" pitchFamily="18" charset="0"/>
+                        </a:rPr>
+                        <m:t>= </m:t>
+                      </m:r>
+                      <m:d>
+                        <m:dPr>
+                          <m:begChr m:val="|"/>
+                          <m:endChr m:val="|"/>
+                          <m:ctrlPr>
+                            <a:rPr lang="en-US" altLang="ko-KR" b="0" i="1" smtClean="0">
+                              <a:latin typeface="Cambria Math" panose="02040503050406030204" pitchFamily="18" charset="0"/>
+                            </a:rPr>
+                          </m:ctrlPr>
+                        </m:dPr>
+                        <m:e>
+                          <m:r>
+                            <a:rPr lang="en-US" altLang="ko-KR" b="0" i="1" smtClean="0">
+                              <a:latin typeface="Cambria Math" panose="02040503050406030204" pitchFamily="18" charset="0"/>
+                            </a:rPr>
+                            <m:t>𝑓</m:t>
+                          </m:r>
+                          <m:d>
+                            <m:dPr>
+                              <m:ctrlPr>
+                                <a:rPr lang="en-US" altLang="ko-KR" b="0" i="1" smtClean="0">
+                                  <a:latin typeface="Cambria Math" panose="02040503050406030204" pitchFamily="18" charset="0"/>
+                                </a:rPr>
+                              </m:ctrlPr>
+                            </m:dPr>
+                            <m:e>
+                              <m:r>
+                                <a:rPr lang="en-US" altLang="ko-KR" b="0" i="1" smtClean="0">
+                                  <a:latin typeface="Cambria Math" panose="02040503050406030204" pitchFamily="18" charset="0"/>
+                                </a:rPr>
+                                <m:t>𝑥</m:t>
+                              </m:r>
+                            </m:e>
+                          </m:d>
+                          <m:r>
+                            <a:rPr lang="en-US" altLang="ko-KR" b="0" i="1" smtClean="0">
+                              <a:latin typeface="Cambria Math" panose="02040503050406030204" pitchFamily="18" charset="0"/>
+                            </a:rPr>
+                            <m:t>−</m:t>
+                          </m:r>
+                          <m:r>
+                            <a:rPr lang="en-US" altLang="ko-KR" b="0" i="1" smtClean="0">
+                              <a:latin typeface="Cambria Math" panose="02040503050406030204" pitchFamily="18" charset="0"/>
+                            </a:rPr>
+                            <m:t>𝑔</m:t>
+                          </m:r>
+                          <m:d>
+                            <m:dPr>
+                              <m:ctrlPr>
+                                <a:rPr lang="en-US" altLang="ko-KR" b="0" i="1" smtClean="0">
+                                  <a:latin typeface="Cambria Math" panose="02040503050406030204" pitchFamily="18" charset="0"/>
+                                </a:rPr>
+                              </m:ctrlPr>
+                            </m:dPr>
+                            <m:e>
+                              <m:r>
+                                <a:rPr lang="en-US" altLang="ko-KR" b="0" i="1" smtClean="0">
+                                  <a:latin typeface="Cambria Math" panose="02040503050406030204" pitchFamily="18" charset="0"/>
+                                </a:rPr>
+                                <m:t>𝑥</m:t>
+                              </m:r>
+                            </m:e>
+                          </m:d>
+                        </m:e>
+                      </m:d>
+                    </m:oMath>
+                  </m:oMathPara>
+                </a14:m>
+                <a:endParaRPr lang="ko-KR" altLang="en-US" dirty="0"/>
+              </a:p>
+            </p:txBody>
+          </p:sp>
+        </mc:Choice>
+        <mc:Fallback>
+          <p:sp>
+            <p:nvSpPr>
+              <p:cNvPr id="11" name="TextBox 10"/>
+              <p:cNvSpPr txBox="1">
+                <a:spLocks noRot="1" noChangeAspect="1" noMove="1" noResize="1" noEditPoints="1" noAdjustHandles="1" noChangeArrowheads="1" noChangeShapeType="1" noTextEdit="1"/>
+              </p:cNvSpPr>
+              <p:nvPr/>
+            </p:nvSpPr>
+            <p:spPr>
+              <a:xfrm>
+                <a:off x="5082526" y="738856"/>
+                <a:ext cx="2165657" cy="276999"/>
+              </a:xfrm>
+              <a:prstGeom prst="rect">
+                <a:avLst/>
+              </a:prstGeom>
+              <a:blipFill>
+                <a:blip r:embed="rId5"/>
+                <a:stretch>
+                  <a:fillRect l="-1408" t="-2174" b="-32609"/>
+                </a:stretch>
+              </a:blipFill>
+            </p:spPr>
+            <p:txBody>
+              <a:bodyPr/>
+              <a:lstStyle/>
+              <a:p>
+                <a:r>
+                  <a:rPr lang="ko-KR" altLang="en-US">
+                    <a:noFill/>
+                  </a:rPr>
+                  <a:t> </a:t>
+                </a:r>
+              </a:p>
+            </p:txBody>
+          </p:sp>
+        </mc:Fallback>
+      </mc:AlternateContent>
+      <p:pic>
+        <p:nvPicPr>
+          <p:cNvPr id="6" name="그림 5"/>
+          <p:cNvPicPr>
+            <a:picLocks noChangeAspect="1"/>
+          </p:cNvPicPr>
+          <p:nvPr/>
+        </p:nvPicPr>
+        <p:blipFill>
+          <a:blip r:embed="rId6">
+            <a:extLst>
+              <a:ext uri="{28A0092B-C50C-407E-A947-70E740481C1C}">
+                <a14:useLocalDpi xmlns:a14="http://schemas.microsoft.com/office/drawing/2010/main" val="0"/>
+              </a:ext>
+            </a:extLst>
+          </a:blip>
+          <a:stretch>
+            <a:fillRect/>
+          </a:stretch>
+        </p:blipFill>
+        <p:spPr>
+          <a:xfrm>
+            <a:off x="5008922" y="1316351"/>
+            <a:ext cx="3360000" cy="2520000"/>
+          </a:xfrm>
+          <a:prstGeom prst="rect">
+            <a:avLst/>
+          </a:prstGeom>
+        </p:spPr>
+      </p:pic>
+      <p:sp>
+        <p:nvSpPr>
+          <p:cNvPr id="49" name="TextBox 48"/>
           <p:cNvSpPr txBox="1"/>
           <p:nvPr/>
         </p:nvSpPr>
         <p:spPr>
           <a:xfrm>
-            <a:off x="0" y="4867852"/>
-            <a:ext cx="9072143" cy="1569660"/>
+            <a:off x="5436574" y="2637544"/>
+            <a:ext cx="629305" cy="276999"/>
           </a:xfrm>
           <a:prstGeom prst="rect">
             <a:avLst/>
@@ -7065,133 +8212,719 @@
           </a:bodyPr>
           <a:lstStyle/>
           <a:p>
-            <a:r>
-              <a:rPr lang="en-US" altLang="ko-KR" sz="1600" dirty="0" smtClean="0"/>
-              <a:t>FCDNN ref.1 </a:t>
-            </a:r>
-            <a:r>
-              <a:rPr lang="en-US" altLang="ko-KR" sz="1600" dirty="0"/>
-              <a:t>: A. da Silva </a:t>
-            </a:r>
-            <a:r>
-              <a:rPr lang="en-US" altLang="ko-KR" sz="1600" dirty="0" smtClean="0"/>
-              <a:t>Ferreira et al. </a:t>
-            </a:r>
-            <a:r>
-              <a:rPr lang="en-US" altLang="ko-KR" sz="1600" dirty="0"/>
-              <a:t>"Computing Optical Properties of Photonic Crystals by Using Multilayer Perceptron and Extreme Learning Machine," </a:t>
-            </a:r>
-            <a:r>
-              <a:rPr lang="en-US" altLang="ko-KR" sz="1600" b="1" i="1" dirty="0" smtClean="0"/>
-              <a:t>Journal </a:t>
-            </a:r>
-            <a:r>
-              <a:rPr lang="en-US" altLang="ko-KR" sz="1600" b="1" i="1" dirty="0"/>
-              <a:t>of </a:t>
-            </a:r>
-            <a:r>
-              <a:rPr lang="en-US" altLang="ko-KR" sz="1600" b="1" i="1" dirty="0" err="1"/>
-              <a:t>Lightwave</a:t>
-            </a:r>
-            <a:r>
-              <a:rPr lang="en-US" altLang="ko-KR" sz="1600" b="1" i="1" dirty="0"/>
-              <a:t> </a:t>
-            </a:r>
-            <a:r>
-              <a:rPr lang="en-US" altLang="ko-KR" sz="1600" b="1" i="1" dirty="0" smtClean="0"/>
-              <a:t>Technology</a:t>
-            </a:r>
-            <a:r>
-              <a:rPr lang="en-US" altLang="ko-KR" sz="1600" dirty="0" smtClean="0"/>
-              <a:t>, 2018</a:t>
-            </a:r>
-          </a:p>
-          <a:p>
-            <a:r>
-              <a:rPr lang="en-US" altLang="ko-KR" sz="1600" dirty="0"/>
-              <a:t>FCDNN </a:t>
-            </a:r>
-            <a:r>
-              <a:rPr lang="en-US" altLang="ko-KR" sz="1600" dirty="0" smtClean="0"/>
-              <a:t>ref.2 </a:t>
-            </a:r>
-            <a:r>
-              <a:rPr lang="en-US" altLang="ko-KR" sz="1600" dirty="0"/>
-              <a:t>: </a:t>
-            </a:r>
-            <a:r>
-              <a:rPr lang="en-US" altLang="ko-KR" sz="1600" dirty="0" err="1" smtClean="0"/>
-              <a:t>Dianjing</a:t>
-            </a:r>
-            <a:r>
-              <a:rPr lang="en-US" altLang="ko-KR" sz="1600" dirty="0" smtClean="0"/>
-              <a:t> Liu </a:t>
-            </a:r>
-            <a:r>
-              <a:rPr lang="en-US" altLang="ko-KR" sz="1600" dirty="0"/>
-              <a:t>et al. </a:t>
-            </a:r>
-            <a:r>
-              <a:rPr lang="en-US" altLang="ko-KR" sz="1600" dirty="0" smtClean="0"/>
-              <a:t>“Training Deep Neural Networks for the Inverse Design of </a:t>
-            </a:r>
-            <a:r>
-              <a:rPr lang="en-US" altLang="ko-KR" sz="1600" dirty="0" err="1" smtClean="0"/>
-              <a:t>Nanophotonics</a:t>
-            </a:r>
-            <a:r>
-              <a:rPr lang="en-US" altLang="ko-KR" sz="1600" dirty="0" smtClean="0"/>
-              <a:t> Structures," </a:t>
-            </a:r>
-            <a:r>
-              <a:rPr lang="en-US" altLang="ko-KR" sz="1600" b="1" i="1" dirty="0" smtClean="0"/>
-              <a:t>ACS Photonics</a:t>
-            </a:r>
-            <a:r>
-              <a:rPr lang="en-US" altLang="ko-KR" sz="1600" dirty="0" smtClean="0"/>
-              <a:t>, 2018</a:t>
-            </a:r>
-          </a:p>
-          <a:p>
-            <a:r>
-              <a:rPr lang="en-US" altLang="ko-KR" sz="1600" dirty="0" err="1" smtClean="0"/>
-              <a:t>ResNet</a:t>
-            </a:r>
-            <a:r>
-              <a:rPr lang="en-US" altLang="ko-KR" sz="1600" dirty="0" smtClean="0"/>
-              <a:t> ref. : </a:t>
-            </a:r>
-            <a:r>
-              <a:rPr lang="en-US" altLang="ko-KR" sz="1600" dirty="0" err="1" smtClean="0"/>
-              <a:t>Mohammd</a:t>
-            </a:r>
-            <a:r>
-              <a:rPr lang="en-US" altLang="ko-KR" sz="1600" dirty="0" smtClean="0"/>
-              <a:t> H. </a:t>
-            </a:r>
-            <a:r>
-              <a:rPr lang="en-US" altLang="ko-KR" sz="1600" dirty="0" err="1" smtClean="0"/>
-              <a:t>Tahersima</a:t>
-            </a:r>
-            <a:r>
-              <a:rPr lang="en-US" altLang="ko-KR" sz="1600" dirty="0" smtClean="0"/>
-              <a:t> et al. “Deep Neural Network Inverse Design of Integrated Photonic Power Splitters,” </a:t>
-            </a:r>
-            <a:r>
-              <a:rPr lang="en-US" altLang="ko-KR" sz="1600" b="1" i="1" dirty="0" smtClean="0"/>
-              <a:t>Scientific Reports</a:t>
-            </a:r>
-            <a:r>
-              <a:rPr lang="en-US" altLang="ko-KR" sz="1600" dirty="0" smtClean="0"/>
-              <a:t>, 2019</a:t>
-            </a:r>
-            <a:endParaRPr lang="en-US" altLang="ko-KR" sz="1600" dirty="0"/>
+            <a:pPr algn="ctr"/>
+            <a:r>
+              <a:rPr lang="en-US" altLang="ko-KR" sz="1200" dirty="0" smtClean="0"/>
+              <a:t>FDTD</a:t>
+            </a:r>
+            <a:endParaRPr lang="ko-KR" altLang="en-US" sz="1200" dirty="0"/>
+          </a:p>
+        </p:txBody>
+      </p:sp>
+      <p:sp>
+        <p:nvSpPr>
+          <p:cNvPr id="50" name="TextBox 49"/>
+          <p:cNvSpPr txBox="1"/>
+          <p:nvPr/>
+        </p:nvSpPr>
+        <p:spPr>
+          <a:xfrm>
+            <a:off x="5436574" y="1614046"/>
+            <a:ext cx="1171810" cy="276999"/>
+          </a:xfrm>
+          <a:prstGeom prst="rect">
+            <a:avLst/>
+          </a:prstGeom>
+          <a:noFill/>
+        </p:spPr>
+        <p:txBody>
+          <a:bodyPr wrap="square" rtlCol="0">
+            <a:spAutoFit/>
+          </a:bodyPr>
+          <a:lstStyle/>
+          <a:p>
+            <a:pPr algn="ctr"/>
+            <a:r>
+              <a:rPr lang="en-US" altLang="ko-KR" sz="1200" dirty="0" smtClean="0"/>
+              <a:t>Neural Network</a:t>
+            </a:r>
+            <a:endParaRPr lang="ko-KR" altLang="en-US" sz="1200" dirty="0"/>
+          </a:p>
+        </p:txBody>
+      </p:sp>
+      <p:sp>
+        <p:nvSpPr>
+          <p:cNvPr id="56" name="TextBox 55"/>
+          <p:cNvSpPr txBox="1"/>
+          <p:nvPr/>
+        </p:nvSpPr>
+        <p:spPr>
+          <a:xfrm rot="16200000">
+            <a:off x="4556717" y="2437851"/>
+            <a:ext cx="1047134" cy="276999"/>
+          </a:xfrm>
+          <a:prstGeom prst="rect">
+            <a:avLst/>
+          </a:prstGeom>
+          <a:noFill/>
+        </p:spPr>
+        <p:txBody>
+          <a:bodyPr wrap="square" rtlCol="0">
+            <a:spAutoFit/>
+          </a:bodyPr>
+          <a:lstStyle/>
+          <a:p>
+            <a:pPr algn="ctr"/>
+            <a:r>
+              <a:rPr lang="en-US" altLang="ko-KR" sz="1200" dirty="0" smtClean="0"/>
+              <a:t>Transmission</a:t>
+            </a:r>
+            <a:endParaRPr lang="ko-KR" altLang="en-US" sz="1200" dirty="0"/>
           </a:p>
         </p:txBody>
       </p:sp>
       <p:pic>
         <p:nvPicPr>
-          <p:cNvPr id="26" name="그림 25"/>
+          <p:cNvPr id="13" name="그림 12"/>
+          <p:cNvPicPr>
+            <a:picLocks noChangeAspect="1"/>
+          </p:cNvPicPr>
+          <p:nvPr/>
+        </p:nvPicPr>
+        <p:blipFill>
+          <a:blip r:embed="rId7">
+            <a:extLst>
+              <a:ext uri="{28A0092B-C50C-407E-A947-70E740481C1C}">
+                <a14:useLocalDpi xmlns:a14="http://schemas.microsoft.com/office/drawing/2010/main" val="0"/>
+              </a:ext>
+            </a:extLst>
+          </a:blip>
+          <a:stretch>
+            <a:fillRect/>
+          </a:stretch>
+        </p:blipFill>
+        <p:spPr>
+          <a:xfrm>
+            <a:off x="5008922" y="3836351"/>
+            <a:ext cx="3360000" cy="2520000"/>
+          </a:xfrm>
+          <a:prstGeom prst="rect">
+            <a:avLst/>
+          </a:prstGeom>
+        </p:spPr>
+      </p:pic>
+      <p:sp>
+        <p:nvSpPr>
+          <p:cNvPr id="57" name="TextBox 56"/>
+          <p:cNvSpPr txBox="1"/>
+          <p:nvPr/>
+        </p:nvSpPr>
+        <p:spPr>
+          <a:xfrm rot="16200000">
+            <a:off x="4556718" y="4940000"/>
+            <a:ext cx="1047134" cy="276999"/>
+          </a:xfrm>
+          <a:prstGeom prst="rect">
+            <a:avLst/>
+          </a:prstGeom>
+          <a:noFill/>
+        </p:spPr>
+        <p:txBody>
+          <a:bodyPr wrap="square" rtlCol="0">
+            <a:spAutoFit/>
+          </a:bodyPr>
+          <a:lstStyle/>
+          <a:p>
+            <a:pPr algn="ctr"/>
+            <a:r>
+              <a:rPr lang="en-US" altLang="ko-KR" sz="1200" dirty="0" smtClean="0"/>
+              <a:t>Transmission</a:t>
+            </a:r>
+            <a:endParaRPr lang="ko-KR" altLang="en-US" sz="1200" dirty="0"/>
+          </a:p>
+        </p:txBody>
+      </p:sp>
+      <p:sp>
+        <p:nvSpPr>
+          <p:cNvPr id="58" name="TextBox 57"/>
+          <p:cNvSpPr txBox="1"/>
+          <p:nvPr/>
+        </p:nvSpPr>
+        <p:spPr>
+          <a:xfrm>
+            <a:off x="5436574" y="5777087"/>
+            <a:ext cx="629305" cy="276999"/>
+          </a:xfrm>
+          <a:prstGeom prst="rect">
+            <a:avLst/>
+          </a:prstGeom>
+          <a:noFill/>
+        </p:spPr>
+        <p:txBody>
+          <a:bodyPr wrap="square" rtlCol="0">
+            <a:spAutoFit/>
+          </a:bodyPr>
+          <a:lstStyle/>
+          <a:p>
+            <a:pPr algn="ctr"/>
+            <a:r>
+              <a:rPr lang="en-US" altLang="ko-KR" sz="1200" dirty="0" smtClean="0"/>
+              <a:t>FDTD</a:t>
+            </a:r>
+            <a:endParaRPr lang="ko-KR" altLang="en-US" sz="1200" dirty="0"/>
+          </a:p>
+        </p:txBody>
+      </p:sp>
+      <p:sp>
+        <p:nvSpPr>
+          <p:cNvPr id="59" name="TextBox 58"/>
+          <p:cNvSpPr txBox="1"/>
+          <p:nvPr/>
+        </p:nvSpPr>
+        <p:spPr>
+          <a:xfrm>
+            <a:off x="5436574" y="4712024"/>
+            <a:ext cx="1171810" cy="276999"/>
+          </a:xfrm>
+          <a:prstGeom prst="rect">
+            <a:avLst/>
+          </a:prstGeom>
+          <a:noFill/>
+        </p:spPr>
+        <p:txBody>
+          <a:bodyPr wrap="square" rtlCol="0">
+            <a:spAutoFit/>
+          </a:bodyPr>
+          <a:lstStyle/>
+          <a:p>
+            <a:pPr algn="ctr"/>
+            <a:r>
+              <a:rPr lang="en-US" altLang="ko-KR" sz="1200" dirty="0" smtClean="0"/>
+              <a:t>Neural Network</a:t>
+            </a:r>
+            <a:endParaRPr lang="ko-KR" altLang="en-US" sz="1200" dirty="0"/>
+          </a:p>
+        </p:txBody>
+      </p:sp>
+      <p:sp>
+        <p:nvSpPr>
+          <p:cNvPr id="55" name="TextBox 54"/>
+          <p:cNvSpPr txBox="1"/>
+          <p:nvPr/>
+        </p:nvSpPr>
+        <p:spPr>
+          <a:xfrm>
+            <a:off x="6165355" y="3658232"/>
+            <a:ext cx="1047134" cy="276999"/>
+          </a:xfrm>
+          <a:prstGeom prst="rect">
+            <a:avLst/>
+          </a:prstGeom>
+          <a:noFill/>
+        </p:spPr>
+        <p:txBody>
+          <a:bodyPr wrap="square" rtlCol="0">
+            <a:spAutoFit/>
+          </a:bodyPr>
+          <a:lstStyle/>
+          <a:p>
+            <a:pPr algn="ctr"/>
+            <a:r>
+              <a:rPr lang="en-US" altLang="ko-KR" sz="1200" dirty="0" smtClean="0"/>
+              <a:t>Wavelength</a:t>
+            </a:r>
+            <a:endParaRPr lang="ko-KR" altLang="en-US" sz="1200" dirty="0"/>
+          </a:p>
+        </p:txBody>
+      </p:sp>
+      <p:sp>
+        <p:nvSpPr>
+          <p:cNvPr id="60" name="TextBox 59"/>
+          <p:cNvSpPr txBox="1"/>
+          <p:nvPr/>
+        </p:nvSpPr>
+        <p:spPr>
+          <a:xfrm>
+            <a:off x="6165355" y="6277112"/>
+            <a:ext cx="1047134" cy="276999"/>
+          </a:xfrm>
+          <a:prstGeom prst="rect">
+            <a:avLst/>
+          </a:prstGeom>
+          <a:noFill/>
+        </p:spPr>
+        <p:txBody>
+          <a:bodyPr wrap="square" rtlCol="0">
+            <a:spAutoFit/>
+          </a:bodyPr>
+          <a:lstStyle/>
+          <a:p>
+            <a:pPr algn="ctr"/>
+            <a:r>
+              <a:rPr lang="en-US" altLang="ko-KR" sz="1200" dirty="0" smtClean="0"/>
+              <a:t>Wavelength</a:t>
+            </a:r>
+            <a:endParaRPr lang="ko-KR" altLang="en-US" sz="1200" dirty="0"/>
+          </a:p>
+        </p:txBody>
+      </p:sp>
+      <p:sp>
+        <p:nvSpPr>
+          <p:cNvPr id="32" name="TextBox 31"/>
+          <p:cNvSpPr txBox="1"/>
+          <p:nvPr/>
+        </p:nvSpPr>
+        <p:spPr>
+          <a:xfrm>
+            <a:off x="2019200" y="3758478"/>
+            <a:ext cx="1231357" cy="276999"/>
+          </a:xfrm>
+          <a:prstGeom prst="rect">
+            <a:avLst/>
+          </a:prstGeom>
+          <a:noFill/>
+        </p:spPr>
+        <p:txBody>
+          <a:bodyPr wrap="square" rtlCol="0">
+            <a:spAutoFit/>
+          </a:bodyPr>
+          <a:lstStyle/>
+          <a:p>
+            <a:pPr algn="ctr"/>
+            <a:r>
+              <a:rPr lang="en-US" altLang="ko-KR" sz="1200" dirty="0" smtClean="0"/>
+              <a:t>Learning Step</a:t>
+            </a:r>
+            <a:endParaRPr lang="ko-KR" altLang="en-US" sz="1200" dirty="0"/>
+          </a:p>
+        </p:txBody>
+      </p:sp>
+      <p:sp>
+        <p:nvSpPr>
+          <p:cNvPr id="61" name="TextBox 60"/>
+          <p:cNvSpPr txBox="1"/>
+          <p:nvPr/>
+        </p:nvSpPr>
+        <p:spPr>
+          <a:xfrm>
+            <a:off x="2019200" y="6356351"/>
+            <a:ext cx="1231357" cy="276999"/>
+          </a:xfrm>
+          <a:prstGeom prst="rect">
+            <a:avLst/>
+          </a:prstGeom>
+          <a:noFill/>
+        </p:spPr>
+        <p:txBody>
+          <a:bodyPr wrap="square" rtlCol="0">
+            <a:spAutoFit/>
+          </a:bodyPr>
+          <a:lstStyle/>
+          <a:p>
+            <a:pPr algn="ctr"/>
+            <a:r>
+              <a:rPr lang="en-US" altLang="ko-KR" sz="1200" dirty="0" smtClean="0"/>
+              <a:t>Learning Step</a:t>
+            </a:r>
+            <a:endParaRPr lang="ko-KR" altLang="en-US" sz="1200" dirty="0"/>
+          </a:p>
+        </p:txBody>
+      </p:sp>
+      <p:sp>
+        <p:nvSpPr>
+          <p:cNvPr id="62" name="TextBox 61"/>
+          <p:cNvSpPr txBox="1"/>
+          <p:nvPr/>
+        </p:nvSpPr>
+        <p:spPr>
+          <a:xfrm>
+            <a:off x="3939196" y="5528901"/>
+            <a:ext cx="1069726" cy="369332"/>
+          </a:xfrm>
+          <a:prstGeom prst="rect">
+            <a:avLst/>
+          </a:prstGeom>
+          <a:noFill/>
+        </p:spPr>
+        <p:txBody>
+          <a:bodyPr wrap="square" rtlCol="0">
+            <a:spAutoFit/>
+          </a:bodyPr>
+          <a:lstStyle/>
+          <a:p>
+            <a:pPr algn="ctr"/>
+            <a:r>
+              <a:rPr lang="en-US" altLang="ko-KR" dirty="0" smtClean="0"/>
+              <a:t>~ 0.010</a:t>
+            </a:r>
+            <a:endParaRPr lang="ko-KR" altLang="en-US" dirty="0"/>
+          </a:p>
+        </p:txBody>
+      </p:sp>
+      <p:sp>
+        <p:nvSpPr>
+          <p:cNvPr id="63" name="TextBox 62"/>
+          <p:cNvSpPr txBox="1"/>
+          <p:nvPr/>
+        </p:nvSpPr>
+        <p:spPr>
+          <a:xfrm>
+            <a:off x="628650" y="1118602"/>
+            <a:ext cx="900452" cy="338554"/>
+          </a:xfrm>
+          <a:prstGeom prst="rect">
+            <a:avLst/>
+          </a:prstGeom>
+          <a:noFill/>
+        </p:spPr>
+        <p:txBody>
+          <a:bodyPr wrap="square" rtlCol="0">
+            <a:spAutoFit/>
+          </a:bodyPr>
+          <a:lstStyle/>
+          <a:p>
+            <a:pPr algn="ctr"/>
+            <a:r>
+              <a:rPr lang="en-US" altLang="ko-KR" sz="1600" b="1" dirty="0" smtClean="0"/>
+              <a:t>FCNN</a:t>
+            </a:r>
+            <a:endParaRPr lang="ko-KR" altLang="en-US" sz="1600" b="1" dirty="0"/>
+          </a:p>
+        </p:txBody>
+      </p:sp>
+      <p:sp>
+        <p:nvSpPr>
+          <p:cNvPr id="64" name="TextBox 63"/>
+          <p:cNvSpPr txBox="1"/>
+          <p:nvPr/>
+        </p:nvSpPr>
+        <p:spPr>
+          <a:xfrm>
+            <a:off x="638497" y="3744947"/>
+            <a:ext cx="900452" cy="338554"/>
+          </a:xfrm>
+          <a:prstGeom prst="rect">
+            <a:avLst/>
+          </a:prstGeom>
+          <a:noFill/>
+        </p:spPr>
+        <p:txBody>
+          <a:bodyPr wrap="square" rtlCol="0">
+            <a:spAutoFit/>
+          </a:bodyPr>
+          <a:lstStyle/>
+          <a:p>
+            <a:pPr algn="ctr"/>
+            <a:r>
+              <a:rPr lang="en-US" altLang="ko-KR" sz="1600" b="1" dirty="0" err="1" smtClean="0"/>
+              <a:t>ResNet</a:t>
+            </a:r>
+            <a:endParaRPr lang="ko-KR" altLang="en-US" sz="1600" b="1" dirty="0"/>
+          </a:p>
+        </p:txBody>
+      </p:sp>
+      <p:pic>
+        <p:nvPicPr>
+          <p:cNvPr id="69" name="그림 68"/>
+          <p:cNvPicPr>
+            <a:picLocks noChangeAspect="1"/>
+          </p:cNvPicPr>
+          <p:nvPr/>
+        </p:nvPicPr>
+        <p:blipFill rotWithShape="1">
+          <a:blip r:embed="rId8"/>
+          <a:srcRect l="34253" r="34607"/>
+          <a:stretch/>
+        </p:blipFill>
+        <p:spPr>
+          <a:xfrm>
+            <a:off x="8129397" y="83138"/>
+            <a:ext cx="931476" cy="2070905"/>
+          </a:xfrm>
+          <a:prstGeom prst="rect">
+            <a:avLst/>
+          </a:prstGeom>
+        </p:spPr>
+      </p:pic>
+    </p:spTree>
+    <p:extLst>
+      <p:ext uri="{BB962C8B-B14F-4D97-AF65-F5344CB8AC3E}">
+        <p14:creationId xmlns:p14="http://schemas.microsoft.com/office/powerpoint/2010/main" val="1344005220"/>
+      </p:ext>
+    </p:extLst>
+  </p:cSld>
+  <p:clrMapOvr>
+    <a:masterClrMapping/>
+  </p:clrMapOvr>
+  <p:timing>
+    <p:tnLst>
+      <p:par>
+        <p:cTn id="1" dur="indefinite" restart="never" nodeType="tmRoot"/>
+      </p:par>
+    </p:tnLst>
+  </p:timing>
+</p:sld>
+</file>
+
+<file path=ppt/slides/slide7.xml><?xml version="1.0" encoding="utf-8"?>
+<p:sld xmlns:a="http://schemas.openxmlformats.org/drawingml/2006/main" xmlns:r="http://schemas.openxmlformats.org/officeDocument/2006/relationships" xmlns:p="http://schemas.openxmlformats.org/presentationml/2006/main">
+  <p:cSld>
+    <p:spTree>
+      <p:nvGrpSpPr>
+        <p:cNvPr id="1" name=""/>
+        <p:cNvGrpSpPr/>
+        <p:nvPr/>
+      </p:nvGrpSpPr>
+      <p:grpSpPr>
+        <a:xfrm>
+          <a:off x="0" y="0"/>
+          <a:ext cx="0" cy="0"/>
+          <a:chOff x="0" y="0"/>
+          <a:chExt cx="0" cy="0"/>
+        </a:xfrm>
+      </p:grpSpPr>
+      <p:sp>
+        <p:nvSpPr>
+          <p:cNvPr id="3" name="날짜 개체 틀 2"/>
+          <p:cNvSpPr>
+            <a:spLocks noGrp="1"/>
+          </p:cNvSpPr>
+          <p:nvPr>
+            <p:ph type="dt" sz="half" idx="10"/>
+          </p:nvPr>
+        </p:nvSpPr>
+        <p:spPr/>
+        <p:txBody>
+          <a:bodyPr/>
+          <a:lstStyle/>
+          <a:p>
+            <a:fld id="{9B9B7D2E-B202-4D7A-9519-0C490A04EB9C}" type="datetime1">
+              <a:rPr lang="ko-KR" altLang="en-US" smtClean="0"/>
+              <a:t>2019-08-05</a:t>
+            </a:fld>
+            <a:endParaRPr lang="ko-KR" altLang="en-US"/>
+          </a:p>
+        </p:txBody>
+      </p:sp>
+      <p:sp>
+        <p:nvSpPr>
+          <p:cNvPr id="4" name="슬라이드 번호 개체 틀 3"/>
+          <p:cNvSpPr>
+            <a:spLocks noGrp="1"/>
+          </p:cNvSpPr>
+          <p:nvPr>
+            <p:ph type="sldNum" sz="quarter" idx="12"/>
+          </p:nvPr>
+        </p:nvSpPr>
+        <p:spPr/>
+        <p:txBody>
+          <a:bodyPr/>
+          <a:lstStyle/>
+          <a:p>
+            <a:fld id="{8765F8EB-1186-4395-8E70-F957669279DD}" type="slidenum">
+              <a:rPr lang="ko-KR" altLang="en-US" smtClean="0"/>
+              <a:t>7</a:t>
+            </a:fld>
+            <a:endParaRPr lang="ko-KR" altLang="en-US"/>
+          </a:p>
+        </p:txBody>
+      </p:sp>
+      <p:sp>
+        <p:nvSpPr>
+          <p:cNvPr id="5" name="TextBox 4"/>
+          <p:cNvSpPr txBox="1"/>
+          <p:nvPr/>
+        </p:nvSpPr>
+        <p:spPr>
+          <a:xfrm>
+            <a:off x="0" y="2512"/>
+            <a:ext cx="1878271" cy="400110"/>
+          </a:xfrm>
+          <a:prstGeom prst="rect">
+            <a:avLst/>
+          </a:prstGeom>
+          <a:noFill/>
+        </p:spPr>
+        <p:txBody>
+          <a:bodyPr wrap="none" rtlCol="0">
+            <a:spAutoFit/>
+          </a:bodyPr>
+          <a:lstStyle/>
+          <a:p>
+            <a:r>
+              <a:rPr lang="en-US" altLang="ko-KR" sz="2000" b="1" dirty="0" smtClean="0">
+                <a:solidFill>
+                  <a:srgbClr val="3333FF"/>
+                </a:solidFill>
+              </a:rPr>
+              <a:t>Neural </a:t>
+            </a:r>
+            <a:r>
+              <a:rPr lang="en-US" altLang="ko-KR" sz="2000" b="1" dirty="0" err="1" smtClean="0">
+                <a:solidFill>
+                  <a:srgbClr val="3333FF"/>
+                </a:solidFill>
+              </a:rPr>
+              <a:t>Netowrk</a:t>
+            </a:r>
+            <a:endParaRPr lang="ko-KR" altLang="en-US" sz="2000" b="1" dirty="0">
+              <a:solidFill>
+                <a:srgbClr val="3333FF"/>
+              </a:solidFill>
+            </a:endParaRPr>
+          </a:p>
+        </p:txBody>
+      </p:sp>
+      <p:sp>
+        <p:nvSpPr>
+          <p:cNvPr id="26" name="TextBox 25"/>
+          <p:cNvSpPr txBox="1"/>
+          <p:nvPr/>
+        </p:nvSpPr>
+        <p:spPr>
+          <a:xfrm>
+            <a:off x="-70951" y="430340"/>
+            <a:ext cx="4784268" cy="369332"/>
+          </a:xfrm>
+          <a:prstGeom prst="rect">
+            <a:avLst/>
+          </a:prstGeom>
+          <a:noFill/>
+        </p:spPr>
+        <p:txBody>
+          <a:bodyPr wrap="square" rtlCol="0">
+            <a:spAutoFit/>
+          </a:bodyPr>
+          <a:lstStyle/>
+          <a:p>
+            <a:pPr algn="just"/>
+            <a:r>
+              <a:rPr lang="en-US" altLang="ko-KR" b="1" dirty="0" smtClean="0"/>
+              <a:t>FCNN </a:t>
+            </a:r>
+            <a:r>
+              <a:rPr lang="en-US" altLang="ko-KR" b="1" dirty="0" smtClean="0"/>
+              <a:t>(Fully </a:t>
+            </a:r>
+            <a:r>
+              <a:rPr lang="en-US" altLang="ko-KR" b="1" smtClean="0"/>
+              <a:t>Connected </a:t>
+            </a:r>
+            <a:r>
+              <a:rPr lang="en-US" altLang="ko-KR" b="1" smtClean="0"/>
+              <a:t>Neural </a:t>
+            </a:r>
+            <a:r>
+              <a:rPr lang="en-US" altLang="ko-KR" b="1" dirty="0" smtClean="0"/>
+              <a:t>Network)</a:t>
+            </a:r>
+            <a:endParaRPr lang="ko-KR" altLang="en-US" b="1" dirty="0"/>
+          </a:p>
+        </p:txBody>
+      </p:sp>
+      <p:sp>
+        <p:nvSpPr>
+          <p:cNvPr id="27" name="직사각형 26"/>
+          <p:cNvSpPr/>
+          <p:nvPr/>
+        </p:nvSpPr>
+        <p:spPr>
+          <a:xfrm>
+            <a:off x="1530579" y="2900856"/>
+            <a:ext cx="714567" cy="958566"/>
+          </a:xfrm>
+          <a:prstGeom prst="rect">
+            <a:avLst/>
+          </a:prstGeom>
+          <a:noFill/>
+          <a:ln w="57150">
+            <a:solidFill>
+              <a:srgbClr val="0070C0"/>
+            </a:solidFill>
+          </a:ln>
+        </p:spPr>
+        <p:style>
+          <a:lnRef idx="2">
+            <a:schemeClr val="accent1">
+              <a:shade val="50000"/>
+            </a:schemeClr>
+          </a:lnRef>
+          <a:fillRef idx="1">
+            <a:schemeClr val="accent1"/>
+          </a:fillRef>
+          <a:effectRef idx="0">
+            <a:schemeClr val="accent1"/>
+          </a:effectRef>
+          <a:fontRef idx="minor">
+            <a:schemeClr val="lt1"/>
+          </a:fontRef>
+        </p:style>
+        <p:txBody>
+          <a:bodyPr rtlCol="0" anchor="ctr"/>
+          <a:lstStyle/>
+          <a:p>
+            <a:pPr algn="ctr"/>
+            <a:r>
+              <a:rPr lang="en-US" altLang="ko-KR" dirty="0" smtClean="0">
+                <a:solidFill>
+                  <a:schemeClr val="tx1"/>
+                </a:solidFill>
+              </a:rPr>
+              <a:t>Layer</a:t>
+            </a:r>
+          </a:p>
+          <a:p>
+            <a:pPr algn="ctr"/>
+            <a:r>
+              <a:rPr lang="en-US" altLang="ko-KR" dirty="0" smtClean="0">
+                <a:solidFill>
+                  <a:schemeClr val="tx1"/>
+                </a:solidFill>
+              </a:rPr>
+              <a:t>1</a:t>
+            </a:r>
+            <a:endParaRPr lang="ko-KR" altLang="en-US" dirty="0">
+              <a:solidFill>
+                <a:schemeClr val="tx1"/>
+              </a:solidFill>
+            </a:endParaRPr>
+          </a:p>
+        </p:txBody>
+      </p:sp>
+      <p:sp>
+        <p:nvSpPr>
+          <p:cNvPr id="34" name="TextBox 33"/>
+          <p:cNvSpPr txBox="1"/>
+          <p:nvPr/>
+        </p:nvSpPr>
+        <p:spPr>
+          <a:xfrm>
+            <a:off x="1530579" y="1511557"/>
+            <a:ext cx="1155470" cy="369332"/>
+          </a:xfrm>
+          <a:prstGeom prst="rect">
+            <a:avLst/>
+          </a:prstGeom>
+          <a:noFill/>
+        </p:spPr>
+        <p:txBody>
+          <a:bodyPr wrap="square" rtlCol="0">
+            <a:spAutoFit/>
+          </a:bodyPr>
+          <a:lstStyle/>
+          <a:p>
+            <a:pPr algn="ctr"/>
+            <a:r>
+              <a:rPr lang="en-US" altLang="ko-KR" dirty="0" smtClean="0"/>
+              <a:t>Input</a:t>
+            </a:r>
+            <a:endParaRPr lang="ko-KR" altLang="en-US" dirty="0"/>
+          </a:p>
+        </p:txBody>
+      </p:sp>
+      <p:pic>
+        <p:nvPicPr>
+          <p:cNvPr id="6" name="그림 5"/>
           <p:cNvPicPr>
             <a:picLocks noChangeAspect="1"/>
           </p:cNvPicPr>
@@ -7211,54 +8944,24 @@
         </p:blipFill>
         <p:spPr>
           <a:xfrm>
-            <a:off x="5840618" y="219222"/>
-            <a:ext cx="3203171" cy="1801784"/>
+            <a:off x="3354573" y="838609"/>
+            <a:ext cx="2439398" cy="1715228"/>
           </a:xfrm>
           <a:prstGeom prst="rect">
             <a:avLst/>
           </a:prstGeom>
         </p:spPr>
       </p:pic>
-      <p:pic>
-        <p:nvPicPr>
-          <p:cNvPr id="27" name="그림 26"/>
-          <p:cNvPicPr>
-            <a:picLocks noChangeAspect="1"/>
-          </p:cNvPicPr>
-          <p:nvPr/>
-        </p:nvPicPr>
-        <p:blipFill>
-          <a:blip r:embed="rId3">
-            <a:extLst>
-              <a:ext uri="{28A0092B-C50C-407E-A947-70E740481C1C}">
-                <a14:useLocalDpi xmlns:a14="http://schemas.microsoft.com/office/drawing/2010/main" val="0"/>
-              </a:ext>
-            </a:extLst>
-          </a:blip>
-          <a:stretch>
-            <a:fillRect/>
-          </a:stretch>
-        </p:blipFill>
-        <p:spPr>
-          <a:xfrm>
-            <a:off x="5899123" y="3045758"/>
-            <a:ext cx="3175053" cy="1555776"/>
-          </a:xfrm>
-          <a:prstGeom prst="rect">
-            <a:avLst/>
-          </a:prstGeom>
-        </p:spPr>
-      </p:pic>
-      <p:sp>
-        <p:nvSpPr>
-          <p:cNvPr id="28" name="TextBox 27"/>
+      <p:sp>
+        <p:nvSpPr>
+          <p:cNvPr id="43" name="TextBox 42"/>
           <p:cNvSpPr txBox="1"/>
           <p:nvPr/>
         </p:nvSpPr>
         <p:spPr>
           <a:xfrm>
-            <a:off x="6565030" y="2813331"/>
-            <a:ext cx="1843237" cy="323165"/>
+            <a:off x="-45976" y="2362589"/>
+            <a:ext cx="2732026" cy="369332"/>
           </a:xfrm>
           <a:prstGeom prst="rect">
             <a:avLst/>
@@ -7271,75 +8974,923 @@
           </a:bodyPr>
           <a:lstStyle/>
           <a:p>
-            <a:pPr>
-              <a:lnSpc>
-                <a:spcPct val="150000"/>
-              </a:lnSpc>
-            </a:pPr>
-            <a:r>
-              <a:rPr lang="en-US" altLang="ko-KR" sz="1000" dirty="0" smtClean="0"/>
-              <a:t>Classification Performance Test</a:t>
-            </a:r>
-          </a:p>
-        </p:txBody>
-      </p:sp>
+            <a:pPr algn="just"/>
+            <a:r>
+              <a:rPr lang="en-US" altLang="ko-KR" b="1" dirty="0" err="1" smtClean="0"/>
+              <a:t>ResNet</a:t>
+            </a:r>
+            <a:r>
+              <a:rPr lang="en-US" altLang="ko-KR" b="1" dirty="0" smtClean="0"/>
+              <a:t> (Residual Network)</a:t>
+            </a:r>
+            <a:endParaRPr lang="ko-KR" altLang="en-US" b="1" dirty="0"/>
+          </a:p>
+        </p:txBody>
+      </p:sp>
+      <p:sp>
+        <p:nvSpPr>
+          <p:cNvPr id="46" name="TextBox 45"/>
+          <p:cNvSpPr txBox="1"/>
+          <p:nvPr/>
+        </p:nvSpPr>
+        <p:spPr>
+          <a:xfrm>
+            <a:off x="6441063" y="1511557"/>
+            <a:ext cx="1155470" cy="369332"/>
+          </a:xfrm>
+          <a:prstGeom prst="rect">
+            <a:avLst/>
+          </a:prstGeom>
+          <a:noFill/>
+        </p:spPr>
+        <p:txBody>
+          <a:bodyPr wrap="square" rtlCol="0">
+            <a:spAutoFit/>
+          </a:bodyPr>
+          <a:lstStyle/>
+          <a:p>
+            <a:pPr algn="ctr"/>
+            <a:r>
+              <a:rPr lang="en-US" altLang="ko-KR" dirty="0" smtClean="0"/>
+              <a:t>Output</a:t>
+            </a:r>
+            <a:endParaRPr lang="ko-KR" altLang="en-US" dirty="0"/>
+          </a:p>
+        </p:txBody>
+      </p:sp>
+      <p:sp>
+        <p:nvSpPr>
+          <p:cNvPr id="47" name="TextBox 46"/>
+          <p:cNvSpPr txBox="1"/>
+          <p:nvPr/>
+        </p:nvSpPr>
+        <p:spPr>
+          <a:xfrm>
+            <a:off x="395016" y="3193917"/>
+            <a:ext cx="778280" cy="369332"/>
+          </a:xfrm>
+          <a:prstGeom prst="rect">
+            <a:avLst/>
+          </a:prstGeom>
+          <a:noFill/>
+        </p:spPr>
+        <p:txBody>
+          <a:bodyPr wrap="square" rtlCol="0">
+            <a:spAutoFit/>
+          </a:bodyPr>
+          <a:lstStyle/>
+          <a:p>
+            <a:pPr algn="ctr"/>
+            <a:r>
+              <a:rPr lang="en-US" altLang="ko-KR" dirty="0" smtClean="0"/>
+              <a:t>Input</a:t>
+            </a:r>
+            <a:endParaRPr lang="ko-KR" altLang="en-US" dirty="0"/>
+          </a:p>
+        </p:txBody>
+      </p:sp>
+      <p:sp>
+        <p:nvSpPr>
+          <p:cNvPr id="51" name="직사각형 50"/>
+          <p:cNvSpPr/>
+          <p:nvPr/>
+        </p:nvSpPr>
+        <p:spPr>
+          <a:xfrm>
+            <a:off x="2657249" y="2900856"/>
+            <a:ext cx="714567" cy="958566"/>
+          </a:xfrm>
+          <a:prstGeom prst="rect">
+            <a:avLst/>
+          </a:prstGeom>
+          <a:noFill/>
+          <a:ln w="57150">
+            <a:solidFill>
+              <a:srgbClr val="0070C0"/>
+            </a:solidFill>
+          </a:ln>
+        </p:spPr>
+        <p:style>
+          <a:lnRef idx="2">
+            <a:schemeClr val="accent1">
+              <a:shade val="50000"/>
+            </a:schemeClr>
+          </a:lnRef>
+          <a:fillRef idx="1">
+            <a:schemeClr val="accent1"/>
+          </a:fillRef>
+          <a:effectRef idx="0">
+            <a:schemeClr val="accent1"/>
+          </a:effectRef>
+          <a:fontRef idx="minor">
+            <a:schemeClr val="lt1"/>
+          </a:fontRef>
+        </p:style>
+        <p:txBody>
+          <a:bodyPr rtlCol="0" anchor="ctr"/>
+          <a:lstStyle/>
+          <a:p>
+            <a:pPr algn="ctr"/>
+            <a:r>
+              <a:rPr lang="en-US" altLang="ko-KR" dirty="0" smtClean="0">
+                <a:solidFill>
+                  <a:schemeClr val="tx1"/>
+                </a:solidFill>
+              </a:rPr>
+              <a:t>Layer</a:t>
+            </a:r>
+          </a:p>
+          <a:p>
+            <a:pPr algn="ctr"/>
+            <a:r>
+              <a:rPr lang="en-US" altLang="ko-KR" dirty="0">
+                <a:solidFill>
+                  <a:schemeClr val="tx1"/>
+                </a:solidFill>
+              </a:rPr>
+              <a:t>2</a:t>
+            </a:r>
+            <a:endParaRPr lang="ko-KR" altLang="en-US" dirty="0">
+              <a:solidFill>
+                <a:schemeClr val="tx1"/>
+              </a:solidFill>
+            </a:endParaRPr>
+          </a:p>
+        </p:txBody>
+      </p:sp>
+      <p:sp>
+        <p:nvSpPr>
+          <p:cNvPr id="52" name="직사각형 51"/>
+          <p:cNvSpPr/>
+          <p:nvPr/>
+        </p:nvSpPr>
+        <p:spPr>
+          <a:xfrm>
+            <a:off x="4406725" y="2900856"/>
+            <a:ext cx="714567" cy="958566"/>
+          </a:xfrm>
+          <a:prstGeom prst="rect">
+            <a:avLst/>
+          </a:prstGeom>
+          <a:noFill/>
+          <a:ln w="57150">
+            <a:solidFill>
+              <a:srgbClr val="0070C0"/>
+            </a:solidFill>
+          </a:ln>
+        </p:spPr>
+        <p:style>
+          <a:lnRef idx="2">
+            <a:schemeClr val="accent1">
+              <a:shade val="50000"/>
+            </a:schemeClr>
+          </a:lnRef>
+          <a:fillRef idx="1">
+            <a:schemeClr val="accent1"/>
+          </a:fillRef>
+          <a:effectRef idx="0">
+            <a:schemeClr val="accent1"/>
+          </a:effectRef>
+          <a:fontRef idx="minor">
+            <a:schemeClr val="lt1"/>
+          </a:fontRef>
+        </p:style>
+        <p:txBody>
+          <a:bodyPr rtlCol="0" anchor="ctr"/>
+          <a:lstStyle/>
+          <a:p>
+            <a:pPr algn="ctr"/>
+            <a:r>
+              <a:rPr lang="en-US" altLang="ko-KR" dirty="0" smtClean="0">
+                <a:solidFill>
+                  <a:schemeClr val="tx1"/>
+                </a:solidFill>
+              </a:rPr>
+              <a:t>Layer</a:t>
+            </a:r>
+          </a:p>
+          <a:p>
+            <a:pPr algn="ctr"/>
+            <a:r>
+              <a:rPr lang="en-US" altLang="ko-KR" dirty="0" smtClean="0">
+                <a:solidFill>
+                  <a:schemeClr val="tx1"/>
+                </a:solidFill>
+              </a:rPr>
+              <a:t>3</a:t>
+            </a:r>
+            <a:endParaRPr lang="ko-KR" altLang="en-US" dirty="0">
+              <a:solidFill>
+                <a:schemeClr val="tx1"/>
+              </a:solidFill>
+            </a:endParaRPr>
+          </a:p>
+        </p:txBody>
+      </p:sp>
+      <p:sp>
+        <p:nvSpPr>
+          <p:cNvPr id="53" name="직사각형 52"/>
+          <p:cNvSpPr/>
+          <p:nvPr/>
+        </p:nvSpPr>
+        <p:spPr>
+          <a:xfrm>
+            <a:off x="5533396" y="2900856"/>
+            <a:ext cx="714567" cy="958566"/>
+          </a:xfrm>
+          <a:prstGeom prst="rect">
+            <a:avLst/>
+          </a:prstGeom>
+          <a:noFill/>
+          <a:ln w="57150">
+            <a:solidFill>
+              <a:srgbClr val="0070C0"/>
+            </a:solidFill>
+          </a:ln>
+        </p:spPr>
+        <p:style>
+          <a:lnRef idx="2">
+            <a:schemeClr val="accent1">
+              <a:shade val="50000"/>
+            </a:schemeClr>
+          </a:lnRef>
+          <a:fillRef idx="1">
+            <a:schemeClr val="accent1"/>
+          </a:fillRef>
+          <a:effectRef idx="0">
+            <a:schemeClr val="accent1"/>
+          </a:effectRef>
+          <a:fontRef idx="minor">
+            <a:schemeClr val="lt1"/>
+          </a:fontRef>
+        </p:style>
+        <p:txBody>
+          <a:bodyPr rtlCol="0" anchor="ctr"/>
+          <a:lstStyle/>
+          <a:p>
+            <a:pPr algn="ctr"/>
+            <a:r>
+              <a:rPr lang="en-US" altLang="ko-KR" dirty="0" smtClean="0">
+                <a:solidFill>
+                  <a:schemeClr val="tx1"/>
+                </a:solidFill>
+              </a:rPr>
+              <a:t>Layer</a:t>
+            </a:r>
+          </a:p>
+          <a:p>
+            <a:pPr algn="ctr"/>
+            <a:r>
+              <a:rPr lang="en-US" altLang="ko-KR" dirty="0" smtClean="0">
+                <a:solidFill>
+                  <a:schemeClr val="tx1"/>
+                </a:solidFill>
+              </a:rPr>
+              <a:t>4</a:t>
+            </a:r>
+            <a:endParaRPr lang="ko-KR" altLang="en-US" dirty="0">
+              <a:solidFill>
+                <a:schemeClr val="tx1"/>
+              </a:solidFill>
+            </a:endParaRPr>
+          </a:p>
+        </p:txBody>
+      </p:sp>
+      <p:sp>
+        <p:nvSpPr>
+          <p:cNvPr id="54" name="TextBox 53"/>
+          <p:cNvSpPr txBox="1"/>
+          <p:nvPr/>
+        </p:nvSpPr>
+        <p:spPr>
+          <a:xfrm>
+            <a:off x="7312451" y="3193917"/>
+            <a:ext cx="866728" cy="369332"/>
+          </a:xfrm>
+          <a:prstGeom prst="rect">
+            <a:avLst/>
+          </a:prstGeom>
+          <a:noFill/>
+        </p:spPr>
+        <p:txBody>
+          <a:bodyPr wrap="square" rtlCol="0">
+            <a:spAutoFit/>
+          </a:bodyPr>
+          <a:lstStyle/>
+          <a:p>
+            <a:pPr algn="ctr"/>
+            <a:r>
+              <a:rPr lang="en-US" altLang="ko-KR" dirty="0" smtClean="0"/>
+              <a:t>Output</a:t>
+            </a:r>
+            <a:endParaRPr lang="ko-KR" altLang="en-US" dirty="0"/>
+          </a:p>
+        </p:txBody>
+      </p:sp>
+      <p:cxnSp>
+        <p:nvCxnSpPr>
+          <p:cNvPr id="10" name="직선 화살표 연결선 9"/>
+          <p:cNvCxnSpPr>
+            <a:stCxn id="27" idx="3"/>
+            <a:endCxn id="51" idx="1"/>
+          </p:cNvCxnSpPr>
+          <p:nvPr/>
+        </p:nvCxnSpPr>
+        <p:spPr>
+          <a:xfrm>
+            <a:off x="2245146" y="3380139"/>
+            <a:ext cx="412103" cy="0"/>
+          </a:xfrm>
+          <a:prstGeom prst="straightConnector1">
+            <a:avLst/>
+          </a:prstGeom>
+          <a:ln w="12700">
+            <a:tailEnd type="triangle"/>
+          </a:ln>
+        </p:spPr>
+        <p:style>
+          <a:lnRef idx="1">
+            <a:schemeClr val="dk1"/>
+          </a:lnRef>
+          <a:fillRef idx="0">
+            <a:schemeClr val="dk1"/>
+          </a:fillRef>
+          <a:effectRef idx="0">
+            <a:schemeClr val="dk1"/>
+          </a:effectRef>
+          <a:fontRef idx="minor">
+            <a:schemeClr val="tx1"/>
+          </a:fontRef>
+        </p:style>
+      </p:cxnSp>
+      <p:cxnSp>
+        <p:nvCxnSpPr>
+          <p:cNvPr id="56" name="직선 화살표 연결선 55"/>
+          <p:cNvCxnSpPr>
+            <a:stCxn id="52" idx="3"/>
+            <a:endCxn id="53" idx="1"/>
+          </p:cNvCxnSpPr>
+          <p:nvPr/>
+        </p:nvCxnSpPr>
+        <p:spPr>
+          <a:xfrm>
+            <a:off x="5121292" y="3380139"/>
+            <a:ext cx="412104" cy="0"/>
+          </a:xfrm>
+          <a:prstGeom prst="straightConnector1">
+            <a:avLst/>
+          </a:prstGeom>
+          <a:ln w="12700">
+            <a:tailEnd type="triangle"/>
+          </a:ln>
+        </p:spPr>
+        <p:style>
+          <a:lnRef idx="1">
+            <a:schemeClr val="dk1"/>
+          </a:lnRef>
+          <a:fillRef idx="0">
+            <a:schemeClr val="dk1"/>
+          </a:fillRef>
+          <a:effectRef idx="0">
+            <a:schemeClr val="dk1"/>
+          </a:effectRef>
+          <a:fontRef idx="minor">
+            <a:schemeClr val="tx1"/>
+          </a:fontRef>
+        </p:style>
+      </p:cxnSp>
+      <p:cxnSp>
+        <p:nvCxnSpPr>
+          <p:cNvPr id="57" name="직선 화살표 연결선 56"/>
+          <p:cNvCxnSpPr>
+            <a:stCxn id="47" idx="3"/>
+            <a:endCxn id="27" idx="1"/>
+          </p:cNvCxnSpPr>
+          <p:nvPr/>
+        </p:nvCxnSpPr>
+        <p:spPr>
+          <a:xfrm>
+            <a:off x="1173296" y="3378583"/>
+            <a:ext cx="357283" cy="1556"/>
+          </a:xfrm>
+          <a:prstGeom prst="straightConnector1">
+            <a:avLst/>
+          </a:prstGeom>
+          <a:ln w="12700">
+            <a:tailEnd type="triangle"/>
+          </a:ln>
+        </p:spPr>
+        <p:style>
+          <a:lnRef idx="1">
+            <a:schemeClr val="dk1"/>
+          </a:lnRef>
+          <a:fillRef idx="0">
+            <a:schemeClr val="dk1"/>
+          </a:fillRef>
+          <a:effectRef idx="0">
+            <a:schemeClr val="dk1"/>
+          </a:effectRef>
+          <a:fontRef idx="minor">
+            <a:schemeClr val="tx1"/>
+          </a:fontRef>
+        </p:style>
+      </p:cxnSp>
+      <p:cxnSp>
+        <p:nvCxnSpPr>
+          <p:cNvPr id="58" name="직선 화살표 연결선 57"/>
+          <p:cNvCxnSpPr>
+            <a:stCxn id="53" idx="3"/>
+            <a:endCxn id="100" idx="2"/>
+          </p:cNvCxnSpPr>
+          <p:nvPr/>
+        </p:nvCxnSpPr>
+        <p:spPr>
+          <a:xfrm flipV="1">
+            <a:off x="6247963" y="3378582"/>
+            <a:ext cx="244750" cy="1557"/>
+          </a:xfrm>
+          <a:prstGeom prst="straightConnector1">
+            <a:avLst/>
+          </a:prstGeom>
+          <a:ln w="12700">
+            <a:tailEnd type="triangle"/>
+          </a:ln>
+        </p:spPr>
+        <p:style>
+          <a:lnRef idx="1">
+            <a:schemeClr val="dk1"/>
+          </a:lnRef>
+          <a:fillRef idx="0">
+            <a:schemeClr val="dk1"/>
+          </a:fillRef>
+          <a:effectRef idx="0">
+            <a:schemeClr val="dk1"/>
+          </a:effectRef>
+          <a:fontRef idx="minor">
+            <a:schemeClr val="tx1"/>
+          </a:fontRef>
+        </p:style>
+      </p:cxnSp>
+      <p:cxnSp>
+        <p:nvCxnSpPr>
+          <p:cNvPr id="65" name="꺾인 연결선 64"/>
+          <p:cNvCxnSpPr>
+            <a:stCxn id="27" idx="1"/>
+            <a:endCxn id="82" idx="4"/>
+          </p:cNvCxnSpPr>
+          <p:nvPr/>
+        </p:nvCxnSpPr>
+        <p:spPr>
+          <a:xfrm rot="10800000" flipH="1" flipV="1">
+            <a:off x="1530578" y="3380138"/>
+            <a:ext cx="2306139" cy="209119"/>
+          </a:xfrm>
+          <a:prstGeom prst="bentConnector4">
+            <a:avLst>
+              <a:gd name="adj1" fmla="val -9913"/>
+              <a:gd name="adj2" fmla="val 338507"/>
+            </a:avLst>
+          </a:prstGeom>
+          <a:ln w="19050">
+            <a:solidFill>
+              <a:srgbClr val="FF0000"/>
+            </a:solidFill>
+            <a:tailEnd type="triangle"/>
+          </a:ln>
+        </p:spPr>
+        <p:style>
+          <a:lnRef idx="1">
+            <a:schemeClr val="accent1"/>
+          </a:lnRef>
+          <a:fillRef idx="0">
+            <a:schemeClr val="accent1"/>
+          </a:fillRef>
+          <a:effectRef idx="0">
+            <a:schemeClr val="accent1"/>
+          </a:effectRef>
+          <a:fontRef idx="minor">
+            <a:schemeClr val="tx1"/>
+          </a:fontRef>
+        </p:style>
+      </p:cxnSp>
+      <p:cxnSp>
+        <p:nvCxnSpPr>
+          <p:cNvPr id="70" name="꺾인 연결선 69"/>
+          <p:cNvCxnSpPr>
+            <a:stCxn id="52" idx="1"/>
+            <a:endCxn id="100" idx="4"/>
+          </p:cNvCxnSpPr>
+          <p:nvPr/>
+        </p:nvCxnSpPr>
+        <p:spPr>
+          <a:xfrm rot="10800000" flipH="1" flipV="1">
+            <a:off x="4406724" y="3380139"/>
+            <a:ext cx="2296663" cy="209118"/>
+          </a:xfrm>
+          <a:prstGeom prst="bentConnector4">
+            <a:avLst>
+              <a:gd name="adj1" fmla="val -9954"/>
+              <a:gd name="adj2" fmla="val 338509"/>
+            </a:avLst>
+          </a:prstGeom>
+          <a:ln w="19050">
+            <a:solidFill>
+              <a:srgbClr val="FF0000"/>
+            </a:solidFill>
+            <a:tailEnd type="triangle"/>
+          </a:ln>
+        </p:spPr>
+        <p:style>
+          <a:lnRef idx="1">
+            <a:schemeClr val="accent1"/>
+          </a:lnRef>
+          <a:fillRef idx="0">
+            <a:schemeClr val="accent1"/>
+          </a:fillRef>
+          <a:effectRef idx="0">
+            <a:schemeClr val="accent1"/>
+          </a:effectRef>
+          <a:fontRef idx="minor">
+            <a:schemeClr val="tx1"/>
+          </a:fontRef>
+        </p:style>
+      </p:cxnSp>
+      <p:sp>
+        <p:nvSpPr>
+          <p:cNvPr id="82" name="타원 81"/>
+          <p:cNvSpPr/>
+          <p:nvPr/>
+        </p:nvSpPr>
+        <p:spPr>
+          <a:xfrm>
+            <a:off x="3626043" y="3167908"/>
+            <a:ext cx="421350" cy="421350"/>
+          </a:xfrm>
+          <a:prstGeom prst="ellipse">
+            <a:avLst/>
+          </a:prstGeom>
+          <a:noFill/>
+        </p:spPr>
+        <p:style>
+          <a:lnRef idx="2">
+            <a:schemeClr val="accent1">
+              <a:shade val="50000"/>
+            </a:schemeClr>
+          </a:lnRef>
+          <a:fillRef idx="1">
+            <a:schemeClr val="accent1"/>
+          </a:fillRef>
+          <a:effectRef idx="0">
+            <a:schemeClr val="accent1"/>
+          </a:effectRef>
+          <a:fontRef idx="minor">
+            <a:schemeClr val="lt1"/>
+          </a:fontRef>
+        </p:style>
+        <p:txBody>
+          <a:bodyPr rtlCol="0" anchor="ctr"/>
+          <a:lstStyle/>
+          <a:p>
+            <a:pPr algn="ctr"/>
+            <a:r>
+              <a:rPr lang="en-US" altLang="ko-KR" sz="2800" dirty="0">
+                <a:solidFill>
+                  <a:schemeClr val="tx1"/>
+                </a:solidFill>
+              </a:rPr>
+              <a:t>+</a:t>
+            </a:r>
+            <a:endParaRPr lang="ko-KR" altLang="en-US" sz="2800" dirty="0">
+              <a:solidFill>
+                <a:schemeClr val="tx1"/>
+              </a:solidFill>
+            </a:endParaRPr>
+          </a:p>
+        </p:txBody>
+      </p:sp>
+      <p:cxnSp>
+        <p:nvCxnSpPr>
+          <p:cNvPr id="86" name="직선 화살표 연결선 85"/>
+          <p:cNvCxnSpPr>
+            <a:stCxn id="51" idx="3"/>
+            <a:endCxn id="82" idx="2"/>
+          </p:cNvCxnSpPr>
+          <p:nvPr/>
+        </p:nvCxnSpPr>
+        <p:spPr>
+          <a:xfrm flipV="1">
+            <a:off x="3371816" y="3378583"/>
+            <a:ext cx="254227" cy="1556"/>
+          </a:xfrm>
+          <a:prstGeom prst="straightConnector1">
+            <a:avLst/>
+          </a:prstGeom>
+          <a:ln w="12700">
+            <a:tailEnd type="triangle"/>
+          </a:ln>
+        </p:spPr>
+        <p:style>
+          <a:lnRef idx="1">
+            <a:schemeClr val="dk1"/>
+          </a:lnRef>
+          <a:fillRef idx="0">
+            <a:schemeClr val="dk1"/>
+          </a:fillRef>
+          <a:effectRef idx="0">
+            <a:schemeClr val="dk1"/>
+          </a:effectRef>
+          <a:fontRef idx="minor">
+            <a:schemeClr val="tx1"/>
+          </a:fontRef>
+        </p:style>
+      </p:cxnSp>
+      <p:cxnSp>
+        <p:nvCxnSpPr>
+          <p:cNvPr id="91" name="직선 화살표 연결선 90"/>
+          <p:cNvCxnSpPr>
+            <a:stCxn id="82" idx="6"/>
+            <a:endCxn id="52" idx="1"/>
+          </p:cNvCxnSpPr>
+          <p:nvPr/>
+        </p:nvCxnSpPr>
+        <p:spPr>
+          <a:xfrm>
+            <a:off x="4047393" y="3378583"/>
+            <a:ext cx="359332" cy="1556"/>
+          </a:xfrm>
+          <a:prstGeom prst="straightConnector1">
+            <a:avLst/>
+          </a:prstGeom>
+          <a:ln w="12700">
+            <a:tailEnd type="triangle"/>
+          </a:ln>
+        </p:spPr>
+        <p:style>
+          <a:lnRef idx="1">
+            <a:schemeClr val="dk1"/>
+          </a:lnRef>
+          <a:fillRef idx="0">
+            <a:schemeClr val="dk1"/>
+          </a:fillRef>
+          <a:effectRef idx="0">
+            <a:schemeClr val="dk1"/>
+          </a:effectRef>
+          <a:fontRef idx="minor">
+            <a:schemeClr val="tx1"/>
+          </a:fontRef>
+        </p:style>
+      </p:cxnSp>
+      <p:sp>
+        <p:nvSpPr>
+          <p:cNvPr id="100" name="타원 99"/>
+          <p:cNvSpPr/>
+          <p:nvPr/>
+        </p:nvSpPr>
+        <p:spPr>
+          <a:xfrm>
+            <a:off x="6492713" y="3167907"/>
+            <a:ext cx="421350" cy="421350"/>
+          </a:xfrm>
+          <a:prstGeom prst="ellipse">
+            <a:avLst/>
+          </a:prstGeom>
+          <a:noFill/>
+        </p:spPr>
+        <p:style>
+          <a:lnRef idx="2">
+            <a:schemeClr val="accent1">
+              <a:shade val="50000"/>
+            </a:schemeClr>
+          </a:lnRef>
+          <a:fillRef idx="1">
+            <a:schemeClr val="accent1"/>
+          </a:fillRef>
+          <a:effectRef idx="0">
+            <a:schemeClr val="accent1"/>
+          </a:effectRef>
+          <a:fontRef idx="minor">
+            <a:schemeClr val="lt1"/>
+          </a:fontRef>
+        </p:style>
+        <p:txBody>
+          <a:bodyPr rtlCol="0" anchor="ctr"/>
+          <a:lstStyle/>
+          <a:p>
+            <a:pPr algn="ctr"/>
+            <a:r>
+              <a:rPr lang="en-US" altLang="ko-KR" sz="2800" dirty="0">
+                <a:solidFill>
+                  <a:schemeClr val="tx1"/>
+                </a:solidFill>
+              </a:rPr>
+              <a:t>+</a:t>
+            </a:r>
+            <a:endParaRPr lang="ko-KR" altLang="en-US" sz="2800" dirty="0">
+              <a:solidFill>
+                <a:schemeClr val="tx1"/>
+              </a:solidFill>
+            </a:endParaRPr>
+          </a:p>
+        </p:txBody>
+      </p:sp>
+      <p:cxnSp>
+        <p:nvCxnSpPr>
+          <p:cNvPr id="105" name="직선 화살표 연결선 104"/>
+          <p:cNvCxnSpPr>
+            <a:stCxn id="100" idx="6"/>
+            <a:endCxn id="54" idx="1"/>
+          </p:cNvCxnSpPr>
+          <p:nvPr/>
+        </p:nvCxnSpPr>
+        <p:spPr>
+          <a:xfrm>
+            <a:off x="6914063" y="3378582"/>
+            <a:ext cx="398388" cy="1"/>
+          </a:xfrm>
+          <a:prstGeom prst="straightConnector1">
+            <a:avLst/>
+          </a:prstGeom>
+          <a:ln w="12700">
+            <a:tailEnd type="triangle"/>
+          </a:ln>
+        </p:spPr>
+        <p:style>
+          <a:lnRef idx="1">
+            <a:schemeClr val="dk1"/>
+          </a:lnRef>
+          <a:fillRef idx="0">
+            <a:schemeClr val="dk1"/>
+          </a:fillRef>
+          <a:effectRef idx="0">
+            <a:schemeClr val="dk1"/>
+          </a:effectRef>
+          <a:fontRef idx="minor">
+            <a:schemeClr val="tx1"/>
+          </a:fontRef>
+        </p:style>
+      </p:cxnSp>
+      <p:sp>
+        <p:nvSpPr>
+          <p:cNvPr id="128" name="TextBox 127"/>
+          <p:cNvSpPr txBox="1"/>
+          <p:nvPr/>
+        </p:nvSpPr>
+        <p:spPr>
+          <a:xfrm>
+            <a:off x="-60905" y="4066016"/>
+            <a:ext cx="1135650" cy="369332"/>
+          </a:xfrm>
+          <a:prstGeom prst="rect">
+            <a:avLst/>
+          </a:prstGeom>
+          <a:noFill/>
+        </p:spPr>
+        <p:txBody>
+          <a:bodyPr wrap="square" rtlCol="0">
+            <a:spAutoFit/>
+          </a:bodyPr>
+          <a:lstStyle/>
+          <a:p>
+            <a:pPr algn="just"/>
+            <a:r>
+              <a:rPr lang="en-US" altLang="ko-KR" b="1" dirty="0" err="1" smtClean="0"/>
+              <a:t>DenseNet</a:t>
+            </a:r>
+            <a:endParaRPr lang="ko-KR" altLang="en-US" b="1" dirty="0"/>
+          </a:p>
+        </p:txBody>
+      </p:sp>
+      <p:sp>
+        <p:nvSpPr>
+          <p:cNvPr id="129" name="TextBox 128"/>
+          <p:cNvSpPr txBox="1"/>
+          <p:nvPr/>
+        </p:nvSpPr>
+        <p:spPr>
+          <a:xfrm>
+            <a:off x="278638" y="5102712"/>
+            <a:ext cx="778280" cy="369332"/>
+          </a:xfrm>
+          <a:prstGeom prst="rect">
+            <a:avLst/>
+          </a:prstGeom>
+          <a:noFill/>
+        </p:spPr>
+        <p:txBody>
+          <a:bodyPr wrap="square" rtlCol="0">
+            <a:spAutoFit/>
+          </a:bodyPr>
+          <a:lstStyle/>
+          <a:p>
+            <a:pPr algn="ctr"/>
+            <a:r>
+              <a:rPr lang="en-US" altLang="ko-KR" dirty="0" smtClean="0"/>
+              <a:t>Input</a:t>
+            </a:r>
+            <a:endParaRPr lang="ko-KR" altLang="en-US" dirty="0"/>
+          </a:p>
+        </p:txBody>
+      </p:sp>
+      <p:sp>
+        <p:nvSpPr>
+          <p:cNvPr id="133" name="TextBox 132"/>
+          <p:cNvSpPr txBox="1"/>
+          <p:nvPr/>
+        </p:nvSpPr>
+        <p:spPr>
+          <a:xfrm>
+            <a:off x="8081986" y="5102712"/>
+            <a:ext cx="866728" cy="369332"/>
+          </a:xfrm>
+          <a:prstGeom prst="rect">
+            <a:avLst/>
+          </a:prstGeom>
+          <a:noFill/>
+        </p:spPr>
+        <p:txBody>
+          <a:bodyPr wrap="square" rtlCol="0">
+            <a:spAutoFit/>
+          </a:bodyPr>
+          <a:lstStyle/>
+          <a:p>
+            <a:pPr algn="ctr"/>
+            <a:r>
+              <a:rPr lang="en-US" altLang="ko-KR" dirty="0" smtClean="0"/>
+              <a:t>Output</a:t>
+            </a:r>
+            <a:endParaRPr lang="ko-KR" altLang="en-US" dirty="0"/>
+          </a:p>
+        </p:txBody>
+      </p:sp>
+      <p:cxnSp>
+        <p:nvCxnSpPr>
+          <p:cNvPr id="136" name="직선 화살표 연결선 135"/>
+          <p:cNvCxnSpPr>
+            <a:stCxn id="129" idx="3"/>
+            <a:endCxn id="127" idx="1"/>
+          </p:cNvCxnSpPr>
+          <p:nvPr/>
+        </p:nvCxnSpPr>
+        <p:spPr>
+          <a:xfrm>
+            <a:off x="1056918" y="5287378"/>
+            <a:ext cx="357283" cy="1556"/>
+          </a:xfrm>
+          <a:prstGeom prst="straightConnector1">
+            <a:avLst/>
+          </a:prstGeom>
+          <a:ln w="12700">
+            <a:tailEnd type="triangle"/>
+          </a:ln>
+        </p:spPr>
+        <p:style>
+          <a:lnRef idx="1">
+            <a:schemeClr val="dk1"/>
+          </a:lnRef>
+          <a:fillRef idx="0">
+            <a:schemeClr val="dk1"/>
+          </a:fillRef>
+          <a:effectRef idx="0">
+            <a:schemeClr val="dk1"/>
+          </a:effectRef>
+          <a:fontRef idx="minor">
+            <a:schemeClr val="tx1"/>
+          </a:fontRef>
+        </p:style>
+      </p:cxnSp>
       <p:grpSp>
         <p:nvGrpSpPr>
-          <p:cNvPr id="31" name="그룹 30"/>
+          <p:cNvPr id="158" name="그룹 157"/>
           <p:cNvGrpSpPr/>
           <p:nvPr/>
         </p:nvGrpSpPr>
         <p:grpSpPr>
           <a:xfrm>
-            <a:off x="4038683" y="3045758"/>
-            <a:ext cx="1801935" cy="1675572"/>
-            <a:chOff x="4038683" y="3823646"/>
-            <a:chExt cx="1801935" cy="1675572"/>
+            <a:off x="1414200" y="4809651"/>
+            <a:ext cx="1318725" cy="958566"/>
+            <a:chOff x="1530578" y="5039807"/>
+            <a:chExt cx="1318725" cy="958566"/>
           </a:xfrm>
         </p:grpSpPr>
-        <p:pic>
-          <p:nvPicPr>
-            <p:cNvPr id="29" name="그림 28"/>
-            <p:cNvPicPr>
-              <a:picLocks noChangeAspect="1"/>
-            </p:cNvPicPr>
-            <p:nvPr/>
-          </p:nvPicPr>
-          <p:blipFill>
-            <a:blip r:embed="rId4"/>
-            <a:stretch>
-              <a:fillRect/>
-            </a:stretch>
-          </p:blipFill>
-          <p:spPr>
-            <a:xfrm>
-              <a:off x="4038683" y="3823646"/>
-              <a:ext cx="1801935" cy="1675572"/>
-            </a:xfrm>
-            <a:prstGeom prst="rect">
-              <a:avLst/>
-            </a:prstGeom>
-          </p:spPr>
-        </p:pic>
         <p:sp>
           <p:nvSpPr>
-            <p:cNvPr id="30" name="직사각형 29"/>
+            <p:cNvPr id="127" name="직사각형 126"/>
             <p:cNvSpPr/>
             <p:nvPr/>
           </p:nvSpPr>
           <p:spPr>
             <a:xfrm>
-              <a:off x="4038683" y="3827711"/>
-              <a:ext cx="158667" cy="203693"/>
+              <a:off x="1530579" y="5039807"/>
+              <a:ext cx="714567" cy="958566"/>
             </a:xfrm>
             <a:prstGeom prst="rect">
               <a:avLst/>
             </a:prstGeom>
-            <a:solidFill>
-              <a:schemeClr val="bg1"/>
-            </a:solidFill>
-            <a:ln>
-              <a:noFill/>
+            <a:noFill/>
+            <a:ln w="57150">
+              <a:solidFill>
+                <a:srgbClr val="0070C0"/>
+              </a:solidFill>
             </a:ln>
           </p:spPr>
           <p:style>
@@ -7363,15 +9914,1556 @@
             <a:lstStyle/>
             <a:p>
               <a:pPr algn="ctr"/>
-              <a:endParaRPr lang="ko-KR" altLang="en-US"/>
+              <a:r>
+                <a:rPr lang="en-US" altLang="ko-KR" dirty="0" smtClean="0">
+                  <a:solidFill>
+                    <a:schemeClr val="tx1"/>
+                  </a:solidFill>
+                </a:rPr>
+                <a:t>Layer</a:t>
+              </a:r>
+            </a:p>
+            <a:p>
+              <a:pPr algn="ctr"/>
+              <a:r>
+                <a:rPr lang="en-US" altLang="ko-KR" dirty="0">
+                  <a:solidFill>
+                    <a:schemeClr val="tx1"/>
+                  </a:solidFill>
+                </a:rPr>
+                <a:t>1</a:t>
+              </a:r>
+              <a:endParaRPr lang="ko-KR" altLang="en-US" dirty="0">
+                <a:solidFill>
+                  <a:schemeClr val="tx1"/>
+                </a:solidFill>
+              </a:endParaRPr>
             </a:p>
           </p:txBody>
         </p:sp>
+        <p:cxnSp>
+          <p:nvCxnSpPr>
+            <p:cNvPr id="138" name="꺾인 연결선 137"/>
+            <p:cNvCxnSpPr>
+              <a:stCxn id="127" idx="1"/>
+              <a:endCxn id="140" idx="4"/>
+            </p:cNvCxnSpPr>
+            <p:nvPr/>
+          </p:nvCxnSpPr>
+          <p:spPr>
+            <a:xfrm rot="10800000" flipH="1" flipV="1">
+              <a:off x="1530578" y="5519089"/>
+              <a:ext cx="1108049" cy="209119"/>
+            </a:xfrm>
+            <a:prstGeom prst="bentConnector4">
+              <a:avLst>
+                <a:gd name="adj1" fmla="val -20631"/>
+                <a:gd name="adj2" fmla="val 282855"/>
+              </a:avLst>
+            </a:prstGeom>
+            <a:ln w="19050">
+              <a:solidFill>
+                <a:srgbClr val="FF0000"/>
+              </a:solidFill>
+              <a:tailEnd type="triangle"/>
+            </a:ln>
+          </p:spPr>
+          <p:style>
+            <a:lnRef idx="1">
+              <a:schemeClr val="accent1"/>
+            </a:lnRef>
+            <a:fillRef idx="0">
+              <a:schemeClr val="accent1"/>
+            </a:fillRef>
+            <a:effectRef idx="0">
+              <a:schemeClr val="accent1"/>
+            </a:effectRef>
+            <a:fontRef idx="minor">
+              <a:schemeClr val="tx1"/>
+            </a:fontRef>
+          </p:style>
+        </p:cxnSp>
+        <p:sp>
+          <p:nvSpPr>
+            <p:cNvPr id="140" name="타원 139"/>
+            <p:cNvSpPr/>
+            <p:nvPr/>
+          </p:nvSpPr>
+          <p:spPr>
+            <a:xfrm>
+              <a:off x="2427953" y="5306859"/>
+              <a:ext cx="421350" cy="421350"/>
+            </a:xfrm>
+            <a:prstGeom prst="ellipse">
+              <a:avLst/>
+            </a:prstGeom>
+            <a:noFill/>
+          </p:spPr>
+          <p:style>
+            <a:lnRef idx="2">
+              <a:schemeClr val="accent1">
+                <a:shade val="50000"/>
+              </a:schemeClr>
+            </a:lnRef>
+            <a:fillRef idx="1">
+              <a:schemeClr val="accent1"/>
+            </a:fillRef>
+            <a:effectRef idx="0">
+              <a:schemeClr val="accent1"/>
+            </a:effectRef>
+            <a:fontRef idx="minor">
+              <a:schemeClr val="lt1"/>
+            </a:fontRef>
+          </p:style>
+          <p:txBody>
+            <a:bodyPr rtlCol="0" anchor="ctr"/>
+            <a:lstStyle/>
+            <a:p>
+              <a:pPr algn="ctr"/>
+              <a:r>
+                <a:rPr lang="en-US" altLang="ko-KR" sz="1000" b="1" dirty="0" smtClean="0">
+                  <a:solidFill>
+                    <a:schemeClr val="tx1"/>
+                  </a:solidFill>
+                </a:rPr>
+                <a:t>[+]</a:t>
+              </a:r>
+              <a:endParaRPr lang="ko-KR" altLang="en-US" sz="1000" b="1" dirty="0">
+                <a:solidFill>
+                  <a:schemeClr val="tx1"/>
+                </a:solidFill>
+              </a:endParaRPr>
+            </a:p>
+          </p:txBody>
+        </p:sp>
+        <p:cxnSp>
+          <p:nvCxnSpPr>
+            <p:cNvPr id="146" name="직선 화살표 연결선 145"/>
+            <p:cNvCxnSpPr>
+              <a:stCxn id="127" idx="3"/>
+              <a:endCxn id="140" idx="2"/>
+            </p:cNvCxnSpPr>
+            <p:nvPr/>
+          </p:nvCxnSpPr>
+          <p:spPr>
+            <a:xfrm flipV="1">
+              <a:off x="2245146" y="5517534"/>
+              <a:ext cx="182807" cy="1556"/>
+            </a:xfrm>
+            <a:prstGeom prst="straightConnector1">
+              <a:avLst/>
+            </a:prstGeom>
+            <a:ln w="12700">
+              <a:tailEnd type="triangle"/>
+            </a:ln>
+          </p:spPr>
+          <p:style>
+            <a:lnRef idx="1">
+              <a:schemeClr val="dk1"/>
+            </a:lnRef>
+            <a:fillRef idx="0">
+              <a:schemeClr val="dk1"/>
+            </a:fillRef>
+            <a:effectRef idx="0">
+              <a:schemeClr val="dk1"/>
+            </a:effectRef>
+            <a:fontRef idx="minor">
+              <a:schemeClr val="tx1"/>
+            </a:fontRef>
+          </p:style>
+        </p:cxnSp>
       </p:grpSp>
+      <p:grpSp>
+        <p:nvGrpSpPr>
+          <p:cNvPr id="159" name="그룹 158"/>
+          <p:cNvGrpSpPr/>
+          <p:nvPr/>
+        </p:nvGrpSpPr>
+        <p:grpSpPr>
+          <a:xfrm>
+            <a:off x="3119516" y="4809651"/>
+            <a:ext cx="1318725" cy="958566"/>
+            <a:chOff x="1530578" y="5039807"/>
+            <a:chExt cx="1318725" cy="958566"/>
+          </a:xfrm>
+        </p:grpSpPr>
+        <p:sp>
+          <p:nvSpPr>
+            <p:cNvPr id="160" name="직사각형 159"/>
+            <p:cNvSpPr/>
+            <p:nvPr/>
+          </p:nvSpPr>
+          <p:spPr>
+            <a:xfrm>
+              <a:off x="1530579" y="5039807"/>
+              <a:ext cx="714567" cy="958566"/>
+            </a:xfrm>
+            <a:prstGeom prst="rect">
+              <a:avLst/>
+            </a:prstGeom>
+            <a:noFill/>
+            <a:ln w="57150">
+              <a:solidFill>
+                <a:srgbClr val="0070C0"/>
+              </a:solidFill>
+            </a:ln>
+          </p:spPr>
+          <p:style>
+            <a:lnRef idx="2">
+              <a:schemeClr val="accent1">
+                <a:shade val="50000"/>
+              </a:schemeClr>
+            </a:lnRef>
+            <a:fillRef idx="1">
+              <a:schemeClr val="accent1"/>
+            </a:fillRef>
+            <a:effectRef idx="0">
+              <a:schemeClr val="accent1"/>
+            </a:effectRef>
+            <a:fontRef idx="minor">
+              <a:schemeClr val="lt1"/>
+            </a:fontRef>
+          </p:style>
+          <p:txBody>
+            <a:bodyPr rtlCol="0" anchor="ctr"/>
+            <a:lstStyle/>
+            <a:p>
+              <a:pPr algn="ctr"/>
+              <a:r>
+                <a:rPr lang="en-US" altLang="ko-KR" dirty="0" smtClean="0">
+                  <a:solidFill>
+                    <a:schemeClr val="tx1"/>
+                  </a:solidFill>
+                </a:rPr>
+                <a:t>Layer</a:t>
+              </a:r>
+            </a:p>
+            <a:p>
+              <a:pPr algn="ctr"/>
+              <a:r>
+                <a:rPr lang="en-US" altLang="ko-KR" dirty="0">
+                  <a:solidFill>
+                    <a:schemeClr val="tx1"/>
+                  </a:solidFill>
+                </a:rPr>
+                <a:t>2</a:t>
+              </a:r>
+              <a:endParaRPr lang="ko-KR" altLang="en-US" dirty="0">
+                <a:solidFill>
+                  <a:schemeClr val="tx1"/>
+                </a:solidFill>
+              </a:endParaRPr>
+            </a:p>
+          </p:txBody>
+        </p:sp>
+        <p:cxnSp>
+          <p:nvCxnSpPr>
+            <p:cNvPr id="161" name="꺾인 연결선 160"/>
+            <p:cNvCxnSpPr>
+              <a:stCxn id="160" idx="1"/>
+              <a:endCxn id="162" idx="0"/>
+            </p:cNvCxnSpPr>
+            <p:nvPr/>
+          </p:nvCxnSpPr>
+          <p:spPr>
+            <a:xfrm rot="10800000" flipH="1">
+              <a:off x="1530578" y="5306860"/>
+              <a:ext cx="1108049" cy="212231"/>
+            </a:xfrm>
+            <a:prstGeom prst="bentConnector4">
+              <a:avLst>
+                <a:gd name="adj1" fmla="val -20631"/>
+                <a:gd name="adj2" fmla="val 263041"/>
+              </a:avLst>
+            </a:prstGeom>
+            <a:ln w="19050">
+              <a:solidFill>
+                <a:schemeClr val="accent1">
+                  <a:lumMod val="75000"/>
+                </a:schemeClr>
+              </a:solidFill>
+              <a:tailEnd type="triangle"/>
+            </a:ln>
+          </p:spPr>
+          <p:style>
+            <a:lnRef idx="1">
+              <a:schemeClr val="accent1"/>
+            </a:lnRef>
+            <a:fillRef idx="0">
+              <a:schemeClr val="accent1"/>
+            </a:fillRef>
+            <a:effectRef idx="0">
+              <a:schemeClr val="accent1"/>
+            </a:effectRef>
+            <a:fontRef idx="minor">
+              <a:schemeClr val="tx1"/>
+            </a:fontRef>
+          </p:style>
+        </p:cxnSp>
+        <p:sp>
+          <p:nvSpPr>
+            <p:cNvPr id="162" name="타원 161"/>
+            <p:cNvSpPr/>
+            <p:nvPr/>
+          </p:nvSpPr>
+          <p:spPr>
+            <a:xfrm>
+              <a:off x="2427953" y="5306859"/>
+              <a:ext cx="421350" cy="421350"/>
+            </a:xfrm>
+            <a:prstGeom prst="ellipse">
+              <a:avLst/>
+            </a:prstGeom>
+            <a:noFill/>
+          </p:spPr>
+          <p:style>
+            <a:lnRef idx="2">
+              <a:schemeClr val="accent1">
+                <a:shade val="50000"/>
+              </a:schemeClr>
+            </a:lnRef>
+            <a:fillRef idx="1">
+              <a:schemeClr val="accent1"/>
+            </a:fillRef>
+            <a:effectRef idx="0">
+              <a:schemeClr val="accent1"/>
+            </a:effectRef>
+            <a:fontRef idx="minor">
+              <a:schemeClr val="lt1"/>
+            </a:fontRef>
+          </p:style>
+          <p:txBody>
+            <a:bodyPr rtlCol="0" anchor="ctr"/>
+            <a:lstStyle/>
+            <a:p>
+              <a:pPr algn="ctr"/>
+              <a:r>
+                <a:rPr lang="en-US" altLang="ko-KR" sz="1000" b="1" dirty="0">
+                  <a:solidFill>
+                    <a:schemeClr val="tx1"/>
+                  </a:solidFill>
+                </a:rPr>
+                <a:t>[+]</a:t>
+              </a:r>
+            </a:p>
+          </p:txBody>
+        </p:sp>
+        <p:cxnSp>
+          <p:nvCxnSpPr>
+            <p:cNvPr id="163" name="직선 화살표 연결선 162"/>
+            <p:cNvCxnSpPr>
+              <a:stCxn id="160" idx="3"/>
+              <a:endCxn id="162" idx="2"/>
+            </p:cNvCxnSpPr>
+            <p:nvPr/>
+          </p:nvCxnSpPr>
+          <p:spPr>
+            <a:xfrm flipV="1">
+              <a:off x="2245146" y="5517534"/>
+              <a:ext cx="182807" cy="1556"/>
+            </a:xfrm>
+            <a:prstGeom prst="straightConnector1">
+              <a:avLst/>
+            </a:prstGeom>
+            <a:ln w="12700">
+              <a:tailEnd type="triangle"/>
+            </a:ln>
+          </p:spPr>
+          <p:style>
+            <a:lnRef idx="1">
+              <a:schemeClr val="dk1"/>
+            </a:lnRef>
+            <a:fillRef idx="0">
+              <a:schemeClr val="dk1"/>
+            </a:fillRef>
+            <a:effectRef idx="0">
+              <a:schemeClr val="dk1"/>
+            </a:effectRef>
+            <a:fontRef idx="minor">
+              <a:schemeClr val="tx1"/>
+            </a:fontRef>
+          </p:style>
+        </p:cxnSp>
+      </p:grpSp>
+      <p:grpSp>
+        <p:nvGrpSpPr>
+          <p:cNvPr id="164" name="그룹 163"/>
+          <p:cNvGrpSpPr/>
+          <p:nvPr/>
+        </p:nvGrpSpPr>
+        <p:grpSpPr>
+          <a:xfrm>
+            <a:off x="4824832" y="4809651"/>
+            <a:ext cx="1318725" cy="958566"/>
+            <a:chOff x="1530578" y="5039807"/>
+            <a:chExt cx="1318725" cy="958566"/>
+          </a:xfrm>
+        </p:grpSpPr>
+        <p:sp>
+          <p:nvSpPr>
+            <p:cNvPr id="165" name="직사각형 164"/>
+            <p:cNvSpPr/>
+            <p:nvPr/>
+          </p:nvSpPr>
+          <p:spPr>
+            <a:xfrm>
+              <a:off x="1530579" y="5039807"/>
+              <a:ext cx="714567" cy="958566"/>
+            </a:xfrm>
+            <a:prstGeom prst="rect">
+              <a:avLst/>
+            </a:prstGeom>
+            <a:noFill/>
+            <a:ln w="57150">
+              <a:solidFill>
+                <a:srgbClr val="0070C0"/>
+              </a:solidFill>
+            </a:ln>
+          </p:spPr>
+          <p:style>
+            <a:lnRef idx="2">
+              <a:schemeClr val="accent1">
+                <a:shade val="50000"/>
+              </a:schemeClr>
+            </a:lnRef>
+            <a:fillRef idx="1">
+              <a:schemeClr val="accent1"/>
+            </a:fillRef>
+            <a:effectRef idx="0">
+              <a:schemeClr val="accent1"/>
+            </a:effectRef>
+            <a:fontRef idx="minor">
+              <a:schemeClr val="lt1"/>
+            </a:fontRef>
+          </p:style>
+          <p:txBody>
+            <a:bodyPr rtlCol="0" anchor="ctr"/>
+            <a:lstStyle/>
+            <a:p>
+              <a:pPr algn="ctr"/>
+              <a:r>
+                <a:rPr lang="en-US" altLang="ko-KR" dirty="0" smtClean="0">
+                  <a:solidFill>
+                    <a:schemeClr val="tx1"/>
+                  </a:solidFill>
+                </a:rPr>
+                <a:t>Layer</a:t>
+              </a:r>
+            </a:p>
+            <a:p>
+              <a:pPr algn="ctr"/>
+              <a:r>
+                <a:rPr lang="en-US" altLang="ko-KR" dirty="0" smtClean="0">
+                  <a:solidFill>
+                    <a:schemeClr val="tx1"/>
+                  </a:solidFill>
+                </a:rPr>
+                <a:t>3</a:t>
+              </a:r>
+              <a:endParaRPr lang="ko-KR" altLang="en-US" dirty="0">
+                <a:solidFill>
+                  <a:schemeClr val="tx1"/>
+                </a:solidFill>
+              </a:endParaRPr>
+            </a:p>
+          </p:txBody>
+        </p:sp>
+        <p:cxnSp>
+          <p:nvCxnSpPr>
+            <p:cNvPr id="166" name="꺾인 연결선 165"/>
+            <p:cNvCxnSpPr>
+              <a:stCxn id="165" idx="1"/>
+              <a:endCxn id="167" idx="4"/>
+            </p:cNvCxnSpPr>
+            <p:nvPr/>
+          </p:nvCxnSpPr>
+          <p:spPr>
+            <a:xfrm rot="10800000" flipH="1" flipV="1">
+              <a:off x="1530578" y="5519089"/>
+              <a:ext cx="1108049" cy="209119"/>
+            </a:xfrm>
+            <a:prstGeom prst="bentConnector4">
+              <a:avLst>
+                <a:gd name="adj1" fmla="val -20631"/>
+                <a:gd name="adj2" fmla="val 441859"/>
+              </a:avLst>
+            </a:prstGeom>
+            <a:ln w="19050">
+              <a:solidFill>
+                <a:schemeClr val="accent6">
+                  <a:lumMod val="50000"/>
+                </a:schemeClr>
+              </a:solidFill>
+              <a:tailEnd type="triangle"/>
+            </a:ln>
+          </p:spPr>
+          <p:style>
+            <a:lnRef idx="1">
+              <a:schemeClr val="accent1"/>
+            </a:lnRef>
+            <a:fillRef idx="0">
+              <a:schemeClr val="accent1"/>
+            </a:fillRef>
+            <a:effectRef idx="0">
+              <a:schemeClr val="accent1"/>
+            </a:effectRef>
+            <a:fontRef idx="minor">
+              <a:schemeClr val="tx1"/>
+            </a:fontRef>
+          </p:style>
+        </p:cxnSp>
+        <p:sp>
+          <p:nvSpPr>
+            <p:cNvPr id="167" name="타원 166"/>
+            <p:cNvSpPr/>
+            <p:nvPr/>
+          </p:nvSpPr>
+          <p:spPr>
+            <a:xfrm>
+              <a:off x="2427953" y="5306859"/>
+              <a:ext cx="421350" cy="421350"/>
+            </a:xfrm>
+            <a:prstGeom prst="ellipse">
+              <a:avLst/>
+            </a:prstGeom>
+            <a:noFill/>
+          </p:spPr>
+          <p:style>
+            <a:lnRef idx="2">
+              <a:schemeClr val="accent1">
+                <a:shade val="50000"/>
+              </a:schemeClr>
+            </a:lnRef>
+            <a:fillRef idx="1">
+              <a:schemeClr val="accent1"/>
+            </a:fillRef>
+            <a:effectRef idx="0">
+              <a:schemeClr val="accent1"/>
+            </a:effectRef>
+            <a:fontRef idx="minor">
+              <a:schemeClr val="lt1"/>
+            </a:fontRef>
+          </p:style>
+          <p:txBody>
+            <a:bodyPr rtlCol="0" anchor="ctr"/>
+            <a:lstStyle/>
+            <a:p>
+              <a:pPr lvl="0" algn="ctr"/>
+              <a:r>
+                <a:rPr lang="en-US" altLang="ko-KR" sz="1000" b="1" dirty="0">
+                  <a:solidFill>
+                    <a:prstClr val="black"/>
+                  </a:solidFill>
+                </a:rPr>
+                <a:t>[+]</a:t>
+              </a:r>
+              <a:endParaRPr lang="ko-KR" altLang="en-US" sz="1000" b="1" dirty="0">
+                <a:solidFill>
+                  <a:prstClr val="black"/>
+                </a:solidFill>
+              </a:endParaRPr>
+            </a:p>
+          </p:txBody>
+        </p:sp>
+        <p:cxnSp>
+          <p:nvCxnSpPr>
+            <p:cNvPr id="168" name="직선 화살표 연결선 167"/>
+            <p:cNvCxnSpPr>
+              <a:stCxn id="165" idx="3"/>
+              <a:endCxn id="167" idx="2"/>
+            </p:cNvCxnSpPr>
+            <p:nvPr/>
+          </p:nvCxnSpPr>
+          <p:spPr>
+            <a:xfrm flipV="1">
+              <a:off x="2245146" y="5517534"/>
+              <a:ext cx="182807" cy="1556"/>
+            </a:xfrm>
+            <a:prstGeom prst="straightConnector1">
+              <a:avLst/>
+            </a:prstGeom>
+            <a:ln w="12700">
+              <a:tailEnd type="triangle"/>
+            </a:ln>
+          </p:spPr>
+          <p:style>
+            <a:lnRef idx="1">
+              <a:schemeClr val="dk1"/>
+            </a:lnRef>
+            <a:fillRef idx="0">
+              <a:schemeClr val="dk1"/>
+            </a:fillRef>
+            <a:effectRef idx="0">
+              <a:schemeClr val="dk1"/>
+            </a:effectRef>
+            <a:fontRef idx="minor">
+              <a:schemeClr val="tx1"/>
+            </a:fontRef>
+          </p:style>
+        </p:cxnSp>
+      </p:grpSp>
+      <p:grpSp>
+        <p:nvGrpSpPr>
+          <p:cNvPr id="169" name="그룹 168"/>
+          <p:cNvGrpSpPr/>
+          <p:nvPr/>
+        </p:nvGrpSpPr>
+        <p:grpSpPr>
+          <a:xfrm>
+            <a:off x="6530149" y="4809651"/>
+            <a:ext cx="1318725" cy="958566"/>
+            <a:chOff x="1530578" y="5039807"/>
+            <a:chExt cx="1318725" cy="958566"/>
+          </a:xfrm>
+        </p:grpSpPr>
+        <p:sp>
+          <p:nvSpPr>
+            <p:cNvPr id="170" name="직사각형 169"/>
+            <p:cNvSpPr/>
+            <p:nvPr/>
+          </p:nvSpPr>
+          <p:spPr>
+            <a:xfrm>
+              <a:off x="1530579" y="5039807"/>
+              <a:ext cx="714567" cy="958566"/>
+            </a:xfrm>
+            <a:prstGeom prst="rect">
+              <a:avLst/>
+            </a:prstGeom>
+            <a:noFill/>
+            <a:ln w="57150">
+              <a:solidFill>
+                <a:srgbClr val="0070C0"/>
+              </a:solidFill>
+            </a:ln>
+          </p:spPr>
+          <p:style>
+            <a:lnRef idx="2">
+              <a:schemeClr val="accent1">
+                <a:shade val="50000"/>
+              </a:schemeClr>
+            </a:lnRef>
+            <a:fillRef idx="1">
+              <a:schemeClr val="accent1"/>
+            </a:fillRef>
+            <a:effectRef idx="0">
+              <a:schemeClr val="accent1"/>
+            </a:effectRef>
+            <a:fontRef idx="minor">
+              <a:schemeClr val="lt1"/>
+            </a:fontRef>
+          </p:style>
+          <p:txBody>
+            <a:bodyPr rtlCol="0" anchor="ctr"/>
+            <a:lstStyle/>
+            <a:p>
+              <a:pPr algn="ctr"/>
+              <a:r>
+                <a:rPr lang="en-US" altLang="ko-KR" dirty="0" smtClean="0">
+                  <a:solidFill>
+                    <a:schemeClr val="tx1"/>
+                  </a:solidFill>
+                </a:rPr>
+                <a:t>Layer</a:t>
+              </a:r>
+            </a:p>
+            <a:p>
+              <a:pPr algn="ctr"/>
+              <a:r>
+                <a:rPr lang="en-US" altLang="ko-KR" dirty="0" smtClean="0">
+                  <a:solidFill>
+                    <a:schemeClr val="tx1"/>
+                  </a:solidFill>
+                </a:rPr>
+                <a:t>4</a:t>
+              </a:r>
+              <a:endParaRPr lang="ko-KR" altLang="en-US" dirty="0">
+                <a:solidFill>
+                  <a:schemeClr val="tx1"/>
+                </a:solidFill>
+              </a:endParaRPr>
+            </a:p>
+          </p:txBody>
+        </p:sp>
+        <p:cxnSp>
+          <p:nvCxnSpPr>
+            <p:cNvPr id="171" name="꺾인 연결선 170"/>
+            <p:cNvCxnSpPr>
+              <a:stCxn id="170" idx="1"/>
+              <a:endCxn id="172" idx="4"/>
+            </p:cNvCxnSpPr>
+            <p:nvPr/>
+          </p:nvCxnSpPr>
+          <p:spPr>
+            <a:xfrm rot="10800000" flipH="1" flipV="1">
+              <a:off x="1530578" y="5519089"/>
+              <a:ext cx="1108049" cy="209119"/>
+            </a:xfrm>
+            <a:prstGeom prst="bentConnector4">
+              <a:avLst>
+                <a:gd name="adj1" fmla="val -20631"/>
+                <a:gd name="adj2" fmla="val 449810"/>
+              </a:avLst>
+            </a:prstGeom>
+            <a:ln w="19050">
+              <a:solidFill>
+                <a:srgbClr val="FFC000"/>
+              </a:solidFill>
+              <a:tailEnd type="triangle"/>
+            </a:ln>
+          </p:spPr>
+          <p:style>
+            <a:lnRef idx="1">
+              <a:schemeClr val="accent1"/>
+            </a:lnRef>
+            <a:fillRef idx="0">
+              <a:schemeClr val="accent1"/>
+            </a:fillRef>
+            <a:effectRef idx="0">
+              <a:schemeClr val="accent1"/>
+            </a:effectRef>
+            <a:fontRef idx="minor">
+              <a:schemeClr val="tx1"/>
+            </a:fontRef>
+          </p:style>
+        </p:cxnSp>
+        <p:sp>
+          <p:nvSpPr>
+            <p:cNvPr id="172" name="타원 171"/>
+            <p:cNvSpPr/>
+            <p:nvPr/>
+          </p:nvSpPr>
+          <p:spPr>
+            <a:xfrm>
+              <a:off x="2427953" y="5306859"/>
+              <a:ext cx="421350" cy="421350"/>
+            </a:xfrm>
+            <a:prstGeom prst="ellipse">
+              <a:avLst/>
+            </a:prstGeom>
+            <a:noFill/>
+          </p:spPr>
+          <p:style>
+            <a:lnRef idx="2">
+              <a:schemeClr val="accent1">
+                <a:shade val="50000"/>
+              </a:schemeClr>
+            </a:lnRef>
+            <a:fillRef idx="1">
+              <a:schemeClr val="accent1"/>
+            </a:fillRef>
+            <a:effectRef idx="0">
+              <a:schemeClr val="accent1"/>
+            </a:effectRef>
+            <a:fontRef idx="minor">
+              <a:schemeClr val="lt1"/>
+            </a:fontRef>
+          </p:style>
+          <p:txBody>
+            <a:bodyPr rtlCol="0" anchor="ctr"/>
+            <a:lstStyle/>
+            <a:p>
+              <a:pPr lvl="0" algn="ctr"/>
+              <a:r>
+                <a:rPr lang="en-US" altLang="ko-KR" sz="1000" b="1" dirty="0">
+                  <a:solidFill>
+                    <a:prstClr val="black"/>
+                  </a:solidFill>
+                </a:rPr>
+                <a:t>[+]</a:t>
+              </a:r>
+              <a:endParaRPr lang="ko-KR" altLang="en-US" sz="1000" b="1" dirty="0">
+                <a:solidFill>
+                  <a:prstClr val="black"/>
+                </a:solidFill>
+              </a:endParaRPr>
+            </a:p>
+          </p:txBody>
+        </p:sp>
+        <p:cxnSp>
+          <p:nvCxnSpPr>
+            <p:cNvPr id="173" name="직선 화살표 연결선 172"/>
+            <p:cNvCxnSpPr>
+              <a:stCxn id="170" idx="3"/>
+              <a:endCxn id="172" idx="2"/>
+            </p:cNvCxnSpPr>
+            <p:nvPr/>
+          </p:nvCxnSpPr>
+          <p:spPr>
+            <a:xfrm flipV="1">
+              <a:off x="2245146" y="5517534"/>
+              <a:ext cx="182807" cy="1556"/>
+            </a:xfrm>
+            <a:prstGeom prst="straightConnector1">
+              <a:avLst/>
+            </a:prstGeom>
+            <a:ln w="12700">
+              <a:tailEnd type="triangle"/>
+            </a:ln>
+          </p:spPr>
+          <p:style>
+            <a:lnRef idx="1">
+              <a:schemeClr val="dk1"/>
+            </a:lnRef>
+            <a:fillRef idx="0">
+              <a:schemeClr val="dk1"/>
+            </a:fillRef>
+            <a:effectRef idx="0">
+              <a:schemeClr val="dk1"/>
+            </a:effectRef>
+            <a:fontRef idx="minor">
+              <a:schemeClr val="tx1"/>
+            </a:fontRef>
+          </p:style>
+        </p:cxnSp>
+      </p:grpSp>
+      <p:cxnSp>
+        <p:nvCxnSpPr>
+          <p:cNvPr id="174" name="직선 화살표 연결선 173"/>
+          <p:cNvCxnSpPr>
+            <a:stCxn id="140" idx="6"/>
+            <a:endCxn id="160" idx="1"/>
+          </p:cNvCxnSpPr>
+          <p:nvPr/>
+        </p:nvCxnSpPr>
+        <p:spPr>
+          <a:xfrm>
+            <a:off x="2732925" y="5287378"/>
+            <a:ext cx="386592" cy="1556"/>
+          </a:xfrm>
+          <a:prstGeom prst="straightConnector1">
+            <a:avLst/>
+          </a:prstGeom>
+          <a:ln w="12700">
+            <a:tailEnd type="triangle"/>
+          </a:ln>
+        </p:spPr>
+        <p:style>
+          <a:lnRef idx="1">
+            <a:schemeClr val="dk1"/>
+          </a:lnRef>
+          <a:fillRef idx="0">
+            <a:schemeClr val="dk1"/>
+          </a:fillRef>
+          <a:effectRef idx="0">
+            <a:schemeClr val="dk1"/>
+          </a:effectRef>
+          <a:fontRef idx="minor">
+            <a:schemeClr val="tx1"/>
+          </a:fontRef>
+        </p:style>
+      </p:cxnSp>
+      <p:cxnSp>
+        <p:nvCxnSpPr>
+          <p:cNvPr id="177" name="직선 화살표 연결선 176"/>
+          <p:cNvCxnSpPr>
+            <a:stCxn id="162" idx="6"/>
+            <a:endCxn id="165" idx="1"/>
+          </p:cNvCxnSpPr>
+          <p:nvPr/>
+        </p:nvCxnSpPr>
+        <p:spPr>
+          <a:xfrm>
+            <a:off x="4438241" y="5287378"/>
+            <a:ext cx="386592" cy="1556"/>
+          </a:xfrm>
+          <a:prstGeom prst="straightConnector1">
+            <a:avLst/>
+          </a:prstGeom>
+          <a:ln w="12700">
+            <a:tailEnd type="triangle"/>
+          </a:ln>
+        </p:spPr>
+        <p:style>
+          <a:lnRef idx="1">
+            <a:schemeClr val="dk1"/>
+          </a:lnRef>
+          <a:fillRef idx="0">
+            <a:schemeClr val="dk1"/>
+          </a:fillRef>
+          <a:effectRef idx="0">
+            <a:schemeClr val="dk1"/>
+          </a:effectRef>
+          <a:fontRef idx="minor">
+            <a:schemeClr val="tx1"/>
+          </a:fontRef>
+        </p:style>
+      </p:cxnSp>
+      <p:cxnSp>
+        <p:nvCxnSpPr>
+          <p:cNvPr id="180" name="직선 화살표 연결선 179"/>
+          <p:cNvCxnSpPr>
+            <a:stCxn id="167" idx="6"/>
+            <a:endCxn id="170" idx="1"/>
+          </p:cNvCxnSpPr>
+          <p:nvPr/>
+        </p:nvCxnSpPr>
+        <p:spPr>
+          <a:xfrm>
+            <a:off x="6143557" y="5287378"/>
+            <a:ext cx="386593" cy="1556"/>
+          </a:xfrm>
+          <a:prstGeom prst="straightConnector1">
+            <a:avLst/>
+          </a:prstGeom>
+          <a:ln w="12700">
+            <a:tailEnd type="triangle"/>
+          </a:ln>
+        </p:spPr>
+        <p:style>
+          <a:lnRef idx="1">
+            <a:schemeClr val="dk1"/>
+          </a:lnRef>
+          <a:fillRef idx="0">
+            <a:schemeClr val="dk1"/>
+          </a:fillRef>
+          <a:effectRef idx="0">
+            <a:schemeClr val="dk1"/>
+          </a:effectRef>
+          <a:fontRef idx="minor">
+            <a:schemeClr val="tx1"/>
+          </a:fontRef>
+        </p:style>
+      </p:cxnSp>
+      <p:cxnSp>
+        <p:nvCxnSpPr>
+          <p:cNvPr id="183" name="직선 화살표 연결선 182"/>
+          <p:cNvCxnSpPr>
+            <a:stCxn id="172" idx="6"/>
+            <a:endCxn id="133" idx="1"/>
+          </p:cNvCxnSpPr>
+          <p:nvPr/>
+        </p:nvCxnSpPr>
+        <p:spPr>
+          <a:xfrm>
+            <a:off x="7848874" y="5287378"/>
+            <a:ext cx="233112" cy="0"/>
+          </a:xfrm>
+          <a:prstGeom prst="straightConnector1">
+            <a:avLst/>
+          </a:prstGeom>
+          <a:ln w="12700">
+            <a:tailEnd type="triangle"/>
+          </a:ln>
+        </p:spPr>
+        <p:style>
+          <a:lnRef idx="1">
+            <a:schemeClr val="dk1"/>
+          </a:lnRef>
+          <a:fillRef idx="0">
+            <a:schemeClr val="dk1"/>
+          </a:fillRef>
+          <a:effectRef idx="0">
+            <a:schemeClr val="dk1"/>
+          </a:effectRef>
+          <a:fontRef idx="minor">
+            <a:schemeClr val="tx1"/>
+          </a:fontRef>
+        </p:style>
+      </p:cxnSp>
+      <p:cxnSp>
+        <p:nvCxnSpPr>
+          <p:cNvPr id="187" name="꺾인 연결선 186"/>
+          <p:cNvCxnSpPr>
+            <a:stCxn id="127" idx="1"/>
+            <a:endCxn id="162" idx="4"/>
+          </p:cNvCxnSpPr>
+          <p:nvPr/>
+        </p:nvCxnSpPr>
+        <p:spPr>
+          <a:xfrm rot="10800000" flipH="1" flipV="1">
+            <a:off x="1414200" y="5288933"/>
+            <a:ext cx="2813365" cy="209119"/>
+          </a:xfrm>
+          <a:prstGeom prst="bentConnector4">
+            <a:avLst>
+              <a:gd name="adj1" fmla="val -8126"/>
+              <a:gd name="adj2" fmla="val 322607"/>
+            </a:avLst>
+          </a:prstGeom>
+          <a:ln w="19050">
+            <a:solidFill>
+              <a:srgbClr val="FF0000"/>
+            </a:solidFill>
+            <a:tailEnd type="triangle"/>
+          </a:ln>
+        </p:spPr>
+        <p:style>
+          <a:lnRef idx="1">
+            <a:schemeClr val="accent1"/>
+          </a:lnRef>
+          <a:fillRef idx="0">
+            <a:schemeClr val="accent1"/>
+          </a:fillRef>
+          <a:effectRef idx="0">
+            <a:schemeClr val="accent1"/>
+          </a:effectRef>
+          <a:fontRef idx="minor">
+            <a:schemeClr val="tx1"/>
+          </a:fontRef>
+        </p:style>
+      </p:cxnSp>
+      <p:cxnSp>
+        <p:nvCxnSpPr>
+          <p:cNvPr id="193" name="꺾인 연결선 192"/>
+          <p:cNvCxnSpPr>
+            <a:stCxn id="127" idx="1"/>
+            <a:endCxn id="167" idx="3"/>
+          </p:cNvCxnSpPr>
+          <p:nvPr/>
+        </p:nvCxnSpPr>
+        <p:spPr>
+          <a:xfrm rot="10800000" flipH="1" flipV="1">
+            <a:off x="1414200" y="5288934"/>
+            <a:ext cx="4369711" cy="147414"/>
+          </a:xfrm>
+          <a:prstGeom prst="bentConnector4">
+            <a:avLst>
+              <a:gd name="adj1" fmla="val -5231"/>
+              <a:gd name="adj2" fmla="val 480201"/>
+            </a:avLst>
+          </a:prstGeom>
+          <a:ln w="19050">
+            <a:solidFill>
+              <a:srgbClr val="FF0000"/>
+            </a:solidFill>
+            <a:tailEnd type="triangle"/>
+          </a:ln>
+        </p:spPr>
+        <p:style>
+          <a:lnRef idx="1">
+            <a:schemeClr val="accent1"/>
+          </a:lnRef>
+          <a:fillRef idx="0">
+            <a:schemeClr val="accent1"/>
+          </a:fillRef>
+          <a:effectRef idx="0">
+            <a:schemeClr val="accent1"/>
+          </a:effectRef>
+          <a:fontRef idx="minor">
+            <a:schemeClr val="tx1"/>
+          </a:fontRef>
+        </p:style>
+      </p:cxnSp>
+      <p:cxnSp>
+        <p:nvCxnSpPr>
+          <p:cNvPr id="197" name="꺾인 연결선 196"/>
+          <p:cNvCxnSpPr>
+            <a:stCxn id="127" idx="1"/>
+            <a:endCxn id="172" idx="5"/>
+          </p:cNvCxnSpPr>
+          <p:nvPr/>
+        </p:nvCxnSpPr>
+        <p:spPr>
+          <a:xfrm rot="10800000" flipH="1" flipV="1">
+            <a:off x="1414201" y="5288934"/>
+            <a:ext cx="6372968" cy="147414"/>
+          </a:xfrm>
+          <a:prstGeom prst="bentConnector4">
+            <a:avLst>
+              <a:gd name="adj1" fmla="val -3587"/>
+              <a:gd name="adj2" fmla="val 542231"/>
+            </a:avLst>
+          </a:prstGeom>
+          <a:ln w="19050">
+            <a:solidFill>
+              <a:srgbClr val="FF0000"/>
+            </a:solidFill>
+            <a:tailEnd type="triangle"/>
+          </a:ln>
+        </p:spPr>
+        <p:style>
+          <a:lnRef idx="1">
+            <a:schemeClr val="accent1"/>
+          </a:lnRef>
+          <a:fillRef idx="0">
+            <a:schemeClr val="accent1"/>
+          </a:fillRef>
+          <a:effectRef idx="0">
+            <a:schemeClr val="accent1"/>
+          </a:effectRef>
+          <a:fontRef idx="minor">
+            <a:schemeClr val="tx1"/>
+          </a:fontRef>
+        </p:style>
+      </p:cxnSp>
+      <p:cxnSp>
+        <p:nvCxnSpPr>
+          <p:cNvPr id="201" name="꺾인 연결선 200"/>
+          <p:cNvCxnSpPr>
+            <a:stCxn id="160" idx="1"/>
+            <a:endCxn id="167" idx="0"/>
+          </p:cNvCxnSpPr>
+          <p:nvPr/>
+        </p:nvCxnSpPr>
+        <p:spPr>
+          <a:xfrm rot="10800000" flipH="1">
+            <a:off x="3119516" y="5076704"/>
+            <a:ext cx="2813365" cy="212231"/>
+          </a:xfrm>
+          <a:prstGeom prst="bentConnector4">
+            <a:avLst>
+              <a:gd name="adj1" fmla="val -8126"/>
+              <a:gd name="adj2" fmla="val 294375"/>
+            </a:avLst>
+          </a:prstGeom>
+          <a:ln w="19050">
+            <a:solidFill>
+              <a:schemeClr val="accent1">
+                <a:lumMod val="75000"/>
+              </a:schemeClr>
+            </a:solidFill>
+            <a:tailEnd type="triangle"/>
+          </a:ln>
+        </p:spPr>
+        <p:style>
+          <a:lnRef idx="1">
+            <a:schemeClr val="accent1"/>
+          </a:lnRef>
+          <a:fillRef idx="0">
+            <a:schemeClr val="accent1"/>
+          </a:fillRef>
+          <a:effectRef idx="0">
+            <a:schemeClr val="accent1"/>
+          </a:effectRef>
+          <a:fontRef idx="minor">
+            <a:schemeClr val="tx1"/>
+          </a:fontRef>
+        </p:style>
+      </p:cxnSp>
+      <p:cxnSp>
+        <p:nvCxnSpPr>
+          <p:cNvPr id="205" name="꺾인 연결선 204"/>
+          <p:cNvCxnSpPr>
+            <a:stCxn id="160" idx="1"/>
+            <a:endCxn id="172" idx="0"/>
+          </p:cNvCxnSpPr>
+          <p:nvPr/>
+        </p:nvCxnSpPr>
+        <p:spPr>
+          <a:xfrm rot="10800000" flipH="1">
+            <a:off x="3119517" y="5076704"/>
+            <a:ext cx="4518682" cy="212231"/>
+          </a:xfrm>
+          <a:prstGeom prst="bentConnector4">
+            <a:avLst>
+              <a:gd name="adj1" fmla="val -5059"/>
+              <a:gd name="adj2" fmla="val 333544"/>
+            </a:avLst>
+          </a:prstGeom>
+          <a:ln w="19050">
+            <a:solidFill>
+              <a:schemeClr val="accent1">
+                <a:lumMod val="75000"/>
+              </a:schemeClr>
+            </a:solidFill>
+            <a:tailEnd type="triangle"/>
+          </a:ln>
+        </p:spPr>
+        <p:style>
+          <a:lnRef idx="1">
+            <a:schemeClr val="accent1"/>
+          </a:lnRef>
+          <a:fillRef idx="0">
+            <a:schemeClr val="accent1"/>
+          </a:fillRef>
+          <a:effectRef idx="0">
+            <a:schemeClr val="accent1"/>
+          </a:effectRef>
+          <a:fontRef idx="minor">
+            <a:schemeClr val="tx1"/>
+          </a:fontRef>
+        </p:style>
+      </p:cxnSp>
+      <p:cxnSp>
+        <p:nvCxnSpPr>
+          <p:cNvPr id="230" name="꺾인 연결선 229"/>
+          <p:cNvCxnSpPr>
+            <a:stCxn id="165" idx="1"/>
+            <a:endCxn id="172" idx="3"/>
+          </p:cNvCxnSpPr>
+          <p:nvPr/>
+        </p:nvCxnSpPr>
+        <p:spPr>
+          <a:xfrm rot="10800000" flipH="1" flipV="1">
+            <a:off x="4824833" y="5288934"/>
+            <a:ext cx="2664396" cy="147414"/>
+          </a:xfrm>
+          <a:prstGeom prst="bentConnector4">
+            <a:avLst>
+              <a:gd name="adj1" fmla="val -8580"/>
+              <a:gd name="adj2" fmla="val 480201"/>
+            </a:avLst>
+          </a:prstGeom>
+          <a:ln w="19050">
+            <a:solidFill>
+              <a:schemeClr val="accent6">
+                <a:lumMod val="50000"/>
+              </a:schemeClr>
+            </a:solidFill>
+            <a:tailEnd type="triangle"/>
+          </a:ln>
+        </p:spPr>
+        <p:style>
+          <a:lnRef idx="1">
+            <a:schemeClr val="accent1"/>
+          </a:lnRef>
+          <a:fillRef idx="0">
+            <a:schemeClr val="accent1"/>
+          </a:fillRef>
+          <a:effectRef idx="0">
+            <a:schemeClr val="accent1"/>
+          </a:effectRef>
+          <a:fontRef idx="minor">
+            <a:schemeClr val="tx1"/>
+          </a:fontRef>
+        </p:style>
+      </p:cxnSp>
+      <p:sp>
+        <p:nvSpPr>
+          <p:cNvPr id="237" name="직사각형 236"/>
+          <p:cNvSpPr/>
+          <p:nvPr/>
+        </p:nvSpPr>
+        <p:spPr>
+          <a:xfrm>
+            <a:off x="1010657" y="4504775"/>
+            <a:ext cx="6911372" cy="1787960"/>
+          </a:xfrm>
+          <a:prstGeom prst="rect">
+            <a:avLst/>
+          </a:prstGeom>
+          <a:noFill/>
+          <a:ln w="28575">
+            <a:solidFill>
+              <a:schemeClr val="tx1"/>
+            </a:solidFill>
+            <a:prstDash val="dash"/>
+          </a:ln>
+        </p:spPr>
+        <p:style>
+          <a:lnRef idx="2">
+            <a:schemeClr val="accent1">
+              <a:shade val="50000"/>
+            </a:schemeClr>
+          </a:lnRef>
+          <a:fillRef idx="1">
+            <a:schemeClr val="accent1"/>
+          </a:fillRef>
+          <a:effectRef idx="0">
+            <a:schemeClr val="accent1"/>
+          </a:effectRef>
+          <a:fontRef idx="minor">
+            <a:schemeClr val="lt1"/>
+          </a:fontRef>
+        </p:style>
+        <p:txBody>
+          <a:bodyPr rtlCol="0" anchor="ctr"/>
+          <a:lstStyle/>
+          <a:p>
+            <a:pPr algn="ctr"/>
+            <a:endParaRPr lang="ko-KR" altLang="en-US"/>
+          </a:p>
+        </p:txBody>
+      </p:sp>
+      <p:cxnSp>
+        <p:nvCxnSpPr>
+          <p:cNvPr id="238" name="직선 화살표 연결선 237"/>
+          <p:cNvCxnSpPr>
+            <a:stCxn id="34" idx="3"/>
+            <a:endCxn id="6" idx="1"/>
+          </p:cNvCxnSpPr>
+          <p:nvPr/>
+        </p:nvCxnSpPr>
+        <p:spPr>
+          <a:xfrm>
+            <a:off x="2686049" y="1696223"/>
+            <a:ext cx="668524" cy="0"/>
+          </a:xfrm>
+          <a:prstGeom prst="straightConnector1">
+            <a:avLst/>
+          </a:prstGeom>
+          <a:ln w="12700">
+            <a:tailEnd type="triangle"/>
+          </a:ln>
+        </p:spPr>
+        <p:style>
+          <a:lnRef idx="1">
+            <a:schemeClr val="dk1"/>
+          </a:lnRef>
+          <a:fillRef idx="0">
+            <a:schemeClr val="dk1"/>
+          </a:fillRef>
+          <a:effectRef idx="0">
+            <a:schemeClr val="dk1"/>
+          </a:effectRef>
+          <a:fontRef idx="minor">
+            <a:schemeClr val="tx1"/>
+          </a:fontRef>
+        </p:style>
+      </p:cxnSp>
+      <p:cxnSp>
+        <p:nvCxnSpPr>
+          <p:cNvPr id="241" name="직선 화살표 연결선 240"/>
+          <p:cNvCxnSpPr>
+            <a:stCxn id="6" idx="3"/>
+            <a:endCxn id="46" idx="1"/>
+          </p:cNvCxnSpPr>
+          <p:nvPr/>
+        </p:nvCxnSpPr>
+        <p:spPr>
+          <a:xfrm>
+            <a:off x="5793971" y="1696223"/>
+            <a:ext cx="647092" cy="0"/>
+          </a:xfrm>
+          <a:prstGeom prst="straightConnector1">
+            <a:avLst/>
+          </a:prstGeom>
+          <a:ln w="12700">
+            <a:tailEnd type="triangle"/>
+          </a:ln>
+        </p:spPr>
+        <p:style>
+          <a:lnRef idx="1">
+            <a:schemeClr val="dk1"/>
+          </a:lnRef>
+          <a:fillRef idx="0">
+            <a:schemeClr val="dk1"/>
+          </a:fillRef>
+          <a:effectRef idx="0">
+            <a:schemeClr val="dk1"/>
+          </a:effectRef>
+          <a:fontRef idx="minor">
+            <a:schemeClr val="tx1"/>
+          </a:fontRef>
+        </p:style>
+      </p:cxnSp>
+      <p:sp>
+        <p:nvSpPr>
+          <p:cNvPr id="244" name="TextBox 243"/>
+          <p:cNvSpPr txBox="1"/>
+          <p:nvPr/>
+        </p:nvSpPr>
+        <p:spPr>
+          <a:xfrm>
+            <a:off x="7153665" y="4144275"/>
+            <a:ext cx="1361685" cy="369332"/>
+          </a:xfrm>
+          <a:prstGeom prst="rect">
+            <a:avLst/>
+          </a:prstGeom>
+          <a:noFill/>
+        </p:spPr>
+        <p:txBody>
+          <a:bodyPr wrap="square" rtlCol="0">
+            <a:spAutoFit/>
+          </a:bodyPr>
+          <a:lstStyle/>
+          <a:p>
+            <a:pPr algn="just"/>
+            <a:r>
+              <a:rPr lang="en-US" altLang="ko-KR" dirty="0" smtClean="0">
+                <a:solidFill>
+                  <a:srgbClr val="3333FF"/>
+                </a:solidFill>
+              </a:rPr>
+              <a:t>Dense Block</a:t>
+            </a:r>
+            <a:endParaRPr lang="ko-KR" altLang="en-US" dirty="0">
+              <a:solidFill>
+                <a:srgbClr val="3333FF"/>
+              </a:solidFill>
+            </a:endParaRPr>
+          </a:p>
+        </p:txBody>
+      </p:sp>
+      <p:sp>
+        <p:nvSpPr>
+          <p:cNvPr id="66" name="직사각형 65"/>
+          <p:cNvSpPr/>
+          <p:nvPr/>
+        </p:nvSpPr>
+        <p:spPr>
+          <a:xfrm>
+            <a:off x="3857298" y="802327"/>
+            <a:ext cx="288733" cy="1787791"/>
+          </a:xfrm>
+          <a:prstGeom prst="rect">
+            <a:avLst/>
+          </a:prstGeom>
+          <a:noFill/>
+          <a:ln w="57150">
+            <a:solidFill>
+              <a:srgbClr val="0070C0"/>
+            </a:solidFill>
+          </a:ln>
+        </p:spPr>
+        <p:style>
+          <a:lnRef idx="2">
+            <a:schemeClr val="accent1">
+              <a:shade val="50000"/>
+            </a:schemeClr>
+          </a:lnRef>
+          <a:fillRef idx="1">
+            <a:schemeClr val="accent1"/>
+          </a:fillRef>
+          <a:effectRef idx="0">
+            <a:schemeClr val="accent1"/>
+          </a:effectRef>
+          <a:fontRef idx="minor">
+            <a:schemeClr val="lt1"/>
+          </a:fontRef>
+        </p:style>
+        <p:txBody>
+          <a:bodyPr rtlCol="0" anchor="ctr"/>
+          <a:lstStyle/>
+          <a:p>
+            <a:pPr algn="ctr"/>
+            <a:endParaRPr lang="ko-KR" altLang="en-US" dirty="0">
+              <a:solidFill>
+                <a:schemeClr val="tx1"/>
+              </a:solidFill>
+            </a:endParaRPr>
+          </a:p>
+        </p:txBody>
+      </p:sp>
+      <p:sp>
+        <p:nvSpPr>
+          <p:cNvPr id="68" name="TextBox 67"/>
+          <p:cNvSpPr txBox="1"/>
+          <p:nvPr/>
+        </p:nvSpPr>
+        <p:spPr>
+          <a:xfrm>
+            <a:off x="5289881" y="468499"/>
+            <a:ext cx="885373" cy="369332"/>
+          </a:xfrm>
+          <a:prstGeom prst="rect">
+            <a:avLst/>
+          </a:prstGeom>
+          <a:noFill/>
+        </p:spPr>
+        <p:txBody>
+          <a:bodyPr wrap="square" rtlCol="0">
+            <a:spAutoFit/>
+          </a:bodyPr>
+          <a:lstStyle/>
+          <a:p>
+            <a:pPr algn="ctr"/>
+            <a:r>
+              <a:rPr lang="en-US" altLang="ko-KR" dirty="0" smtClean="0"/>
+              <a:t>Layer</a:t>
+            </a:r>
+            <a:endParaRPr lang="ko-KR" altLang="en-US" dirty="0"/>
+          </a:p>
+        </p:txBody>
+      </p:sp>
+      <p:cxnSp>
+        <p:nvCxnSpPr>
+          <p:cNvPr id="69" name="직선 화살표 연결선 68"/>
+          <p:cNvCxnSpPr>
+            <a:stCxn id="68" idx="1"/>
+            <a:endCxn id="66" idx="0"/>
+          </p:cNvCxnSpPr>
+          <p:nvPr/>
+        </p:nvCxnSpPr>
+        <p:spPr>
+          <a:xfrm flipH="1">
+            <a:off x="4001665" y="653165"/>
+            <a:ext cx="1288216" cy="149162"/>
+          </a:xfrm>
+          <a:prstGeom prst="straightConnector1">
+            <a:avLst/>
+          </a:prstGeom>
+          <a:ln w="12700">
+            <a:solidFill>
+              <a:srgbClr val="FF0000"/>
+            </a:solidFill>
+            <a:prstDash val="sysDash"/>
+            <a:tailEnd type="triangle"/>
+          </a:ln>
+        </p:spPr>
+        <p:style>
+          <a:lnRef idx="1">
+            <a:schemeClr val="dk1"/>
+          </a:lnRef>
+          <a:fillRef idx="0">
+            <a:schemeClr val="dk1"/>
+          </a:fillRef>
+          <a:effectRef idx="0">
+            <a:schemeClr val="dk1"/>
+          </a:effectRef>
+          <a:fontRef idx="minor">
+            <a:schemeClr val="tx1"/>
+          </a:fontRef>
+        </p:style>
+      </p:cxnSp>
+      <p:pic>
+        <p:nvPicPr>
+          <p:cNvPr id="13" name="그림 12"/>
+          <p:cNvPicPr>
+            <a:picLocks noChangeAspect="1"/>
+          </p:cNvPicPr>
+          <p:nvPr/>
+        </p:nvPicPr>
+        <p:blipFill rotWithShape="1">
+          <a:blip r:embed="rId3"/>
+          <a:srcRect l="56657" t="54029" r="763" b="8078"/>
+          <a:stretch/>
+        </p:blipFill>
+        <p:spPr>
+          <a:xfrm>
+            <a:off x="6354351" y="94993"/>
+            <a:ext cx="2535720" cy="1390556"/>
+          </a:xfrm>
+          <a:prstGeom prst="rect">
+            <a:avLst/>
+          </a:prstGeom>
+        </p:spPr>
+      </p:pic>
+      <p:cxnSp>
+        <p:nvCxnSpPr>
+          <p:cNvPr id="75" name="직선 화살표 연결선 74"/>
+          <p:cNvCxnSpPr>
+            <a:stCxn id="13" idx="1"/>
+          </p:cNvCxnSpPr>
+          <p:nvPr/>
+        </p:nvCxnSpPr>
+        <p:spPr>
+          <a:xfrm flipH="1">
+            <a:off x="4600684" y="790271"/>
+            <a:ext cx="1753667" cy="154231"/>
+          </a:xfrm>
+          <a:prstGeom prst="straightConnector1">
+            <a:avLst/>
+          </a:prstGeom>
+          <a:ln w="12700">
+            <a:solidFill>
+              <a:srgbClr val="FF0000"/>
+            </a:solidFill>
+            <a:prstDash val="sysDash"/>
+            <a:tailEnd type="triangle"/>
+          </a:ln>
+        </p:spPr>
+        <p:style>
+          <a:lnRef idx="1">
+            <a:schemeClr val="dk1"/>
+          </a:lnRef>
+          <a:fillRef idx="0">
+            <a:schemeClr val="dk1"/>
+          </a:fillRef>
+          <a:effectRef idx="0">
+            <a:schemeClr val="dk1"/>
+          </a:effectRef>
+          <a:fontRef idx="minor">
+            <a:schemeClr val="tx1"/>
+          </a:fontRef>
+        </p:style>
+      </p:cxnSp>
     </p:spTree>
     <p:extLst>
       <p:ext uri="{BB962C8B-B14F-4D97-AF65-F5344CB8AC3E}">
-        <p14:creationId xmlns:p14="http://schemas.microsoft.com/office/powerpoint/2010/main" val="2014511246"/>
+        <p14:creationId xmlns:p14="http://schemas.microsoft.com/office/powerpoint/2010/main" val="2322520435"/>
       </p:ext>
     </p:extLst>
   </p:cSld>

--- a/랩미팅/201908/190805 (Jong).pptx
+++ b/랩미팅/201908/190805 (Jong).pptx
@@ -203,7 +203,7 @@
           <a:p>
             <a:fld id="{A9D6DECA-6E4E-4D09-9277-E151A2E3F74C}" type="datetimeFigureOut">
               <a:rPr lang="ko-KR" altLang="en-US" smtClean="0"/>
-              <a:t>2019-08-05</a:t>
+              <a:t>2019-08-09</a:t>
             </a:fld>
             <a:endParaRPr lang="ko-KR" altLang="en-US"/>
           </a:p>
@@ -686,7 +686,7 @@
           <a:p>
             <a:fld id="{78E89258-A40F-4400-BA1A-638141289729}" type="datetime1">
               <a:rPr lang="ko-KR" altLang="en-US" smtClean="0"/>
-              <a:t>2019-08-05</a:t>
+              <a:t>2019-08-09</a:t>
             </a:fld>
             <a:endParaRPr lang="ko-KR" altLang="en-US"/>
           </a:p>
@@ -863,7 +863,7 @@
           <a:p>
             <a:fld id="{CD116CEF-802E-43F7-8932-78519DF2A264}" type="datetime1">
               <a:rPr lang="ko-KR" altLang="en-US" smtClean="0"/>
-              <a:t>2019-08-05</a:t>
+              <a:t>2019-08-09</a:t>
             </a:fld>
             <a:endParaRPr lang="ko-KR" altLang="en-US"/>
           </a:p>
@@ -1043,7 +1043,7 @@
           <a:p>
             <a:fld id="{EFD9D7C3-1982-427D-BFA7-1AF9687AAB0F}" type="datetime1">
               <a:rPr lang="ko-KR" altLang="en-US" smtClean="0"/>
-              <a:t>2019-08-05</a:t>
+              <a:t>2019-08-09</a:t>
             </a:fld>
             <a:endParaRPr lang="ko-KR" altLang="en-US"/>
           </a:p>
@@ -1213,7 +1213,7 @@
           <a:p>
             <a:fld id="{EDD93E7F-B437-40E5-8ACB-B79696783EFA}" type="datetime1">
               <a:rPr lang="ko-KR" altLang="en-US" smtClean="0"/>
-              <a:t>2019-08-05</a:t>
+              <a:t>2019-08-09</a:t>
             </a:fld>
             <a:endParaRPr lang="ko-KR" altLang="en-US"/>
           </a:p>
@@ -1457,7 +1457,7 @@
           <a:p>
             <a:fld id="{DB249950-0BD4-4F6E-BE3F-CB53B7E2FD06}" type="datetime1">
               <a:rPr lang="ko-KR" altLang="en-US" smtClean="0"/>
-              <a:t>2019-08-05</a:t>
+              <a:t>2019-08-09</a:t>
             </a:fld>
             <a:endParaRPr lang="ko-KR" altLang="en-US"/>
           </a:p>
@@ -1689,7 +1689,7 @@
           <a:p>
             <a:fld id="{7B016D7E-32C0-4DB3-B6B3-0506A62840FB}" type="datetime1">
               <a:rPr lang="ko-KR" altLang="en-US" smtClean="0"/>
-              <a:t>2019-08-05</a:t>
+              <a:t>2019-08-09</a:t>
             </a:fld>
             <a:endParaRPr lang="ko-KR" altLang="en-US"/>
           </a:p>
@@ -2056,7 +2056,7 @@
           <a:p>
             <a:fld id="{B246672D-B3FD-4B2E-92C0-4A80DA670927}" type="datetime1">
               <a:rPr lang="ko-KR" altLang="en-US" smtClean="0"/>
-              <a:t>2019-08-05</a:t>
+              <a:t>2019-08-09</a:t>
             </a:fld>
             <a:endParaRPr lang="ko-KR" altLang="en-US"/>
           </a:p>
@@ -2174,7 +2174,7 @@
           <a:p>
             <a:fld id="{9B9B7D2E-B202-4D7A-9519-0C490A04EB9C}" type="datetime1">
               <a:rPr lang="ko-KR" altLang="en-US" smtClean="0"/>
-              <a:t>2019-08-05</a:t>
+              <a:t>2019-08-09</a:t>
             </a:fld>
             <a:endParaRPr lang="ko-KR" altLang="en-US"/>
           </a:p>
@@ -2269,7 +2269,7 @@
           <a:p>
             <a:fld id="{12FB9327-987E-47D6-AE2D-63CED8A79494}" type="datetime1">
               <a:rPr lang="ko-KR" altLang="en-US" smtClean="0"/>
-              <a:t>2019-08-05</a:t>
+              <a:t>2019-08-09</a:t>
             </a:fld>
             <a:endParaRPr lang="ko-KR" altLang="en-US"/>
           </a:p>
@@ -2546,7 +2546,7 @@
           <a:p>
             <a:fld id="{D8D87011-7294-4632-A156-4F695AB9E41C}" type="datetime1">
               <a:rPr lang="ko-KR" altLang="en-US" smtClean="0"/>
-              <a:t>2019-08-05</a:t>
+              <a:t>2019-08-09</a:t>
             </a:fld>
             <a:endParaRPr lang="ko-KR" altLang="en-US"/>
           </a:p>
@@ -2803,7 +2803,7 @@
           <a:p>
             <a:fld id="{1BDC7FDB-72DE-4D65-AF4F-510496DAF70F}" type="datetime1">
               <a:rPr lang="ko-KR" altLang="en-US" smtClean="0"/>
-              <a:t>2019-08-05</a:t>
+              <a:t>2019-08-09</a:t>
             </a:fld>
             <a:endParaRPr lang="ko-KR" altLang="en-US"/>
           </a:p>
@@ -3016,7 +3016,7 @@
           <a:p>
             <a:fld id="{9A286DBF-DB43-470A-A903-26374CB6EF47}" type="datetime1">
               <a:rPr lang="ko-KR" altLang="en-US" smtClean="0"/>
-              <a:t>2019-08-05</a:t>
+              <a:t>2019-08-09</a:t>
             </a:fld>
             <a:endParaRPr lang="ko-KR" altLang="en-US"/>
           </a:p>
@@ -3439,7 +3439,7 @@
           <a:p>
             <a:fld id="{32C03489-23FC-4021-B9AB-958EFB3C0FE7}" type="datetime1">
               <a:rPr lang="ko-KR" altLang="en-US" smtClean="0"/>
-              <a:t>2019-08-05</a:t>
+              <a:t>2019-08-09</a:t>
             </a:fld>
             <a:endParaRPr lang="ko-KR" altLang="en-US"/>
           </a:p>
@@ -3515,7 +3515,7 @@
         <p:spPr>
           <a:xfrm>
             <a:off x="4937761" y="935183"/>
-            <a:ext cx="3577590" cy="923330"/>
+            <a:ext cx="3577590" cy="1338828"/>
           </a:xfrm>
           <a:prstGeom prst="rect">
             <a:avLst/>
@@ -3537,8 +3537,9 @@
             </a:pPr>
             <a:r>
               <a:rPr lang="en-US" altLang="ko-KR" dirty="0" smtClean="0"/>
-              <a:t>Neural Network Model Training</a:t>
-            </a:r>
+              <a:t>Neural Network Model preparation</a:t>
+            </a:r>
+            <a:endParaRPr lang="en-US" altLang="ko-KR" dirty="0" smtClean="0"/>
           </a:p>
           <a:p>
             <a:pPr marL="285750" indent="-285750">
@@ -3550,7 +3551,7 @@
             </a:pPr>
             <a:r>
               <a:rPr lang="en-US" altLang="ko-KR" dirty="0" smtClean="0"/>
-              <a:t>Inverse Design</a:t>
+              <a:t>Inverse Design coding</a:t>
             </a:r>
             <a:endParaRPr lang="en-US" altLang="ko-KR" dirty="0" smtClean="0"/>
           </a:p>
@@ -3647,11 +3648,7 @@
             </a:r>
             <a:r>
               <a:rPr lang="ko-KR" altLang="en-US" dirty="0" smtClean="0"/>
-              <a:t>구매 </a:t>
-            </a:r>
-            <a:r>
-              <a:rPr lang="ko-KR" altLang="en-US" dirty="0" smtClean="0"/>
-              <a:t>사양</a:t>
+              <a:t>구매 사양</a:t>
             </a:r>
             <a:endParaRPr lang="en-US" altLang="ko-KR" dirty="0" smtClean="0"/>
           </a:p>
@@ -3667,7 +3664,6 @@
               <a:rPr lang="en-US" altLang="ko-KR" dirty="0" smtClean="0"/>
               <a:t>Neural Network Model Training</a:t>
             </a:r>
-            <a:endParaRPr lang="en-US" altLang="ko-KR" dirty="0" smtClean="0"/>
           </a:p>
           <a:p>
             <a:pPr marL="285750" indent="-285750">
@@ -3889,7 +3885,7 @@
           <a:p>
             <a:fld id="{9B9B7D2E-B202-4D7A-9519-0C490A04EB9C}" type="datetime1">
               <a:rPr lang="ko-KR" altLang="en-US" smtClean="0"/>
-              <a:t>2019-08-05</a:t>
+              <a:t>2019-08-09</a:t>
             </a:fld>
             <a:endParaRPr lang="ko-KR" altLang="en-US"/>
           </a:p>
@@ -4261,7 +4257,7 @@
           <a:p>
             <a:fld id="{9B9B7D2E-B202-4D7A-9519-0C490A04EB9C}" type="datetime1">
               <a:rPr lang="ko-KR" altLang="en-US" smtClean="0"/>
-              <a:t>2019-08-05</a:t>
+              <a:t>2019-08-09</a:t>
             </a:fld>
             <a:endParaRPr lang="ko-KR" altLang="en-US"/>
           </a:p>
@@ -4423,7 +4419,23 @@
             </a:pPr>
             <a:r>
               <a:rPr lang="en-US" altLang="ko-KR" sz="1600" dirty="0" smtClean="0"/>
-              <a:t>FDTD(3), MODE(1), DGTD(1), CHARGE(1), HEAT(1), FEEM(1), INTERCONNECT(1)</a:t>
+              <a:t>FDTD(3), MODE(1), DGTD(1</a:t>
+            </a:r>
+            <a:r>
+              <a:rPr lang="en-US" altLang="ko-KR" sz="1600" dirty="0" smtClean="0"/>
+              <a:t>)*, </a:t>
+            </a:r>
+            <a:r>
+              <a:rPr lang="en-US" altLang="ko-KR" sz="1600" dirty="0" smtClean="0"/>
+              <a:t>CHARGE(1), HEAT(1), FEEM(1</a:t>
+            </a:r>
+            <a:r>
+              <a:rPr lang="en-US" altLang="ko-KR" sz="1600" dirty="0" smtClean="0"/>
+              <a:t>)**, </a:t>
+            </a:r>
+            <a:r>
+              <a:rPr lang="en-US" altLang="ko-KR" sz="1600" dirty="0" smtClean="0"/>
+              <a:t>INTERCONNECT(1)</a:t>
             </a:r>
           </a:p>
           <a:p>
@@ -4564,75 +4576,54 @@
           </a:bodyPr>
           <a:lstStyle/>
           <a:p>
-            <a:pPr marL="285750" indent="-285750">
-              <a:lnSpc>
-                <a:spcPct val="150000"/>
-              </a:lnSpc>
-              <a:buFontTx/>
-              <a:buChar char="-"/>
-            </a:pPr>
-            <a:r>
-              <a:rPr lang="en-US" altLang="ko-KR" sz="1600" dirty="0" smtClean="0"/>
-              <a:t>DGTD: </a:t>
-            </a:r>
-            <a:r>
-              <a:rPr lang="en-US" altLang="ko-KR" sz="1600" b="1" dirty="0" smtClean="0"/>
-              <a:t>D</a:t>
-            </a:r>
-            <a:r>
-              <a:rPr lang="en-US" altLang="ko-KR" sz="1600" dirty="0" smtClean="0"/>
-              <a:t>iscontinuous </a:t>
-            </a:r>
-            <a:r>
-              <a:rPr lang="en-US" altLang="ko-KR" sz="1600" b="1" dirty="0" err="1" smtClean="0"/>
-              <a:t>G</a:t>
-            </a:r>
-            <a:r>
-              <a:rPr lang="en-US" altLang="ko-KR" sz="1600" dirty="0" err="1" smtClean="0"/>
-              <a:t>alerkin</a:t>
-            </a:r>
-            <a:r>
-              <a:rPr lang="en-US" altLang="ko-KR" sz="1600" dirty="0" smtClean="0"/>
-              <a:t> </a:t>
-            </a:r>
-            <a:r>
-              <a:rPr lang="en-US" altLang="ko-KR" sz="1600" b="1" dirty="0" smtClean="0"/>
-              <a:t>T</a:t>
-            </a:r>
-            <a:r>
-              <a:rPr lang="en-US" altLang="ko-KR" sz="1600" dirty="0" smtClean="0"/>
-              <a:t>ime </a:t>
-            </a:r>
-            <a:r>
-              <a:rPr lang="en-US" altLang="ko-KR" sz="1600" b="1" dirty="0" smtClean="0"/>
-              <a:t>D</a:t>
-            </a:r>
-            <a:r>
-              <a:rPr lang="en-US" altLang="ko-KR" sz="1600" dirty="0" smtClean="0"/>
-              <a:t>omain</a:t>
-            </a:r>
-          </a:p>
-          <a:p>
             <a:pPr>
               <a:lnSpc>
                 <a:spcPct val="150000"/>
               </a:lnSpc>
             </a:pPr>
             <a:r>
-              <a:rPr lang="en-US" altLang="ko-KR" sz="1600" dirty="0"/>
-              <a:t>Higher order </a:t>
-            </a:r>
-            <a:r>
-              <a:rPr lang="en-US" altLang="ko-KR" sz="1600" i="1" dirty="0"/>
-              <a:t>mesh polynomials</a:t>
-            </a:r>
-            <a:r>
-              <a:rPr lang="en-US" altLang="ko-KR" sz="1600" dirty="0"/>
+              <a:rPr lang="en-US" altLang="ko-KR" sz="1600" dirty="0" smtClean="0"/>
+              <a:t>* DGTD</a:t>
+            </a:r>
+            <a:r>
+              <a:rPr lang="en-US" altLang="ko-KR" sz="1600" dirty="0" smtClean="0"/>
+              <a:t>: </a:t>
+            </a:r>
+            <a:r>
+              <a:rPr lang="en-US" altLang="ko-KR" sz="1600" b="1" dirty="0" smtClean="0"/>
+              <a:t>D</a:t>
+            </a:r>
+            <a:r>
+              <a:rPr lang="en-US" altLang="ko-KR" sz="1600" dirty="0" smtClean="0"/>
+              <a:t>iscontinuous </a:t>
+            </a:r>
+            <a:r>
+              <a:rPr lang="en-US" altLang="ko-KR" sz="1600" b="1" dirty="0" err="1" smtClean="0"/>
+              <a:t>G</a:t>
+            </a:r>
+            <a:r>
+              <a:rPr lang="en-US" altLang="ko-KR" sz="1600" dirty="0" err="1" smtClean="0"/>
+              <a:t>alerkin</a:t>
+            </a:r>
+            <a:r>
+              <a:rPr lang="en-US" altLang="ko-KR" sz="1600" dirty="0" smtClean="0"/>
               <a:t> </a:t>
             </a:r>
             <a:r>
+              <a:rPr lang="en-US" altLang="ko-KR" sz="1600" b="1" dirty="0" smtClean="0"/>
+              <a:t>T</a:t>
+            </a:r>
+            <a:r>
               <a:rPr lang="en-US" altLang="ko-KR" sz="1600" dirty="0" smtClean="0"/>
-              <a:t>for</a:t>
+              <a:t>ime </a:t>
+            </a:r>
+            <a:r>
+              <a:rPr lang="en-US" altLang="ko-KR" sz="1600" b="1" dirty="0" smtClean="0"/>
+              <a:t>D</a:t>
+            </a:r>
+            <a:r>
+              <a:rPr lang="en-US" altLang="ko-KR" sz="1600" dirty="0" smtClean="0"/>
+              <a:t>omain</a:t>
             </a:r>
           </a:p>
           <a:p>
@@ -4643,59 +4634,24 @@
             </a:pPr>
             <a:r>
               <a:rPr lang="en-US" altLang="ko-KR" sz="1600" dirty="0" smtClean="0"/>
-              <a:t>accurate </a:t>
+              <a:t>- Higher </a:t>
             </a:r>
             <a:r>
               <a:rPr lang="en-US" altLang="ko-KR" sz="1600" dirty="0"/>
-              <a:t>performance control</a:t>
-            </a:r>
-            <a:endParaRPr lang="en-US" altLang="ko-KR" sz="1600" dirty="0" smtClean="0"/>
-          </a:p>
-          <a:p>
-            <a:pPr marL="285750" indent="-285750">
-              <a:lnSpc>
-                <a:spcPct val="150000"/>
-              </a:lnSpc>
-              <a:buFontTx/>
-              <a:buChar char="-"/>
-            </a:pPr>
+              <a:t>order </a:t>
+            </a:r>
+            <a:r>
+              <a:rPr lang="en-US" altLang="ko-KR" sz="1600" i="1" dirty="0"/>
+              <a:t>mesh polynomials</a:t>
+            </a:r>
+            <a:r>
+              <a:rPr lang="en-US" altLang="ko-KR" sz="1600" dirty="0"/>
+              <a:t> </a:t>
+            </a:r>
             <a:r>
               <a:rPr lang="en-US" altLang="ko-KR" sz="1600" dirty="0" smtClean="0"/>
-              <a:t>FEEM: </a:t>
-            </a:r>
-            <a:r>
-              <a:rPr lang="en-US" altLang="ko-KR" sz="1600" b="1" dirty="0" smtClean="0"/>
-              <a:t>F</a:t>
-            </a:r>
-            <a:r>
-              <a:rPr lang="en-US" altLang="ko-KR" sz="1600" dirty="0" smtClean="0"/>
-              <a:t>inite </a:t>
-            </a:r>
-            <a:r>
-              <a:rPr lang="en-US" altLang="ko-KR" sz="1600" b="1" dirty="0" smtClean="0"/>
-              <a:t>E</a:t>
-            </a:r>
-            <a:r>
-              <a:rPr lang="en-US" altLang="ko-KR" sz="1600" dirty="0" smtClean="0"/>
-              <a:t>lement </a:t>
-            </a:r>
-            <a:r>
-              <a:rPr lang="en-US" altLang="ko-KR" sz="1600" b="1" dirty="0" err="1" smtClean="0"/>
-              <a:t>E</a:t>
-            </a:r>
-            <a:r>
-              <a:rPr lang="en-US" altLang="ko-KR" sz="1600" dirty="0" err="1" smtClean="0"/>
-              <a:t>igen</a:t>
-            </a:r>
-            <a:r>
-              <a:rPr lang="en-US" altLang="ko-KR" sz="1600" b="1" dirty="0" err="1" smtClean="0"/>
-              <a:t>m</a:t>
-            </a:r>
-            <a:r>
-              <a:rPr lang="en-US" altLang="ko-KR" sz="1600" dirty="0" err="1" smtClean="0"/>
-              <a:t>ode</a:t>
-            </a:r>
-            <a:endParaRPr lang="en-US" altLang="ko-KR" sz="1600" dirty="0" smtClean="0"/>
+              <a:t>for</a:t>
+            </a:r>
           </a:p>
           <a:p>
             <a:pPr>
@@ -4704,13 +4660,14 @@
               </a:lnSpc>
             </a:pPr>
             <a:r>
+              <a:rPr lang="en-US" altLang="ko-KR" sz="1600" dirty="0" smtClean="0"/>
+              <a:t>accurate </a:t>
+            </a:r>
+            <a:r>
               <a:rPr lang="en-US" altLang="ko-KR" sz="1600" dirty="0"/>
-              <a:t>Superior performance scaling thanks </a:t>
-            </a:r>
-            <a:r>
-              <a:rPr lang="en-US" altLang="ko-KR" sz="1600" dirty="0" smtClean="0"/>
-              <a:t>to</a:t>
-            </a:r>
+              <a:t>performance control</a:t>
+            </a:r>
+            <a:endParaRPr lang="en-US" altLang="ko-KR" sz="1600" dirty="0" smtClean="0"/>
           </a:p>
           <a:p>
             <a:pPr>
@@ -4720,6 +4677,73 @@
             </a:pPr>
             <a:r>
               <a:rPr lang="en-US" altLang="ko-KR" sz="1600" dirty="0" smtClean="0"/>
+              <a:t>** FEEM</a:t>
+            </a:r>
+            <a:r>
+              <a:rPr lang="en-US" altLang="ko-KR" sz="1600" dirty="0" smtClean="0"/>
+              <a:t>: </a:t>
+            </a:r>
+            <a:r>
+              <a:rPr lang="en-US" altLang="ko-KR" sz="1600" b="1" dirty="0" smtClean="0"/>
+              <a:t>F</a:t>
+            </a:r>
+            <a:r>
+              <a:rPr lang="en-US" altLang="ko-KR" sz="1600" dirty="0" smtClean="0"/>
+              <a:t>inite </a:t>
+            </a:r>
+            <a:r>
+              <a:rPr lang="en-US" altLang="ko-KR" sz="1600" b="1" dirty="0" smtClean="0"/>
+              <a:t>E</a:t>
+            </a:r>
+            <a:r>
+              <a:rPr lang="en-US" altLang="ko-KR" sz="1600" dirty="0" smtClean="0"/>
+              <a:t>lement </a:t>
+            </a:r>
+            <a:r>
+              <a:rPr lang="en-US" altLang="ko-KR" sz="1600" b="1" dirty="0" err="1" smtClean="0"/>
+              <a:t>E</a:t>
+            </a:r>
+            <a:r>
+              <a:rPr lang="en-US" altLang="ko-KR" sz="1600" dirty="0" err="1" smtClean="0"/>
+              <a:t>igen</a:t>
+            </a:r>
+            <a:r>
+              <a:rPr lang="en-US" altLang="ko-KR" sz="1600" b="1" dirty="0" err="1" smtClean="0"/>
+              <a:t>m</a:t>
+            </a:r>
+            <a:r>
+              <a:rPr lang="en-US" altLang="ko-KR" sz="1600" dirty="0" err="1" smtClean="0"/>
+              <a:t>ode</a:t>
+            </a:r>
+            <a:endParaRPr lang="en-US" altLang="ko-KR" sz="1600" dirty="0" smtClean="0"/>
+          </a:p>
+          <a:p>
+            <a:pPr>
+              <a:lnSpc>
+                <a:spcPct val="150000"/>
+              </a:lnSpc>
+            </a:pPr>
+            <a:r>
+              <a:rPr lang="en-US" altLang="ko-KR" sz="1600" dirty="0" smtClean="0"/>
+              <a:t>- Superior </a:t>
+            </a:r>
+            <a:r>
+              <a:rPr lang="en-US" altLang="ko-KR" sz="1600" dirty="0"/>
+              <a:t>performance scaling thanks </a:t>
+            </a:r>
+            <a:r>
+              <a:rPr lang="en-US" altLang="ko-KR" sz="1600" dirty="0" smtClean="0"/>
+              <a:t>to</a:t>
+            </a:r>
+          </a:p>
+          <a:p>
+            <a:pPr>
+              <a:lnSpc>
+                <a:spcPct val="150000"/>
+              </a:lnSpc>
+            </a:pPr>
+            <a:r>
+              <a:rPr lang="en-US" altLang="ko-KR" sz="1600" dirty="0" smtClean="0"/>
               <a:t>higher </a:t>
             </a:r>
             <a:r>
@@ -4731,6 +4755,52 @@
               <a:t>mesh polynomials</a:t>
             </a:r>
             <a:endParaRPr lang="en-US" altLang="ko-KR" sz="1600" i="1" dirty="0" smtClean="0"/>
+          </a:p>
+        </p:txBody>
+      </p:sp>
+      <p:sp>
+        <p:nvSpPr>
+          <p:cNvPr id="2" name="직사각형 1"/>
+          <p:cNvSpPr/>
+          <p:nvPr/>
+        </p:nvSpPr>
+        <p:spPr>
+          <a:xfrm>
+            <a:off x="224444" y="814119"/>
+            <a:ext cx="7315200" cy="1985159"/>
+          </a:xfrm>
+          <a:prstGeom prst="rect">
+            <a:avLst/>
+          </a:prstGeom>
+          <a:noFill/>
+          <a:ln w="57150">
+            <a:solidFill>
+              <a:srgbClr val="C00000"/>
+            </a:solidFill>
+          </a:ln>
+        </p:spPr>
+        <p:style>
+          <a:lnRef idx="2">
+            <a:schemeClr val="accent1">
+              <a:shade val="50000"/>
+            </a:schemeClr>
+          </a:lnRef>
+          <a:fillRef idx="1">
+            <a:schemeClr val="accent1"/>
+          </a:fillRef>
+          <a:effectRef idx="0">
+            <a:schemeClr val="accent1"/>
+          </a:effectRef>
+          <a:fontRef idx="minor">
+            <a:schemeClr val="lt1"/>
+          </a:fontRef>
+        </p:style>
+        <p:txBody>
+          <a:bodyPr rtlCol="0" anchor="ctr"/>
+          <a:lstStyle/>
+          <a:p>
+            <a:pPr algn="ctr"/>
+            <a:endParaRPr lang="ko-KR" altLang="en-US"/>
           </a:p>
         </p:txBody>
       </p:sp>
@@ -4781,7 +4851,7 @@
           <a:p>
             <a:fld id="{9B9B7D2E-B202-4D7A-9519-0C490A04EB9C}" type="datetime1">
               <a:rPr lang="ko-KR" altLang="en-US" smtClean="0"/>
-              <a:t>2019-08-05</a:t>
+              <a:t>2019-08-09</a:t>
             </a:fld>
             <a:endParaRPr lang="ko-KR" altLang="en-US"/>
           </a:p>
@@ -4977,9 +5047,6 @@
               </a:rPr>
               <a:t>X)</a:t>
             </a:r>
-            <a:endParaRPr lang="en-US" altLang="ko-KR" dirty="0" smtClean="0">
-              <a:latin typeface="+mn-ea"/>
-            </a:endParaRPr>
           </a:p>
         </p:txBody>
       </p:sp>
@@ -6313,7 +6380,7 @@
           <a:p>
             <a:fld id="{9B9B7D2E-B202-4D7A-9519-0C490A04EB9C}" type="datetime1">
               <a:rPr lang="ko-KR" altLang="en-US" smtClean="0"/>
-              <a:t>2019-08-05</a:t>
+              <a:t>2019-08-09</a:t>
             </a:fld>
             <a:endParaRPr lang="ko-KR" altLang="en-US"/>
           </a:p>
@@ -6486,7 +6553,6 @@
               <a:rPr lang="en-US" altLang="ko-KR" dirty="0" smtClean="0"/>
               <a:t>FDTD</a:t>
             </a:r>
-            <a:endParaRPr lang="en-US" altLang="ko-KR" dirty="0" smtClean="0"/>
           </a:p>
         </p:txBody>
       </p:sp>
@@ -6559,8 +6625,8 @@
           </a:p>
         </p:txBody>
       </p:sp>
-      <mc:AlternateContent xmlns:mc="http://schemas.openxmlformats.org/markup-compatibility/2006">
-        <mc:Choice xmlns:a14="http://schemas.microsoft.com/office/drawing/2010/main" Requires="a14">
+      <mc:AlternateContent xmlns:mc="http://schemas.openxmlformats.org/markup-compatibility/2006" xmlns:a14="http://schemas.microsoft.com/office/drawing/2010/main">
+        <mc:Choice Requires="a14">
           <p:sp>
             <p:nvSpPr>
               <p:cNvPr id="25" name="TextBox 24"/>
@@ -6680,7 +6746,7 @@
             </p:txBody>
           </p:sp>
         </mc:Choice>
-        <mc:Fallback>
+        <mc:Fallback xmlns="">
           <p:sp>
             <p:nvSpPr>
               <p:cNvPr id="25" name="TextBox 24"/>
@@ -7375,8 +7441,8 @@
           </a:p>
         </p:txBody>
       </p:sp>
-      <mc:AlternateContent xmlns:mc="http://schemas.openxmlformats.org/markup-compatibility/2006">
-        <mc:Choice xmlns:a14="http://schemas.microsoft.com/office/drawing/2010/main" Requires="a14">
+      <mc:AlternateContent xmlns:mc="http://schemas.openxmlformats.org/markup-compatibility/2006" xmlns:a14="http://schemas.microsoft.com/office/drawing/2010/main">
+        <mc:Choice Requires="a14">
           <p:sp>
             <p:nvSpPr>
               <p:cNvPr id="29" name="TextBox 28"/>
@@ -7489,7 +7555,7 @@
             </p:txBody>
           </p:sp>
         </mc:Choice>
-        <mc:Fallback>
+        <mc:Fallback xmlns="">
           <p:sp>
             <p:nvSpPr>
               <p:cNvPr id="29" name="TextBox 28"/>
@@ -7606,7 +7672,7 @@
           <a:p>
             <a:fld id="{9B9B7D2E-B202-4D7A-9519-0C490A04EB9C}" type="datetime1">
               <a:rPr lang="ko-KR" altLang="en-US" smtClean="0"/>
-              <a:t>2019-08-05</a:t>
+              <a:t>2019-08-09</a:t>
             </a:fld>
             <a:endParaRPr lang="ko-KR" altLang="en-US"/>
           </a:p>
@@ -7738,7 +7804,6 @@
                 <a:rPr lang="en-US" altLang="ko-KR" dirty="0" smtClean="0"/>
                 <a:t>FDTD</a:t>
               </a:r>
-              <a:endParaRPr lang="en-US" altLang="ko-KR" dirty="0" smtClean="0"/>
             </a:p>
           </p:txBody>
         </p:sp>
@@ -7811,8 +7876,8 @@
             </a:p>
           </p:txBody>
         </p:sp>
-        <mc:AlternateContent xmlns:mc="http://schemas.openxmlformats.org/markup-compatibility/2006">
-          <mc:Choice xmlns:a14="http://schemas.microsoft.com/office/drawing/2010/main" Requires="a14">
+        <mc:AlternateContent xmlns:mc="http://schemas.openxmlformats.org/markup-compatibility/2006" xmlns:a14="http://schemas.microsoft.com/office/drawing/2010/main">
+          <mc:Choice Requires="a14">
             <p:sp>
               <p:nvSpPr>
                 <p:cNvPr id="48" name="TextBox 47"/>
@@ -7932,7 +7997,7 @@
               </p:txBody>
             </p:sp>
           </mc:Choice>
-          <mc:Fallback>
+          <mc:Fallback xmlns="">
             <p:sp>
               <p:nvSpPr>
                 <p:cNvPr id="48" name="TextBox 47"/>
@@ -8003,8 +8068,8 @@
           </a:p>
         </p:txBody>
       </p:sp>
-      <mc:AlternateContent xmlns:mc="http://schemas.openxmlformats.org/markup-compatibility/2006">
-        <mc:Choice xmlns:a14="http://schemas.microsoft.com/office/drawing/2010/main" Requires="a14">
+      <mc:AlternateContent xmlns:mc="http://schemas.openxmlformats.org/markup-compatibility/2006" xmlns:a14="http://schemas.microsoft.com/office/drawing/2010/main">
+        <mc:Choice Requires="a14">
           <p:sp>
             <p:nvSpPr>
               <p:cNvPr id="11" name="TextBox 10"/>
@@ -8027,6 +8092,7 @@
               </a:bodyPr>
               <a:lstStyle/>
               <a:p>
+                <a:pPr/>
                 <a14:m>
                   <m:oMathPara xmlns:m="http://schemas.openxmlformats.org/officeDocument/2006/math">
                     <m:oMathParaPr>
@@ -8121,7 +8187,7 @@
             </p:txBody>
           </p:sp>
         </mc:Choice>
-        <mc:Fallback>
+        <mc:Fallback xmlns="">
           <p:sp>
             <p:nvSpPr>
               <p:cNvPr id="11" name="TextBox 10"/>
@@ -8700,7 +8766,7 @@
           <a:p>
             <a:fld id="{9B9B7D2E-B202-4D7A-9519-0C490A04EB9C}" type="datetime1">
               <a:rPr lang="ko-KR" altLang="en-US" smtClean="0"/>
-              <a:t>2019-08-05</a:t>
+              <a:t>2019-08-09</a:t>
             </a:fld>
             <a:endParaRPr lang="ko-KR" altLang="en-US"/>
           </a:p>
@@ -8800,19 +8866,11 @@
             <a:pPr algn="just"/>
             <a:r>
               <a:rPr lang="en-US" altLang="ko-KR" b="1" dirty="0" smtClean="0"/>
-              <a:t>FCNN </a:t>
-            </a:r>
-            <a:r>
-              <a:rPr lang="en-US" altLang="ko-KR" b="1" dirty="0" smtClean="0"/>
-              <a:t>(Fully </a:t>
+              <a:t>FCNN (Fully </a:t>
             </a:r>
             <a:r>
               <a:rPr lang="en-US" altLang="ko-KR" b="1" smtClean="0"/>
-              <a:t>Connected </a:t>
-            </a:r>
-            <a:r>
-              <a:rPr lang="en-US" altLang="ko-KR" b="1" smtClean="0"/>
-              <a:t>Neural </a:t>
+              <a:t>Connected Neural </a:t>
             </a:r>
             <a:r>
               <a:rPr lang="en-US" altLang="ko-KR" b="1" dirty="0" smtClean="0"/>
